--- a/Trunk/PicoDelta.pptx
+++ b/Trunk/PicoDelta.pptx
@@ -4,6 +4,9 @@
   <p:sldMasterIdLst>
     <p:sldMasterId id="2147483648" r:id="rId1"/>
   </p:sldMasterIdLst>
+  <p:notesMasterIdLst>
+    <p:notesMasterId r:id="rId16"/>
+  </p:notesMasterIdLst>
   <p:sldIdLst>
     <p:sldId id="256" r:id="rId2"/>
     <p:sldId id="258" r:id="rId3"/>
@@ -12,6 +15,13 @@
     <p:sldId id="262" r:id="rId6"/>
     <p:sldId id="261" r:id="rId7"/>
     <p:sldId id="257" r:id="rId8"/>
+    <p:sldId id="265" r:id="rId9"/>
+    <p:sldId id="266" r:id="rId10"/>
+    <p:sldId id="263" r:id="rId11"/>
+    <p:sldId id="267" r:id="rId12"/>
+    <p:sldId id="264" r:id="rId13"/>
+    <p:sldId id="268" r:id="rId14"/>
+    <p:sldId id="269" r:id="rId15"/>
   </p:sldIdLst>
   <p:sldSz cx="9144000" cy="6858000" type="screen4x3"/>
   <p:notesSz cx="6858000" cy="9144000"/>
@@ -113,6 +123,535 @@
 </p:presentation>
 </file>
 
+<file path=ppt/notesMasters/notesMaster1.xml><?xml version="1.0" encoding="utf-8"?>
+<p:notesMaster xmlns:a="http://schemas.openxmlformats.org/drawingml/2006/main" xmlns:r="http://schemas.openxmlformats.org/officeDocument/2006/relationships" xmlns:p="http://schemas.openxmlformats.org/presentationml/2006/main">
+  <p:cSld>
+    <p:bg>
+      <p:bgRef idx="1001">
+        <a:schemeClr val="bg1"/>
+      </p:bgRef>
+    </p:bg>
+    <p:spTree>
+      <p:nvGrpSpPr>
+        <p:cNvPr id="1" name=""/>
+        <p:cNvGrpSpPr/>
+        <p:nvPr/>
+      </p:nvGrpSpPr>
+      <p:grpSpPr>
+        <a:xfrm>
+          <a:off x="0" y="0"/>
+          <a:ext cx="0" cy="0"/>
+          <a:chOff x="0" y="0"/>
+          <a:chExt cx="0" cy="0"/>
+        </a:xfrm>
+      </p:grpSpPr>
+      <p:sp>
+        <p:nvSpPr>
+          <p:cNvPr id="2" name="Header Placeholder 1"/>
+          <p:cNvSpPr>
+            <a:spLocks noGrp="1"/>
+          </p:cNvSpPr>
+          <p:nvPr>
+            <p:ph type="hdr" sz="quarter"/>
+          </p:nvPr>
+        </p:nvSpPr>
+        <p:spPr>
+          <a:xfrm>
+            <a:off x="0" y="0"/>
+            <a:ext cx="2971800" cy="457200"/>
+          </a:xfrm>
+          <a:prstGeom prst="rect">
+            <a:avLst/>
+          </a:prstGeom>
+        </p:spPr>
+        <p:txBody>
+          <a:bodyPr vert="horz" lIns="91440" tIns="45720" rIns="91440" bIns="45720" rtlCol="0"/>
+          <a:lstStyle>
+            <a:lvl1pPr algn="l">
+              <a:defRPr sz="1200"/>
+            </a:lvl1pPr>
+          </a:lstStyle>
+          <a:p>
+            <a:endParaRPr lang="en-GB"/>
+          </a:p>
+        </p:txBody>
+      </p:sp>
+      <p:sp>
+        <p:nvSpPr>
+          <p:cNvPr id="3" name="Date Placeholder 2"/>
+          <p:cNvSpPr>
+            <a:spLocks noGrp="1"/>
+          </p:cNvSpPr>
+          <p:nvPr>
+            <p:ph type="dt" idx="1"/>
+          </p:nvPr>
+        </p:nvSpPr>
+        <p:spPr>
+          <a:xfrm>
+            <a:off x="3884613" y="0"/>
+            <a:ext cx="2971800" cy="457200"/>
+          </a:xfrm>
+          <a:prstGeom prst="rect">
+            <a:avLst/>
+          </a:prstGeom>
+        </p:spPr>
+        <p:txBody>
+          <a:bodyPr vert="horz" lIns="91440" tIns="45720" rIns="91440" bIns="45720" rtlCol="0"/>
+          <a:lstStyle>
+            <a:lvl1pPr algn="r">
+              <a:defRPr sz="1200"/>
+            </a:lvl1pPr>
+          </a:lstStyle>
+          <a:p>
+            <a:fld id="{F8452C4B-3274-4104-B9FC-2B2C2F836C5C}" type="datetimeFigureOut">
+              <a:rPr lang="en-GB" smtClean="0"/>
+              <a:t>24/03/2011</a:t>
+            </a:fld>
+            <a:endParaRPr lang="en-GB"/>
+          </a:p>
+        </p:txBody>
+      </p:sp>
+      <p:sp>
+        <p:nvSpPr>
+          <p:cNvPr id="4" name="Slide Image Placeholder 3"/>
+          <p:cNvSpPr>
+            <a:spLocks noGrp="1" noRot="1" noChangeAspect="1"/>
+          </p:cNvSpPr>
+          <p:nvPr>
+            <p:ph type="sldImg" idx="2"/>
+          </p:nvPr>
+        </p:nvSpPr>
+        <p:spPr>
+          <a:xfrm>
+            <a:off x="1143000" y="685800"/>
+            <a:ext cx="4572000" cy="3429000"/>
+          </a:xfrm>
+          <a:prstGeom prst="rect">
+            <a:avLst/>
+          </a:prstGeom>
+          <a:noFill/>
+          <a:ln w="12700">
+            <a:solidFill>
+              <a:prstClr val="black"/>
+            </a:solidFill>
+          </a:ln>
+        </p:spPr>
+        <p:txBody>
+          <a:bodyPr vert="horz" lIns="91440" tIns="45720" rIns="91440" bIns="45720" rtlCol="0" anchor="ctr"/>
+          <a:lstStyle/>
+          <a:p>
+            <a:endParaRPr lang="en-GB"/>
+          </a:p>
+        </p:txBody>
+      </p:sp>
+      <p:sp>
+        <p:nvSpPr>
+          <p:cNvPr id="5" name="Notes Placeholder 4"/>
+          <p:cNvSpPr>
+            <a:spLocks noGrp="1"/>
+          </p:cNvSpPr>
+          <p:nvPr>
+            <p:ph type="body" sz="quarter" idx="3"/>
+          </p:nvPr>
+        </p:nvSpPr>
+        <p:spPr>
+          <a:xfrm>
+            <a:off x="685800" y="4343400"/>
+            <a:ext cx="5486400" cy="4114800"/>
+          </a:xfrm>
+          <a:prstGeom prst="rect">
+            <a:avLst/>
+          </a:prstGeom>
+        </p:spPr>
+        <p:txBody>
+          <a:bodyPr vert="horz" lIns="91440" tIns="45720" rIns="91440" bIns="45720" rtlCol="0"/>
+          <a:lstStyle/>
+          <a:p>
+            <a:pPr lvl="0"/>
+            <a:r>
+              <a:rPr lang="en-US" smtClean="0"/>
+              <a:t>Click to edit Master text styles</a:t>
+            </a:r>
+          </a:p>
+          <a:p>
+            <a:pPr lvl="1"/>
+            <a:r>
+              <a:rPr lang="en-US" smtClean="0"/>
+              <a:t>Second level</a:t>
+            </a:r>
+          </a:p>
+          <a:p>
+            <a:pPr lvl="2"/>
+            <a:r>
+              <a:rPr lang="en-US" smtClean="0"/>
+              <a:t>Third level</a:t>
+            </a:r>
+          </a:p>
+          <a:p>
+            <a:pPr lvl="3"/>
+            <a:r>
+              <a:rPr lang="en-US" smtClean="0"/>
+              <a:t>Fourth level</a:t>
+            </a:r>
+          </a:p>
+          <a:p>
+            <a:pPr lvl="4"/>
+            <a:r>
+              <a:rPr lang="en-US" smtClean="0"/>
+              <a:t>Fifth level</a:t>
+            </a:r>
+            <a:endParaRPr lang="en-GB"/>
+          </a:p>
+        </p:txBody>
+      </p:sp>
+      <p:sp>
+        <p:nvSpPr>
+          <p:cNvPr id="6" name="Footer Placeholder 5"/>
+          <p:cNvSpPr>
+            <a:spLocks noGrp="1"/>
+          </p:cNvSpPr>
+          <p:nvPr>
+            <p:ph type="ftr" sz="quarter" idx="4"/>
+          </p:nvPr>
+        </p:nvSpPr>
+        <p:spPr>
+          <a:xfrm>
+            <a:off x="0" y="8685213"/>
+            <a:ext cx="2971800" cy="457200"/>
+          </a:xfrm>
+          <a:prstGeom prst="rect">
+            <a:avLst/>
+          </a:prstGeom>
+        </p:spPr>
+        <p:txBody>
+          <a:bodyPr vert="horz" lIns="91440" tIns="45720" rIns="91440" bIns="45720" rtlCol="0" anchor="b"/>
+          <a:lstStyle>
+            <a:lvl1pPr algn="l">
+              <a:defRPr sz="1200"/>
+            </a:lvl1pPr>
+          </a:lstStyle>
+          <a:p>
+            <a:endParaRPr lang="en-GB"/>
+          </a:p>
+        </p:txBody>
+      </p:sp>
+      <p:sp>
+        <p:nvSpPr>
+          <p:cNvPr id="7" name="Slide Number Placeholder 6"/>
+          <p:cNvSpPr>
+            <a:spLocks noGrp="1"/>
+          </p:cNvSpPr>
+          <p:nvPr>
+            <p:ph type="sldNum" sz="quarter" idx="5"/>
+          </p:nvPr>
+        </p:nvSpPr>
+        <p:spPr>
+          <a:xfrm>
+            <a:off x="3884613" y="8685213"/>
+            <a:ext cx="2971800" cy="457200"/>
+          </a:xfrm>
+          <a:prstGeom prst="rect">
+            <a:avLst/>
+          </a:prstGeom>
+        </p:spPr>
+        <p:txBody>
+          <a:bodyPr vert="horz" lIns="91440" tIns="45720" rIns="91440" bIns="45720" rtlCol="0" anchor="b"/>
+          <a:lstStyle>
+            <a:lvl1pPr algn="r">
+              <a:defRPr sz="1200"/>
+            </a:lvl1pPr>
+          </a:lstStyle>
+          <a:p>
+            <a:fld id="{EA57D444-546A-43F3-A88A-2F483084EF10}" type="slidenum">
+              <a:rPr lang="en-GB" smtClean="0"/>
+              <a:t>‹#›</a:t>
+            </a:fld>
+            <a:endParaRPr lang="en-GB"/>
+          </a:p>
+        </p:txBody>
+      </p:sp>
+    </p:spTree>
+    <p:extLst>
+      <p:ext uri="{BB962C8B-B14F-4D97-AF65-F5344CB8AC3E}">
+        <p14:creationId xmlns:p14="http://schemas.microsoft.com/office/powerpoint/2010/main" val="2466245660"/>
+      </p:ext>
+    </p:extLst>
+  </p:cSld>
+  <p:clrMap bg1="lt1" tx1="dk1" bg2="lt2" tx2="dk2" accent1="accent1" accent2="accent2" accent3="accent3" accent4="accent4" accent5="accent5" accent6="accent6" hlink="hlink" folHlink="folHlink"/>
+  <p:notesStyle>
+    <a:lvl1pPr marL="0" algn="l" defTabSz="914400" rtl="0" eaLnBrk="1" latinLnBrk="0" hangingPunct="1">
+      <a:defRPr sz="1200" kern="1200">
+        <a:solidFill>
+          <a:schemeClr val="tx1"/>
+        </a:solidFill>
+        <a:latin typeface="+mn-lt"/>
+        <a:ea typeface="+mn-ea"/>
+        <a:cs typeface="+mn-cs"/>
+      </a:defRPr>
+    </a:lvl1pPr>
+    <a:lvl2pPr marL="457200" algn="l" defTabSz="914400" rtl="0" eaLnBrk="1" latinLnBrk="0" hangingPunct="1">
+      <a:defRPr sz="1200" kern="1200">
+        <a:solidFill>
+          <a:schemeClr val="tx1"/>
+        </a:solidFill>
+        <a:latin typeface="+mn-lt"/>
+        <a:ea typeface="+mn-ea"/>
+        <a:cs typeface="+mn-cs"/>
+      </a:defRPr>
+    </a:lvl2pPr>
+    <a:lvl3pPr marL="914400" algn="l" defTabSz="914400" rtl="0" eaLnBrk="1" latinLnBrk="0" hangingPunct="1">
+      <a:defRPr sz="1200" kern="1200">
+        <a:solidFill>
+          <a:schemeClr val="tx1"/>
+        </a:solidFill>
+        <a:latin typeface="+mn-lt"/>
+        <a:ea typeface="+mn-ea"/>
+        <a:cs typeface="+mn-cs"/>
+      </a:defRPr>
+    </a:lvl3pPr>
+    <a:lvl4pPr marL="1371600" algn="l" defTabSz="914400" rtl="0" eaLnBrk="1" latinLnBrk="0" hangingPunct="1">
+      <a:defRPr sz="1200" kern="1200">
+        <a:solidFill>
+          <a:schemeClr val="tx1"/>
+        </a:solidFill>
+        <a:latin typeface="+mn-lt"/>
+        <a:ea typeface="+mn-ea"/>
+        <a:cs typeface="+mn-cs"/>
+      </a:defRPr>
+    </a:lvl4pPr>
+    <a:lvl5pPr marL="1828800" algn="l" defTabSz="914400" rtl="0" eaLnBrk="1" latinLnBrk="0" hangingPunct="1">
+      <a:defRPr sz="1200" kern="1200">
+        <a:solidFill>
+          <a:schemeClr val="tx1"/>
+        </a:solidFill>
+        <a:latin typeface="+mn-lt"/>
+        <a:ea typeface="+mn-ea"/>
+        <a:cs typeface="+mn-cs"/>
+      </a:defRPr>
+    </a:lvl5pPr>
+    <a:lvl6pPr marL="2286000" algn="l" defTabSz="914400" rtl="0" eaLnBrk="1" latinLnBrk="0" hangingPunct="1">
+      <a:defRPr sz="1200" kern="1200">
+        <a:solidFill>
+          <a:schemeClr val="tx1"/>
+        </a:solidFill>
+        <a:latin typeface="+mn-lt"/>
+        <a:ea typeface="+mn-ea"/>
+        <a:cs typeface="+mn-cs"/>
+      </a:defRPr>
+    </a:lvl6pPr>
+    <a:lvl7pPr marL="2743200" algn="l" defTabSz="914400" rtl="0" eaLnBrk="1" latinLnBrk="0" hangingPunct="1">
+      <a:defRPr sz="1200" kern="1200">
+        <a:solidFill>
+          <a:schemeClr val="tx1"/>
+        </a:solidFill>
+        <a:latin typeface="+mn-lt"/>
+        <a:ea typeface="+mn-ea"/>
+        <a:cs typeface="+mn-cs"/>
+      </a:defRPr>
+    </a:lvl7pPr>
+    <a:lvl8pPr marL="3200400" algn="l" defTabSz="914400" rtl="0" eaLnBrk="1" latinLnBrk="0" hangingPunct="1">
+      <a:defRPr sz="1200" kern="1200">
+        <a:solidFill>
+          <a:schemeClr val="tx1"/>
+        </a:solidFill>
+        <a:latin typeface="+mn-lt"/>
+        <a:ea typeface="+mn-ea"/>
+        <a:cs typeface="+mn-cs"/>
+      </a:defRPr>
+    </a:lvl8pPr>
+    <a:lvl9pPr marL="3657600" algn="l" defTabSz="914400" rtl="0" eaLnBrk="1" latinLnBrk="0" hangingPunct="1">
+      <a:defRPr sz="1200" kern="1200">
+        <a:solidFill>
+          <a:schemeClr val="tx1"/>
+        </a:solidFill>
+        <a:latin typeface="+mn-lt"/>
+        <a:ea typeface="+mn-ea"/>
+        <a:cs typeface="+mn-cs"/>
+      </a:defRPr>
+    </a:lvl9pPr>
+  </p:notesStyle>
+</p:notesMaster>
+</file>
+
+<file path=ppt/notesSlides/notesSlide1.xml><?xml version="1.0" encoding="utf-8"?>
+<p:notes xmlns:a="http://schemas.openxmlformats.org/drawingml/2006/main" xmlns:r="http://schemas.openxmlformats.org/officeDocument/2006/relationships" xmlns:p="http://schemas.openxmlformats.org/presentationml/2006/main">
+  <p:cSld>
+    <p:spTree>
+      <p:nvGrpSpPr>
+        <p:cNvPr id="1" name=""/>
+        <p:cNvGrpSpPr/>
+        <p:nvPr/>
+      </p:nvGrpSpPr>
+      <p:grpSpPr>
+        <a:xfrm>
+          <a:off x="0" y="0"/>
+          <a:ext cx="0" cy="0"/>
+          <a:chOff x="0" y="0"/>
+          <a:chExt cx="0" cy="0"/>
+        </a:xfrm>
+      </p:grpSpPr>
+      <p:sp>
+        <p:nvSpPr>
+          <p:cNvPr id="2" name="Slide Image Placeholder 1"/>
+          <p:cNvSpPr>
+            <a:spLocks noGrp="1" noRot="1" noChangeAspect="1"/>
+          </p:cNvSpPr>
+          <p:nvPr>
+            <p:ph type="sldImg"/>
+          </p:nvPr>
+        </p:nvSpPr>
+        <p:spPr/>
+      </p:sp>
+      <p:sp>
+        <p:nvSpPr>
+          <p:cNvPr id="3" name="Notes Placeholder 2"/>
+          <p:cNvSpPr>
+            <a:spLocks noGrp="1"/>
+          </p:cNvSpPr>
+          <p:nvPr>
+            <p:ph type="body" idx="1"/>
+          </p:nvPr>
+        </p:nvSpPr>
+        <p:spPr/>
+        <p:txBody>
+          <a:bodyPr>
+            <a:normAutofit/>
+          </a:bodyPr>
+          <a:lstStyle/>
+          <a:p>
+            <a:endParaRPr lang="en-US"/>
+          </a:p>
+        </p:txBody>
+      </p:sp>
+      <p:sp>
+        <p:nvSpPr>
+          <p:cNvPr id="4" name="Slide Number Placeholder 3"/>
+          <p:cNvSpPr>
+            <a:spLocks noGrp="1"/>
+          </p:cNvSpPr>
+          <p:nvPr>
+            <p:ph type="sldNum" sz="quarter" idx="10"/>
+          </p:nvPr>
+        </p:nvSpPr>
+        <p:spPr/>
+        <p:txBody>
+          <a:bodyPr/>
+          <a:lstStyle/>
+          <a:p>
+            <a:pPr algn="r" rtl="0"/>
+            <a:fld id="{AC248039-9E8B-422F-8B1A-4AF677A6F4FF}" type="slidenum">
+              <a:rPr lang="en-US" sz="1200" kern="1200">
+                <a:solidFill>
+                  <a:prstClr val="black"/>
+                </a:solidFill>
+                <a:latin typeface="Calibri"/>
+                <a:ea typeface="+mn-ea"/>
+                <a:cs typeface="+mn-cs"/>
+              </a:rPr>
+              <a:pPr algn="r" rtl="0"/>
+              <a:t>11</a:t>
+            </a:fld>
+            <a:endParaRPr lang="en-US" sz="1200" kern="1200">
+              <a:solidFill>
+                <a:prstClr val="black"/>
+              </a:solidFill>
+              <a:latin typeface="Calibri"/>
+              <a:ea typeface="+mn-ea"/>
+              <a:cs typeface="+mn-cs"/>
+            </a:endParaRPr>
+          </a:p>
+        </p:txBody>
+      </p:sp>
+    </p:spTree>
+  </p:cSld>
+  <p:clrMapOvr>
+    <a:masterClrMapping/>
+  </p:clrMapOvr>
+</p:notes>
+</file>
+
+<file path=ppt/notesSlides/notesSlide2.xml><?xml version="1.0" encoding="utf-8"?>
+<p:notes xmlns:a="http://schemas.openxmlformats.org/drawingml/2006/main" xmlns:r="http://schemas.openxmlformats.org/officeDocument/2006/relationships" xmlns:p="http://schemas.openxmlformats.org/presentationml/2006/main">
+  <p:cSld>
+    <p:spTree>
+      <p:nvGrpSpPr>
+        <p:cNvPr id="1" name=""/>
+        <p:cNvGrpSpPr/>
+        <p:nvPr/>
+      </p:nvGrpSpPr>
+      <p:grpSpPr>
+        <a:xfrm>
+          <a:off x="0" y="0"/>
+          <a:ext cx="0" cy="0"/>
+          <a:chOff x="0" y="0"/>
+          <a:chExt cx="0" cy="0"/>
+        </a:xfrm>
+      </p:grpSpPr>
+      <p:sp>
+        <p:nvSpPr>
+          <p:cNvPr id="2" name="Slide Image Placeholder 1"/>
+          <p:cNvSpPr>
+            <a:spLocks noGrp="1" noRot="1" noChangeAspect="1"/>
+          </p:cNvSpPr>
+          <p:nvPr>
+            <p:ph type="sldImg"/>
+          </p:nvPr>
+        </p:nvSpPr>
+        <p:spPr/>
+      </p:sp>
+      <p:sp>
+        <p:nvSpPr>
+          <p:cNvPr id="3" name="Notes Placeholder 2"/>
+          <p:cNvSpPr>
+            <a:spLocks noGrp="1"/>
+          </p:cNvSpPr>
+          <p:nvPr>
+            <p:ph type="body" idx="1"/>
+          </p:nvPr>
+        </p:nvSpPr>
+        <p:spPr/>
+        <p:txBody>
+          <a:bodyPr>
+            <a:normAutofit/>
+          </a:bodyPr>
+          <a:lstStyle/>
+          <a:p>
+            <a:endParaRPr lang="en-US" dirty="0"/>
+          </a:p>
+        </p:txBody>
+      </p:sp>
+      <p:sp>
+        <p:nvSpPr>
+          <p:cNvPr id="4" name="Slide Number Placeholder 3"/>
+          <p:cNvSpPr>
+            <a:spLocks noGrp="1"/>
+          </p:cNvSpPr>
+          <p:nvPr>
+            <p:ph type="sldNum" sz="quarter" idx="10"/>
+          </p:nvPr>
+        </p:nvSpPr>
+        <p:spPr/>
+        <p:txBody>
+          <a:bodyPr/>
+          <a:lstStyle/>
+          <a:p>
+            <a:fld id="{F0F5EECE-C3F5-429E-A743-E1DCCF07EFC2}" type="slidenum">
+              <a:rPr lang="en-US" smtClean="0"/>
+              <a:pPr/>
+              <a:t>12</a:t>
+            </a:fld>
+            <a:endParaRPr lang="en-US"/>
+          </a:p>
+        </p:txBody>
+      </p:sp>
+    </p:spTree>
+  </p:cSld>
+  <p:clrMapOvr>
+    <a:masterClrMapping/>
+  </p:clrMapOvr>
+</p:notes>
+</file>
+
 <file path=ppt/slideLayouts/slideLayout1.xml><?xml version="1.0" encoding="utf-8"?>
 <p:sldLayout xmlns:a="http://schemas.openxmlformats.org/drawingml/2006/main" xmlns:r="http://schemas.openxmlformats.org/officeDocument/2006/relationships" xmlns:p="http://schemas.openxmlformats.org/presentationml/2006/main" type="title" preserve="1">
   <p:cSld name="Title Slide">
@@ -294,7 +833,7 @@
           <a:p>
             <a:fld id="{5AB7BDA5-697C-4047-95D3-C433A06A6BC4}" type="datetimeFigureOut">
               <a:rPr lang="en-US" smtClean="0"/>
-              <a:t>3/22/2011</a:t>
+              <a:t>3/24/2011</a:t>
             </a:fld>
             <a:endParaRPr lang="en-US"/>
           </a:p>
@@ -464,7 +1003,7 @@
           <a:p>
             <a:fld id="{5AB7BDA5-697C-4047-95D3-C433A06A6BC4}" type="datetimeFigureOut">
               <a:rPr lang="en-US" smtClean="0"/>
-              <a:t>3/22/2011</a:t>
+              <a:t>3/24/2011</a:t>
             </a:fld>
             <a:endParaRPr lang="en-US"/>
           </a:p>
@@ -644,7 +1183,7 @@
           <a:p>
             <a:fld id="{5AB7BDA5-697C-4047-95D3-C433A06A6BC4}" type="datetimeFigureOut">
               <a:rPr lang="en-US" smtClean="0"/>
-              <a:t>3/22/2011</a:t>
+              <a:t>3/24/2011</a:t>
             </a:fld>
             <a:endParaRPr lang="en-US"/>
           </a:p>
@@ -814,7 +1353,7 @@
           <a:p>
             <a:fld id="{5AB7BDA5-697C-4047-95D3-C433A06A6BC4}" type="datetimeFigureOut">
               <a:rPr lang="en-US" smtClean="0"/>
-              <a:t>3/22/2011</a:t>
+              <a:t>3/24/2011</a:t>
             </a:fld>
             <a:endParaRPr lang="en-US"/>
           </a:p>
@@ -1060,7 +1599,7 @@
           <a:p>
             <a:fld id="{5AB7BDA5-697C-4047-95D3-C433A06A6BC4}" type="datetimeFigureOut">
               <a:rPr lang="en-US" smtClean="0"/>
-              <a:t>3/22/2011</a:t>
+              <a:t>3/24/2011</a:t>
             </a:fld>
             <a:endParaRPr lang="en-US"/>
           </a:p>
@@ -1348,7 +1887,7 @@
           <a:p>
             <a:fld id="{5AB7BDA5-697C-4047-95D3-C433A06A6BC4}" type="datetimeFigureOut">
               <a:rPr lang="en-US" smtClean="0"/>
-              <a:t>3/22/2011</a:t>
+              <a:t>3/24/2011</a:t>
             </a:fld>
             <a:endParaRPr lang="en-US"/>
           </a:p>
@@ -1770,7 +2309,7 @@
           <a:p>
             <a:fld id="{5AB7BDA5-697C-4047-95D3-C433A06A6BC4}" type="datetimeFigureOut">
               <a:rPr lang="en-US" smtClean="0"/>
-              <a:t>3/22/2011</a:t>
+              <a:t>3/24/2011</a:t>
             </a:fld>
             <a:endParaRPr lang="en-US"/>
           </a:p>
@@ -1888,7 +2427,7 @@
           <a:p>
             <a:fld id="{5AB7BDA5-697C-4047-95D3-C433A06A6BC4}" type="datetimeFigureOut">
               <a:rPr lang="en-US" smtClean="0"/>
-              <a:t>3/22/2011</a:t>
+              <a:t>3/24/2011</a:t>
             </a:fld>
             <a:endParaRPr lang="en-US"/>
           </a:p>
@@ -1983,7 +2522,7 @@
           <a:p>
             <a:fld id="{5AB7BDA5-697C-4047-95D3-C433A06A6BC4}" type="datetimeFigureOut">
               <a:rPr lang="en-US" smtClean="0"/>
-              <a:t>3/22/2011</a:t>
+              <a:t>3/24/2011</a:t>
             </a:fld>
             <a:endParaRPr lang="en-US"/>
           </a:p>
@@ -2260,7 +2799,7 @@
           <a:p>
             <a:fld id="{5AB7BDA5-697C-4047-95D3-C433A06A6BC4}" type="datetimeFigureOut">
               <a:rPr lang="en-US" smtClean="0"/>
-              <a:t>3/22/2011</a:t>
+              <a:t>3/24/2011</a:t>
             </a:fld>
             <a:endParaRPr lang="en-US"/>
           </a:p>
@@ -2513,7 +3052,7 @@
           <a:p>
             <a:fld id="{5AB7BDA5-697C-4047-95D3-C433A06A6BC4}" type="datetimeFigureOut">
               <a:rPr lang="en-US" smtClean="0"/>
-              <a:t>3/22/2011</a:t>
+              <a:t>3/24/2011</a:t>
             </a:fld>
             <a:endParaRPr lang="en-US"/>
           </a:p>
@@ -2726,7 +3265,7 @@
           <a:p>
             <a:fld id="{5AB7BDA5-697C-4047-95D3-C433A06A6BC4}" type="datetimeFigureOut">
               <a:rPr lang="en-US" smtClean="0"/>
-              <a:t>3/22/2011</a:t>
+              <a:t>3/24/2011</a:t>
             </a:fld>
             <a:endParaRPr lang="en-US"/>
           </a:p>
@@ -3143,7 +3682,11 @@
           <a:bodyPr/>
           <a:lstStyle/>
           <a:p>
-            <a:endParaRPr lang="en-US"/>
+            <a:r>
+              <a:rPr lang="en-US" dirty="0" smtClean="0"/>
+              <a:t>JOIN THE CONFERENCE BRIDGE…NO SOUND ON LIVEMEETING!</a:t>
+            </a:r>
+            <a:endParaRPr lang="en-US" dirty="0"/>
           </a:p>
         </p:txBody>
       </p:sp>
@@ -3167,6 +3710,5560 @@
 </p:sld>
 </file>
 
+<file path=ppt/slides/slide10.xml><?xml version="1.0" encoding="utf-8"?>
+<p:sld xmlns:a="http://schemas.openxmlformats.org/drawingml/2006/main" xmlns:r="http://schemas.openxmlformats.org/officeDocument/2006/relationships" xmlns:p="http://schemas.openxmlformats.org/presentationml/2006/main">
+  <p:cSld>
+    <p:spTree>
+      <p:nvGrpSpPr>
+        <p:cNvPr id="1" name=""/>
+        <p:cNvGrpSpPr/>
+        <p:nvPr/>
+      </p:nvGrpSpPr>
+      <p:grpSpPr>
+        <a:xfrm>
+          <a:off x="0" y="0"/>
+          <a:ext cx="0" cy="0"/>
+          <a:chOff x="0" y="0"/>
+          <a:chExt cx="0" cy="0"/>
+        </a:xfrm>
+      </p:grpSpPr>
+      <p:sp>
+        <p:nvSpPr>
+          <p:cNvPr id="2" name="Title 1"/>
+          <p:cNvSpPr>
+            <a:spLocks noGrp="1"/>
+          </p:cNvSpPr>
+          <p:nvPr>
+            <p:ph type="title"/>
+          </p:nvPr>
+        </p:nvSpPr>
+        <p:spPr/>
+        <p:txBody>
+          <a:bodyPr/>
+          <a:lstStyle/>
+          <a:p>
+            <a:r>
+              <a:rPr lang="en-GB" dirty="0" smtClean="0"/>
+              <a:t>TPL – The Task Parallel Library</a:t>
+            </a:r>
+            <a:endParaRPr lang="en-GB" dirty="0"/>
+          </a:p>
+        </p:txBody>
+      </p:sp>
+      <p:sp>
+        <p:nvSpPr>
+          <p:cNvPr id="3" name="Content Placeholder 2"/>
+          <p:cNvSpPr>
+            <a:spLocks noGrp="1"/>
+          </p:cNvSpPr>
+          <p:nvPr>
+            <p:ph idx="1"/>
+          </p:nvPr>
+        </p:nvSpPr>
+        <p:spPr/>
+        <p:txBody>
+          <a:bodyPr/>
+          <a:lstStyle/>
+          <a:p>
+            <a:r>
+              <a:rPr lang="en-GB" dirty="0" smtClean="0"/>
+              <a:t>Introduction…see </a:t>
+            </a:r>
+            <a:r>
+              <a:rPr lang="en-GB" dirty="0">
+                <a:hlinkClick r:id="rId2"/>
+              </a:rPr>
+              <a:t>http://msdn.microsoft.com/en-us/magazine/cc163340.aspx</a:t>
+            </a:r>
+            <a:endParaRPr lang="en-GB" dirty="0"/>
+          </a:p>
+        </p:txBody>
+      </p:sp>
+    </p:spTree>
+    <p:extLst>
+      <p:ext uri="{BB962C8B-B14F-4D97-AF65-F5344CB8AC3E}">
+        <p14:creationId xmlns:p14="http://schemas.microsoft.com/office/powerpoint/2010/main" val="3838351559"/>
+      </p:ext>
+    </p:extLst>
+  </p:cSld>
+  <p:clrMapOvr>
+    <a:masterClrMapping/>
+  </p:clrMapOvr>
+</p:sld>
+</file>
+
+<file path=ppt/slides/slide11.xml><?xml version="1.0" encoding="utf-8"?>
+<p:sld xmlns:a="http://schemas.openxmlformats.org/drawingml/2006/main" xmlns:r="http://schemas.openxmlformats.org/officeDocument/2006/relationships" xmlns:p="http://schemas.openxmlformats.org/presentationml/2006/main">
+  <p:cSld>
+    <p:spTree>
+      <p:nvGrpSpPr>
+        <p:cNvPr id="1" name=""/>
+        <p:cNvGrpSpPr/>
+        <p:nvPr/>
+      </p:nvGrpSpPr>
+      <p:grpSpPr>
+        <a:xfrm>
+          <a:off x="0" y="0"/>
+          <a:ext cx="0" cy="0"/>
+          <a:chOff x="0" y="0"/>
+          <a:chExt cx="0" cy="0"/>
+        </a:xfrm>
+      </p:grpSpPr>
+      <p:sp>
+        <p:nvSpPr>
+          <p:cNvPr id="20" name="Rectangle 19"/>
+          <p:cNvSpPr/>
+          <p:nvPr/>
+        </p:nvSpPr>
+        <p:spPr bwMode="auto">
+          <a:xfrm>
+            <a:off x="206915" y="3090240"/>
+            <a:ext cx="8659499" cy="3430304"/>
+          </a:xfrm>
+          <a:prstGeom prst="rect">
+            <a:avLst/>
+          </a:prstGeom>
+          <a:solidFill>
+            <a:schemeClr val="tx1">
+              <a:alpha val="80000"/>
+            </a:schemeClr>
+          </a:solidFill>
+          <a:ln>
+            <a:headEnd type="none" w="med" len="med"/>
+            <a:tailEnd type="none" w="med" len="med"/>
+          </a:ln>
+        </p:spPr>
+        <p:style>
+          <a:lnRef idx="1">
+            <a:schemeClr val="accent2"/>
+          </a:lnRef>
+          <a:fillRef idx="3">
+            <a:schemeClr val="accent2"/>
+          </a:fillRef>
+          <a:effectRef idx="2">
+            <a:schemeClr val="accent2"/>
+          </a:effectRef>
+          <a:fontRef idx="minor">
+            <a:schemeClr val="lt1"/>
+          </a:fontRef>
+        </p:style>
+        <p:txBody>
+          <a:bodyPr vert="horz" wrap="square" lIns="91436" tIns="45718" rIns="91436" bIns="45718" numCol="1" rtlCol="0" anchor="ctr" anchorCtr="0" compatLnSpc="1">
+            <a:prstTxWarp prst="textNoShape">
+              <a:avLst/>
+            </a:prstTxWarp>
+          </a:bodyPr>
+          <a:lstStyle/>
+          <a:p>
+            <a:pPr algn="ctr" defTabSz="914099" fontAlgn="base">
+              <a:spcBef>
+                <a:spcPct val="0"/>
+              </a:spcBef>
+              <a:spcAft>
+                <a:spcPct val="0"/>
+              </a:spcAft>
+            </a:pPr>
+            <a:endParaRPr lang="en-GB" sz="2300" dirty="0" smtClean="0">
+              <a:solidFill>
+                <a:srgbClr val="FFFFFF"/>
+              </a:solidFill>
+            </a:endParaRPr>
+          </a:p>
+        </p:txBody>
+      </p:sp>
+      <p:sp>
+        <p:nvSpPr>
+          <p:cNvPr id="15" name="Rectangle 14"/>
+          <p:cNvSpPr/>
+          <p:nvPr/>
+        </p:nvSpPr>
+        <p:spPr bwMode="auto">
+          <a:xfrm>
+            <a:off x="206916" y="1569151"/>
+            <a:ext cx="8729823" cy="569554"/>
+          </a:xfrm>
+          <a:prstGeom prst="rect">
+            <a:avLst/>
+          </a:prstGeom>
+          <a:solidFill>
+            <a:schemeClr val="tx1"/>
+          </a:solidFill>
+          <a:ln>
+            <a:headEnd type="none" w="med" len="med"/>
+            <a:tailEnd type="none" w="med" len="med"/>
+          </a:ln>
+        </p:spPr>
+        <p:style>
+          <a:lnRef idx="1">
+            <a:schemeClr val="accent2"/>
+          </a:lnRef>
+          <a:fillRef idx="3">
+            <a:schemeClr val="accent2"/>
+          </a:fillRef>
+          <a:effectRef idx="2">
+            <a:schemeClr val="accent2"/>
+          </a:effectRef>
+          <a:fontRef idx="minor">
+            <a:schemeClr val="lt1"/>
+          </a:fontRef>
+        </p:style>
+        <p:txBody>
+          <a:bodyPr vert="horz" wrap="square" lIns="91436" tIns="45718" rIns="91436" bIns="45718" numCol="1" rtlCol="0" anchor="ctr" anchorCtr="0" compatLnSpc="1">
+            <a:prstTxWarp prst="textNoShape">
+              <a:avLst/>
+            </a:prstTxWarp>
+          </a:bodyPr>
+          <a:lstStyle/>
+          <a:p>
+            <a:pPr algn="ctr" defTabSz="914099" fontAlgn="base">
+              <a:spcBef>
+                <a:spcPct val="0"/>
+              </a:spcBef>
+              <a:spcAft>
+                <a:spcPct val="0"/>
+              </a:spcAft>
+            </a:pPr>
+            <a:endParaRPr lang="en-GB" sz="2300" dirty="0" smtClean="0">
+              <a:solidFill>
+                <a:srgbClr val="FFFFFF"/>
+              </a:solidFill>
+            </a:endParaRPr>
+          </a:p>
+        </p:txBody>
+      </p:sp>
+      <p:sp>
+        <p:nvSpPr>
+          <p:cNvPr id="12" name="Rounded Rectangle 11"/>
+          <p:cNvSpPr/>
+          <p:nvPr/>
+        </p:nvSpPr>
+        <p:spPr bwMode="auto">
+          <a:xfrm>
+            <a:off x="196031" y="904691"/>
+            <a:ext cx="4375970" cy="697117"/>
+          </a:xfrm>
+          <a:prstGeom prst="roundRect">
+            <a:avLst/>
+          </a:prstGeom>
+          <a:ln>
+            <a:headEnd type="none" w="med" len="med"/>
+            <a:tailEnd type="none" w="med" len="med"/>
+          </a:ln>
+        </p:spPr>
+        <p:style>
+          <a:lnRef idx="1">
+            <a:schemeClr val="accent2"/>
+          </a:lnRef>
+          <a:fillRef idx="3">
+            <a:schemeClr val="accent2"/>
+          </a:fillRef>
+          <a:effectRef idx="2">
+            <a:schemeClr val="accent2"/>
+          </a:effectRef>
+          <a:fontRef idx="minor">
+            <a:schemeClr val="lt1"/>
+          </a:fontRef>
+        </p:style>
+        <p:txBody>
+          <a:bodyPr vert="horz" wrap="square" lIns="91436" tIns="45718" rIns="91436" bIns="45718" numCol="1" rtlCol="0" anchor="ctr" anchorCtr="0" compatLnSpc="1">
+            <a:prstTxWarp prst="textNoShape">
+              <a:avLst/>
+            </a:prstTxWarp>
+          </a:bodyPr>
+          <a:lstStyle/>
+          <a:p>
+            <a:pPr algn="ctr" defTabSz="914099" fontAlgn="base">
+              <a:spcBef>
+                <a:spcPct val="0"/>
+              </a:spcBef>
+              <a:spcAft>
+                <a:spcPct val="0"/>
+              </a:spcAft>
+            </a:pPr>
+            <a:r>
+              <a:rPr lang="en-GB" sz="3200" dirty="0" err="1" smtClean="0">
+                <a:solidFill>
+                  <a:srgbClr val="FFFFFF"/>
+                </a:solidFill>
+              </a:rPr>
+              <a:t>ThreadPool</a:t>
+            </a:r>
+            <a:endParaRPr lang="en-GB" sz="3200" dirty="0" smtClean="0">
+              <a:solidFill>
+                <a:srgbClr val="FFFFFF"/>
+              </a:solidFill>
+            </a:endParaRPr>
+          </a:p>
+        </p:txBody>
+      </p:sp>
+      <p:sp>
+        <p:nvSpPr>
+          <p:cNvPr id="13" name="Rectangle 12"/>
+          <p:cNvSpPr>
+            <a:spLocks noChangeArrowheads="1"/>
+          </p:cNvSpPr>
+          <p:nvPr/>
+        </p:nvSpPr>
+        <p:spPr bwMode="auto">
+          <a:xfrm>
+            <a:off x="300870" y="1706544"/>
+            <a:ext cx="6697300" cy="369326"/>
+          </a:xfrm>
+          <a:prstGeom prst="rect">
+            <a:avLst/>
+          </a:prstGeom>
+          <a:solidFill>
+            <a:srgbClr val="FFFFFF"/>
+          </a:solidFill>
+          <a:ln w="19050">
+            <a:noFill/>
+            <a:miter lim="800000"/>
+            <a:headEnd/>
+            <a:tailEnd/>
+          </a:ln>
+          <a:effectLst/>
+          <a:scene3d>
+            <a:camera prst="orthographicFront">
+              <a:rot lat="0" lon="0" rev="0"/>
+            </a:camera>
+            <a:lightRig rig="contrasting" dir="t">
+              <a:rot lat="0" lon="0" rev="1500000"/>
+            </a:lightRig>
+          </a:scene3d>
+          <a:sp3d prstMaterial="metal">
+            <a:bevelT w="88900" h="88900"/>
+          </a:sp3d>
+        </p:spPr>
+        <p:txBody>
+          <a:bodyPr wrap="square" lIns="182880" tIns="45717" rIns="91434" bIns="45717" numCol="1" anchor="ctr">
+            <a:spAutoFit/>
+          </a:bodyPr>
+          <a:lstStyle/>
+          <a:p>
+            <a:pPr algn="l" rtl="0" eaLnBrk="0" hangingPunct="0"/>
+            <a:r>
+              <a:rPr lang="en-US" b="1" dirty="0" err="1">
+                <a:solidFill>
+                  <a:schemeClr val="accent4">
+                    <a:lumMod val="75000"/>
+                  </a:schemeClr>
+                </a:solidFill>
+                <a:latin typeface="Lucida Console" pitchFamily="49" charset="0"/>
+              </a:rPr>
+              <a:t>ThreadPool</a:t>
+            </a:r>
+            <a:r>
+              <a:rPr lang="en-US" b="1" kern="1200" dirty="0" err="1">
+                <a:solidFill>
+                  <a:prstClr val="black"/>
+                </a:solidFill>
+                <a:latin typeface="Lucida Console" pitchFamily="49" charset="0"/>
+                <a:ea typeface="+mn-ea"/>
+                <a:cs typeface="+mn-cs"/>
+              </a:rPr>
+              <a:t>.QueueUserWorkItem</a:t>
+            </a:r>
+            <a:r>
+              <a:rPr lang="en-US" b="1" kern="1200" dirty="0">
+                <a:solidFill>
+                  <a:prstClr val="black"/>
+                </a:solidFill>
+                <a:latin typeface="Lucida Console" pitchFamily="49" charset="0"/>
+                <a:ea typeface="+mn-ea"/>
+                <a:cs typeface="+mn-cs"/>
+              </a:rPr>
+              <a:t>(…);</a:t>
+            </a:r>
+          </a:p>
+        </p:txBody>
+      </p:sp>
+      <p:sp>
+        <p:nvSpPr>
+          <p:cNvPr id="14" name="Rounded Rectangle 13"/>
+          <p:cNvSpPr/>
+          <p:nvPr/>
+        </p:nvSpPr>
+        <p:spPr bwMode="auto">
+          <a:xfrm>
+            <a:off x="196463" y="2427958"/>
+            <a:ext cx="4364651" cy="697117"/>
+          </a:xfrm>
+          <a:prstGeom prst="roundRect">
+            <a:avLst/>
+          </a:prstGeom>
+          <a:ln>
+            <a:headEnd type="none" w="med" len="med"/>
+            <a:tailEnd type="none" w="med" len="med"/>
+          </a:ln>
+        </p:spPr>
+        <p:style>
+          <a:lnRef idx="0">
+            <a:schemeClr val="accent6"/>
+          </a:lnRef>
+          <a:fillRef idx="3">
+            <a:schemeClr val="accent6"/>
+          </a:fillRef>
+          <a:effectRef idx="3">
+            <a:schemeClr val="accent6"/>
+          </a:effectRef>
+          <a:fontRef idx="minor">
+            <a:schemeClr val="lt1"/>
+          </a:fontRef>
+        </p:style>
+        <p:txBody>
+          <a:bodyPr vert="horz" wrap="square" lIns="91436" tIns="45718" rIns="91436" bIns="45718" numCol="1" rtlCol="0" anchor="ctr" anchorCtr="0" compatLnSpc="1">
+            <a:prstTxWarp prst="textNoShape">
+              <a:avLst/>
+            </a:prstTxWarp>
+          </a:bodyPr>
+          <a:lstStyle/>
+          <a:p>
+            <a:pPr algn="ctr" defTabSz="914099" fontAlgn="base">
+              <a:spcBef>
+                <a:spcPct val="0"/>
+              </a:spcBef>
+              <a:spcAft>
+                <a:spcPct val="0"/>
+              </a:spcAft>
+            </a:pPr>
+            <a:r>
+              <a:rPr lang="en-GB" sz="3200" dirty="0" err="1" smtClean="0">
+                <a:solidFill>
+                  <a:srgbClr val="FFFFFF"/>
+                </a:solidFill>
+              </a:rPr>
+              <a:t>System.Threading.Tasks</a:t>
+            </a:r>
+            <a:endParaRPr lang="en-GB" sz="3200" dirty="0" smtClean="0">
+              <a:solidFill>
+                <a:srgbClr val="FFFFFF"/>
+              </a:solidFill>
+            </a:endParaRPr>
+          </a:p>
+        </p:txBody>
+      </p:sp>
+      <p:grpSp>
+        <p:nvGrpSpPr>
+          <p:cNvPr id="25" name="Group 24"/>
+          <p:cNvGrpSpPr/>
+          <p:nvPr/>
+        </p:nvGrpSpPr>
+        <p:grpSpPr>
+          <a:xfrm>
+            <a:off x="280343" y="3302929"/>
+            <a:ext cx="4033242" cy="722660"/>
+            <a:chOff x="1447155" y="3764344"/>
+            <a:chExt cx="3918380" cy="722660"/>
+          </a:xfrm>
+        </p:grpSpPr>
+        <p:sp>
+          <p:nvSpPr>
+            <p:cNvPr id="18" name="Rectangle 17"/>
+            <p:cNvSpPr>
+              <a:spLocks noChangeArrowheads="1"/>
+            </p:cNvSpPr>
+            <p:nvPr/>
+          </p:nvSpPr>
+          <p:spPr bwMode="auto">
+            <a:xfrm>
+              <a:off x="1468926" y="4117678"/>
+              <a:ext cx="3896609" cy="369326"/>
+            </a:xfrm>
+            <a:prstGeom prst="rect">
+              <a:avLst/>
+            </a:prstGeom>
+            <a:solidFill>
+              <a:srgbClr val="FFFFFF"/>
+            </a:solidFill>
+            <a:ln w="19050">
+              <a:solidFill>
+                <a:schemeClr val="accent6"/>
+              </a:solidFill>
+              <a:miter lim="800000"/>
+              <a:headEnd/>
+              <a:tailEnd/>
+            </a:ln>
+            <a:effectLst/>
+            <a:scene3d>
+              <a:camera prst="orthographicFront">
+                <a:rot lat="0" lon="0" rev="0"/>
+              </a:camera>
+              <a:lightRig rig="contrasting" dir="t">
+                <a:rot lat="0" lon="0" rev="1500000"/>
+              </a:lightRig>
+            </a:scene3d>
+            <a:sp3d prstMaterial="metal">
+              <a:bevelT w="88900" h="88900"/>
+            </a:sp3d>
+          </p:spPr>
+          <p:txBody>
+            <a:bodyPr wrap="square" lIns="182880" tIns="45717" rIns="91434" bIns="45717" numCol="1" anchor="ctr">
+              <a:spAutoFit/>
+            </a:bodyPr>
+            <a:lstStyle/>
+            <a:p>
+              <a:pPr algn="l" rtl="0" eaLnBrk="0" hangingPunct="0"/>
+              <a:r>
+                <a:rPr lang="en-US" b="1" dirty="0" err="1">
+                  <a:solidFill>
+                    <a:schemeClr val="accent4">
+                      <a:lumMod val="75000"/>
+                    </a:schemeClr>
+                  </a:solidFill>
+                  <a:latin typeface="Lucida Console" pitchFamily="49" charset="0"/>
+                </a:rPr>
+                <a:t>Task</a:t>
+              </a:r>
+              <a:r>
+                <a:rPr lang="en-US" b="1" kern="1200" dirty="0" err="1">
+                  <a:solidFill>
+                    <a:prstClr val="black"/>
+                  </a:solidFill>
+                  <a:latin typeface="Lucida Console" pitchFamily="49" charset="0"/>
+                  <a:ea typeface="+mn-ea"/>
+                  <a:cs typeface="+mn-cs"/>
+                </a:rPr>
+                <a:t>.StartNew</a:t>
+              </a:r>
+              <a:r>
+                <a:rPr lang="en-US" b="1" kern="1200" dirty="0">
+                  <a:solidFill>
+                    <a:prstClr val="black"/>
+                  </a:solidFill>
+                  <a:latin typeface="Lucida Console" pitchFamily="49" charset="0"/>
+                  <a:ea typeface="+mn-ea"/>
+                  <a:cs typeface="+mn-cs"/>
+                </a:rPr>
+                <a:t>(…);</a:t>
+              </a:r>
+            </a:p>
+          </p:txBody>
+        </p:sp>
+        <p:sp>
+          <p:nvSpPr>
+            <p:cNvPr id="21" name="Rounded Rectangle 20"/>
+            <p:cNvSpPr/>
+            <p:nvPr/>
+          </p:nvSpPr>
+          <p:spPr bwMode="auto">
+            <a:xfrm>
+              <a:off x="1447155" y="3764344"/>
+              <a:ext cx="1407798" cy="342448"/>
+            </a:xfrm>
+            <a:prstGeom prst="roundRect">
+              <a:avLst/>
+            </a:prstGeom>
+            <a:ln>
+              <a:headEnd type="none" w="med" len="med"/>
+              <a:tailEnd type="none" w="med" len="med"/>
+            </a:ln>
+          </p:spPr>
+          <p:style>
+            <a:lnRef idx="0">
+              <a:schemeClr val="accent6"/>
+            </a:lnRef>
+            <a:fillRef idx="3">
+              <a:schemeClr val="accent6"/>
+            </a:fillRef>
+            <a:effectRef idx="3">
+              <a:schemeClr val="accent6"/>
+            </a:effectRef>
+            <a:fontRef idx="minor">
+              <a:schemeClr val="lt1"/>
+            </a:fontRef>
+          </p:style>
+          <p:txBody>
+            <a:bodyPr vert="horz" wrap="square" lIns="91436" tIns="45718" rIns="91436" bIns="45718" numCol="1" rtlCol="0" anchor="ctr" anchorCtr="0" compatLnSpc="1">
+              <a:prstTxWarp prst="textNoShape">
+                <a:avLst/>
+              </a:prstTxWarp>
+            </a:bodyPr>
+            <a:lstStyle/>
+            <a:p>
+              <a:pPr algn="ctr" defTabSz="914099" fontAlgn="base">
+                <a:spcBef>
+                  <a:spcPct val="0"/>
+                </a:spcBef>
+                <a:spcAft>
+                  <a:spcPct val="0"/>
+                </a:spcAft>
+              </a:pPr>
+              <a:r>
+                <a:rPr lang="en-GB" sz="2400" dirty="0" smtClean="0">
+                  <a:solidFill>
+                    <a:srgbClr val="FFFFFF"/>
+                  </a:solidFill>
+                </a:rPr>
+                <a:t>Starting</a:t>
+              </a:r>
+            </a:p>
+          </p:txBody>
+        </p:sp>
+      </p:grpSp>
+      <p:grpSp>
+        <p:nvGrpSpPr>
+          <p:cNvPr id="26" name="Group 25"/>
+          <p:cNvGrpSpPr/>
+          <p:nvPr/>
+        </p:nvGrpSpPr>
+        <p:grpSpPr>
+          <a:xfrm>
+            <a:off x="4403037" y="3302928"/>
+            <a:ext cx="4385997" cy="1314338"/>
+            <a:chOff x="1089217" y="5060055"/>
+            <a:chExt cx="3918231" cy="1545224"/>
+          </a:xfrm>
+        </p:grpSpPr>
+        <p:sp>
+          <p:nvSpPr>
+            <p:cNvPr id="16" name="Rectangle 15"/>
+            <p:cNvSpPr>
+              <a:spLocks noChangeArrowheads="1"/>
+            </p:cNvSpPr>
+            <p:nvPr/>
+          </p:nvSpPr>
+          <p:spPr bwMode="auto">
+            <a:xfrm>
+              <a:off x="1121875" y="5413389"/>
+              <a:ext cx="3885573" cy="1191890"/>
+            </a:xfrm>
+            <a:prstGeom prst="rect">
+              <a:avLst/>
+            </a:prstGeom>
+            <a:solidFill>
+              <a:srgbClr val="FFFFFF"/>
+            </a:solidFill>
+            <a:ln w="19050">
+              <a:solidFill>
+                <a:schemeClr val="accent6"/>
+              </a:solidFill>
+              <a:miter lim="800000"/>
+              <a:headEnd/>
+              <a:tailEnd/>
+            </a:ln>
+            <a:effectLst/>
+            <a:scene3d>
+              <a:camera prst="orthographicFront">
+                <a:rot lat="0" lon="0" rev="0"/>
+              </a:camera>
+              <a:lightRig rig="contrasting" dir="t">
+                <a:rot lat="0" lon="0" rev="1500000"/>
+              </a:lightRig>
+            </a:scene3d>
+            <a:sp3d prstMaterial="metal">
+              <a:bevelT w="88900" h="88900"/>
+            </a:sp3d>
+          </p:spPr>
+          <p:txBody>
+            <a:bodyPr wrap="square" lIns="182880" tIns="45717" rIns="91434" bIns="45717" numCol="1" anchor="ctr">
+              <a:spAutoFit/>
+            </a:bodyPr>
+            <a:lstStyle/>
+            <a:p>
+              <a:pPr algn="l" rtl="0" eaLnBrk="0" hangingPunct="0"/>
+              <a:r>
+                <a:rPr lang="en-US" b="1" kern="1200" dirty="0" err="1">
+                  <a:solidFill>
+                    <a:srgbClr val="C0504D"/>
+                  </a:solidFill>
+                  <a:latin typeface="Lucida Console" pitchFamily="49" charset="0"/>
+                  <a:ea typeface="+mn-ea"/>
+                  <a:cs typeface="+mn-cs"/>
+                </a:rPr>
+                <a:t>var</a:t>
+              </a:r>
+              <a:r>
+                <a:rPr lang="en-US" b="1" kern="1200" dirty="0">
+                  <a:solidFill>
+                    <a:prstClr val="black"/>
+                  </a:solidFill>
+                  <a:latin typeface="Lucida Console" pitchFamily="49" charset="0"/>
+                  <a:ea typeface="+mn-ea"/>
+                  <a:cs typeface="+mn-cs"/>
+                </a:rPr>
+                <a:t> p = </a:t>
+              </a:r>
+              <a:r>
+                <a:rPr lang="en-US" b="1" dirty="0" err="1">
+                  <a:solidFill>
+                    <a:schemeClr val="accent4">
+                      <a:lumMod val="75000"/>
+                    </a:schemeClr>
+                  </a:solidFill>
+                  <a:latin typeface="Lucida Console" pitchFamily="49" charset="0"/>
+                </a:rPr>
+                <a:t>Task</a:t>
+              </a:r>
+              <a:r>
+                <a:rPr lang="en-US" b="1" kern="1200" dirty="0" err="1">
+                  <a:solidFill>
+                    <a:prstClr val="black"/>
+                  </a:solidFill>
+                  <a:latin typeface="Lucida Console" pitchFamily="49" charset="0"/>
+                  <a:ea typeface="+mn-ea"/>
+                  <a:cs typeface="+mn-cs"/>
+                </a:rPr>
+                <a:t>.StartNew</a:t>
+              </a:r>
+              <a:r>
+                <a:rPr lang="en-US" b="1" kern="1200" dirty="0">
+                  <a:solidFill>
+                    <a:prstClr val="black"/>
+                  </a:solidFill>
+                  <a:latin typeface="Lucida Console" pitchFamily="49" charset="0"/>
+                  <a:ea typeface="+mn-ea"/>
+                  <a:cs typeface="+mn-cs"/>
+                </a:rPr>
+                <a:t>(() =&gt; {</a:t>
+              </a:r>
+            </a:p>
+            <a:p>
+              <a:pPr algn="l" rtl="0" eaLnBrk="0" hangingPunct="0"/>
+              <a:r>
+                <a:rPr lang="en-US" b="1" kern="1200" dirty="0">
+                  <a:solidFill>
+                    <a:prstClr val="black"/>
+                  </a:solidFill>
+                  <a:latin typeface="Lucida Console" pitchFamily="49" charset="0"/>
+                  <a:ea typeface="+mn-ea"/>
+                  <a:cs typeface="+mn-cs"/>
+                </a:rPr>
+                <a:t>    </a:t>
+              </a:r>
+              <a:r>
+                <a:rPr lang="en-US" b="1" kern="1200" dirty="0" err="1">
+                  <a:solidFill>
+                    <a:srgbClr val="C0504D"/>
+                  </a:solidFill>
+                  <a:latin typeface="Lucida Console" pitchFamily="49" charset="0"/>
+                  <a:ea typeface="+mn-ea"/>
+                  <a:cs typeface="+mn-cs"/>
+                </a:rPr>
+                <a:t>var</a:t>
+              </a:r>
+              <a:r>
+                <a:rPr lang="en-US" b="1" kern="1200" dirty="0">
+                  <a:solidFill>
+                    <a:prstClr val="black"/>
+                  </a:solidFill>
+                  <a:latin typeface="Lucida Console" pitchFamily="49" charset="0"/>
+                  <a:ea typeface="+mn-ea"/>
+                  <a:cs typeface="+mn-cs"/>
+                </a:rPr>
+                <a:t> </a:t>
+              </a:r>
+              <a:r>
+                <a:rPr lang="en-US" b="1" kern="1200" dirty="0" smtClean="0">
+                  <a:solidFill>
+                    <a:prstClr val="black"/>
+                  </a:solidFill>
+                  <a:latin typeface="Lucida Console" pitchFamily="49" charset="0"/>
+                  <a:ea typeface="+mn-ea"/>
+                  <a:cs typeface="+mn-cs"/>
+                </a:rPr>
+                <a:t>t </a:t>
+              </a:r>
+              <a:r>
+                <a:rPr lang="en-US" b="1" kern="1200" dirty="0">
+                  <a:solidFill>
+                    <a:prstClr val="black"/>
+                  </a:solidFill>
+                  <a:latin typeface="Lucida Console" pitchFamily="49" charset="0"/>
+                  <a:ea typeface="+mn-ea"/>
+                  <a:cs typeface="+mn-cs"/>
+                </a:rPr>
+                <a:t>= </a:t>
+              </a:r>
+              <a:r>
+                <a:rPr lang="en-US" b="1" dirty="0" err="1">
+                  <a:solidFill>
+                    <a:schemeClr val="accent4">
+                      <a:lumMod val="75000"/>
+                    </a:schemeClr>
+                  </a:solidFill>
+                  <a:latin typeface="Lucida Console" pitchFamily="49" charset="0"/>
+                </a:rPr>
+                <a:t>Task</a:t>
+              </a:r>
+              <a:r>
+                <a:rPr lang="en-US" b="1" kern="1200" dirty="0" err="1">
+                  <a:solidFill>
+                    <a:prstClr val="black"/>
+                  </a:solidFill>
+                  <a:latin typeface="Lucida Console" pitchFamily="49" charset="0"/>
+                  <a:ea typeface="+mn-ea"/>
+                  <a:cs typeface="+mn-cs"/>
+                </a:rPr>
+                <a:t>.StartNew</a:t>
+              </a:r>
+              <a:r>
+                <a:rPr lang="en-US" b="1" kern="1200" dirty="0">
+                  <a:solidFill>
+                    <a:prstClr val="black"/>
+                  </a:solidFill>
+                  <a:latin typeface="Lucida Console" pitchFamily="49" charset="0"/>
+                  <a:ea typeface="+mn-ea"/>
+                  <a:cs typeface="+mn-cs"/>
+                </a:rPr>
+                <a:t>(…);</a:t>
+              </a:r>
+              <a:br>
+                <a:rPr lang="en-US" b="1" kern="1200" dirty="0">
+                  <a:solidFill>
+                    <a:prstClr val="black"/>
+                  </a:solidFill>
+                  <a:latin typeface="Lucida Console" pitchFamily="49" charset="0"/>
+                  <a:ea typeface="+mn-ea"/>
+                  <a:cs typeface="+mn-cs"/>
+                </a:rPr>
+              </a:br>
+              <a:r>
+                <a:rPr lang="en-US" b="1" kern="1200" dirty="0">
+                  <a:solidFill>
+                    <a:prstClr val="black"/>
+                  </a:solidFill>
+                  <a:latin typeface="Lucida Console" pitchFamily="49" charset="0"/>
+                  <a:ea typeface="+mn-ea"/>
+                  <a:cs typeface="+mn-cs"/>
+                </a:rPr>
+                <a:t>});</a:t>
+              </a:r>
+            </a:p>
+          </p:txBody>
+        </p:sp>
+        <p:sp>
+          <p:nvSpPr>
+            <p:cNvPr id="22" name="Rounded Rectangle 21"/>
+            <p:cNvSpPr/>
+            <p:nvPr/>
+          </p:nvSpPr>
+          <p:spPr bwMode="auto">
+            <a:xfrm>
+              <a:off x="1089217" y="5060055"/>
+              <a:ext cx="1722548" cy="402606"/>
+            </a:xfrm>
+            <a:prstGeom prst="roundRect">
+              <a:avLst/>
+            </a:prstGeom>
+            <a:ln>
+              <a:headEnd type="none" w="med" len="med"/>
+              <a:tailEnd type="none" w="med" len="med"/>
+            </a:ln>
+          </p:spPr>
+          <p:style>
+            <a:lnRef idx="0">
+              <a:schemeClr val="accent6"/>
+            </a:lnRef>
+            <a:fillRef idx="3">
+              <a:schemeClr val="accent6"/>
+            </a:fillRef>
+            <a:effectRef idx="3">
+              <a:schemeClr val="accent6"/>
+            </a:effectRef>
+            <a:fontRef idx="minor">
+              <a:schemeClr val="lt1"/>
+            </a:fontRef>
+          </p:style>
+          <p:txBody>
+            <a:bodyPr vert="horz" wrap="square" lIns="91436" tIns="45718" rIns="91436" bIns="45718" numCol="1" rtlCol="0" anchor="ctr" anchorCtr="0" compatLnSpc="1">
+              <a:prstTxWarp prst="textNoShape">
+                <a:avLst/>
+              </a:prstTxWarp>
+            </a:bodyPr>
+            <a:lstStyle/>
+            <a:p>
+              <a:pPr algn="ctr" defTabSz="914099" fontAlgn="base">
+                <a:spcBef>
+                  <a:spcPct val="0"/>
+                </a:spcBef>
+                <a:spcAft>
+                  <a:spcPct val="0"/>
+                </a:spcAft>
+              </a:pPr>
+              <a:r>
+                <a:rPr lang="en-GB" sz="2400" dirty="0" smtClean="0">
+                  <a:solidFill>
+                    <a:srgbClr val="FFFFFF"/>
+                  </a:solidFill>
+                </a:rPr>
+                <a:t>Parent/Child</a:t>
+              </a:r>
+            </a:p>
+          </p:txBody>
+        </p:sp>
+      </p:grpSp>
+      <p:grpSp>
+        <p:nvGrpSpPr>
+          <p:cNvPr id="27" name="Group 26"/>
+          <p:cNvGrpSpPr/>
+          <p:nvPr/>
+        </p:nvGrpSpPr>
+        <p:grpSpPr>
+          <a:xfrm>
+            <a:off x="4403037" y="4880113"/>
+            <a:ext cx="4385997" cy="1528361"/>
+            <a:chOff x="6325850" y="5060054"/>
+            <a:chExt cx="3890885" cy="1646224"/>
+          </a:xfrm>
+        </p:grpSpPr>
+        <p:sp>
+          <p:nvSpPr>
+            <p:cNvPr id="17" name="Rectangle 16"/>
+            <p:cNvSpPr>
+              <a:spLocks noChangeArrowheads="1"/>
+            </p:cNvSpPr>
+            <p:nvPr/>
+          </p:nvSpPr>
+          <p:spPr bwMode="auto">
+            <a:xfrm>
+              <a:off x="6341261" y="5413389"/>
+              <a:ext cx="3875474" cy="1292889"/>
+            </a:xfrm>
+            <a:prstGeom prst="rect">
+              <a:avLst/>
+            </a:prstGeom>
+            <a:solidFill>
+              <a:srgbClr val="FFFFFF"/>
+            </a:solidFill>
+            <a:ln w="19050">
+              <a:solidFill>
+                <a:schemeClr val="accent6"/>
+              </a:solidFill>
+              <a:miter lim="800000"/>
+              <a:headEnd/>
+              <a:tailEnd/>
+            </a:ln>
+            <a:effectLst/>
+            <a:scene3d>
+              <a:camera prst="orthographicFront">
+                <a:rot lat="0" lon="0" rev="0"/>
+              </a:camera>
+              <a:lightRig rig="contrasting" dir="t">
+                <a:rot lat="0" lon="0" rev="1500000"/>
+              </a:lightRig>
+            </a:scene3d>
+            <a:sp3d prstMaterial="metal">
+              <a:bevelT w="88900" h="88900"/>
+            </a:sp3d>
+          </p:spPr>
+          <p:txBody>
+            <a:bodyPr wrap="square" lIns="182880" tIns="45717" rIns="91434" bIns="45717" numCol="1" anchor="ctr">
+              <a:spAutoFit/>
+            </a:bodyPr>
+            <a:lstStyle/>
+            <a:p>
+              <a:pPr algn="l" rtl="0" eaLnBrk="0" hangingPunct="0"/>
+              <a:r>
+                <a:rPr lang="en-US" b="1" kern="1200" dirty="0" err="1">
+                  <a:solidFill>
+                    <a:srgbClr val="C0504D"/>
+                  </a:solidFill>
+                  <a:latin typeface="Lucida Console" pitchFamily="49" charset="0"/>
+                  <a:ea typeface="+mn-ea"/>
+                  <a:cs typeface="+mn-cs"/>
+                </a:rPr>
+                <a:t>var</a:t>
+              </a:r>
+              <a:r>
+                <a:rPr lang="en-US" b="1" kern="1200" dirty="0">
+                  <a:solidFill>
+                    <a:prstClr val="black"/>
+                  </a:solidFill>
+                  <a:latin typeface="Lucida Console" pitchFamily="49" charset="0"/>
+                  <a:ea typeface="+mn-ea"/>
+                  <a:cs typeface="+mn-cs"/>
+                </a:rPr>
+                <a:t> </a:t>
+              </a:r>
+              <a:r>
+                <a:rPr lang="en-US" b="1" kern="1200" dirty="0" smtClean="0">
+                  <a:solidFill>
+                    <a:prstClr val="black"/>
+                  </a:solidFill>
+                  <a:latin typeface="Lucida Console" pitchFamily="49" charset="0"/>
+                  <a:ea typeface="+mn-ea"/>
+                  <a:cs typeface="+mn-cs"/>
+                </a:rPr>
+                <a:t>f </a:t>
+              </a:r>
+              <a:r>
+                <a:rPr lang="en-US" b="1" kern="1200" dirty="0">
+                  <a:solidFill>
+                    <a:prstClr val="black"/>
+                  </a:solidFill>
+                  <a:latin typeface="Lucida Console" pitchFamily="49" charset="0"/>
+                  <a:ea typeface="+mn-ea"/>
+                  <a:cs typeface="+mn-cs"/>
+                </a:rPr>
+                <a:t>= </a:t>
+              </a:r>
+            </a:p>
+            <a:p>
+              <a:pPr algn="l" rtl="0" eaLnBrk="0" hangingPunct="0"/>
+              <a:r>
+                <a:rPr lang="en-US" b="1" kern="1200" dirty="0">
+                  <a:solidFill>
+                    <a:prstClr val="black"/>
+                  </a:solidFill>
+                  <a:latin typeface="Lucida Console" pitchFamily="49" charset="0"/>
+                  <a:ea typeface="+mn-ea"/>
+                  <a:cs typeface="+mn-cs"/>
+                </a:rPr>
+                <a:t>  </a:t>
+              </a:r>
+              <a:r>
+                <a:rPr lang="en-US" b="1" dirty="0" err="1">
+                  <a:solidFill>
+                    <a:schemeClr val="accent4">
+                      <a:lumMod val="75000"/>
+                    </a:schemeClr>
+                  </a:solidFill>
+                  <a:latin typeface="Lucida Console" pitchFamily="49" charset="0"/>
+                </a:rPr>
+                <a:t>Future</a:t>
+              </a:r>
+              <a:r>
+                <a:rPr lang="en-US" b="1" kern="1200" dirty="0" err="1">
+                  <a:solidFill>
+                    <a:prstClr val="black"/>
+                  </a:solidFill>
+                  <a:latin typeface="Lucida Console" pitchFamily="49" charset="0"/>
+                  <a:ea typeface="+mn-ea"/>
+                  <a:cs typeface="+mn-cs"/>
+                </a:rPr>
+                <a:t>.StartNew</a:t>
+              </a:r>
+              <a:r>
+                <a:rPr lang="en-US" b="1" kern="1200" dirty="0">
+                  <a:solidFill>
+                    <a:prstClr val="black"/>
+                  </a:solidFill>
+                  <a:latin typeface="Lucida Console" pitchFamily="49" charset="0"/>
+                  <a:ea typeface="+mn-ea"/>
+                  <a:cs typeface="+mn-cs"/>
+                </a:rPr>
+                <a:t>(() =&gt; C());</a:t>
+              </a:r>
+            </a:p>
+            <a:p>
+              <a:pPr algn="l" rtl="0" eaLnBrk="0" hangingPunct="0"/>
+              <a:r>
+                <a:rPr lang="en-US" b="1" kern="1200" dirty="0">
+                  <a:solidFill>
+                    <a:prstClr val="black"/>
+                  </a:solidFill>
+                  <a:latin typeface="Lucida Console" pitchFamily="49" charset="0"/>
+                  <a:ea typeface="+mn-ea"/>
+                  <a:cs typeface="+mn-cs"/>
+                </a:rPr>
+                <a:t>…</a:t>
+              </a:r>
+            </a:p>
+            <a:p>
+              <a:pPr algn="l" rtl="0" eaLnBrk="0" hangingPunct="0"/>
+              <a:r>
+                <a:rPr lang="en-US" b="1" kern="1200" dirty="0" err="1">
+                  <a:solidFill>
+                    <a:srgbClr val="C0504D"/>
+                  </a:solidFill>
+                  <a:latin typeface="Lucida Console" pitchFamily="49" charset="0"/>
+                  <a:ea typeface="+mn-ea"/>
+                  <a:cs typeface="+mn-cs"/>
+                </a:rPr>
+                <a:t>int</a:t>
+              </a:r>
+              <a:r>
+                <a:rPr lang="en-US" b="1" kern="1200" dirty="0">
+                  <a:solidFill>
+                    <a:prstClr val="black"/>
+                  </a:solidFill>
+                  <a:latin typeface="Lucida Console" pitchFamily="49" charset="0"/>
+                  <a:ea typeface="+mn-ea"/>
+                  <a:cs typeface="+mn-cs"/>
+                </a:rPr>
+                <a:t> result = </a:t>
+              </a:r>
+              <a:r>
+                <a:rPr lang="en-US" b="1" kern="1200" dirty="0" err="1" smtClean="0">
+                  <a:solidFill>
+                    <a:prstClr val="black"/>
+                  </a:solidFill>
+                  <a:latin typeface="Lucida Console" pitchFamily="49" charset="0"/>
+                  <a:ea typeface="+mn-ea"/>
+                  <a:cs typeface="+mn-cs"/>
+                </a:rPr>
+                <a:t>f.Value</a:t>
+              </a:r>
+              <a:r>
+                <a:rPr lang="en-US" b="1" kern="1200" dirty="0">
+                  <a:solidFill>
+                    <a:prstClr val="black"/>
+                  </a:solidFill>
+                  <a:latin typeface="Lucida Console" pitchFamily="49" charset="0"/>
+                  <a:ea typeface="+mn-ea"/>
+                  <a:cs typeface="+mn-cs"/>
+                </a:rPr>
+                <a:t>;</a:t>
+              </a:r>
+            </a:p>
+          </p:txBody>
+        </p:sp>
+        <p:sp>
+          <p:nvSpPr>
+            <p:cNvPr id="23" name="Rounded Rectangle 22"/>
+            <p:cNvSpPr/>
+            <p:nvPr/>
+          </p:nvSpPr>
+          <p:spPr bwMode="auto">
+            <a:xfrm>
+              <a:off x="6325850" y="5060054"/>
+              <a:ext cx="2302182" cy="342448"/>
+            </a:xfrm>
+            <a:prstGeom prst="roundRect">
+              <a:avLst/>
+            </a:prstGeom>
+            <a:ln>
+              <a:headEnd type="none" w="med" len="med"/>
+              <a:tailEnd type="none" w="med" len="med"/>
+            </a:ln>
+          </p:spPr>
+          <p:style>
+            <a:lnRef idx="0">
+              <a:schemeClr val="accent6"/>
+            </a:lnRef>
+            <a:fillRef idx="3">
+              <a:schemeClr val="accent6"/>
+            </a:fillRef>
+            <a:effectRef idx="3">
+              <a:schemeClr val="accent6"/>
+            </a:effectRef>
+            <a:fontRef idx="minor">
+              <a:schemeClr val="lt1"/>
+            </a:fontRef>
+          </p:style>
+          <p:txBody>
+            <a:bodyPr vert="horz" wrap="square" lIns="91436" tIns="45718" rIns="91436" bIns="45718" numCol="1" rtlCol="0" anchor="ctr" anchorCtr="0" compatLnSpc="1">
+              <a:prstTxWarp prst="textNoShape">
+                <a:avLst/>
+              </a:prstTxWarp>
+            </a:bodyPr>
+            <a:lstStyle/>
+            <a:p>
+              <a:pPr algn="ctr" defTabSz="914099" fontAlgn="base">
+                <a:spcBef>
+                  <a:spcPct val="0"/>
+                </a:spcBef>
+                <a:spcAft>
+                  <a:spcPct val="0"/>
+                </a:spcAft>
+              </a:pPr>
+              <a:r>
+                <a:rPr lang="en-GB" sz="2400" dirty="0" smtClean="0">
+                  <a:solidFill>
+                    <a:srgbClr val="FFFFFF"/>
+                  </a:solidFill>
+                </a:rPr>
+                <a:t>Tasks with results</a:t>
+              </a:r>
+            </a:p>
+          </p:txBody>
+        </p:sp>
+      </p:grpSp>
+      <p:grpSp>
+        <p:nvGrpSpPr>
+          <p:cNvPr id="28" name="Group 27"/>
+          <p:cNvGrpSpPr/>
+          <p:nvPr/>
+        </p:nvGrpSpPr>
+        <p:grpSpPr>
+          <a:xfrm>
+            <a:off x="302752" y="4617266"/>
+            <a:ext cx="4010832" cy="1800373"/>
+            <a:chOff x="5235075" y="3424456"/>
+            <a:chExt cx="3957798" cy="1800373"/>
+          </a:xfrm>
+        </p:grpSpPr>
+        <p:sp>
+          <p:nvSpPr>
+            <p:cNvPr id="19" name="Rectangle 18"/>
+            <p:cNvSpPr>
+              <a:spLocks noChangeArrowheads="1"/>
+            </p:cNvSpPr>
+            <p:nvPr/>
+          </p:nvSpPr>
+          <p:spPr bwMode="auto">
+            <a:xfrm>
+              <a:off x="5235075" y="3747508"/>
+              <a:ext cx="3957798" cy="1477321"/>
+            </a:xfrm>
+            <a:prstGeom prst="rect">
+              <a:avLst/>
+            </a:prstGeom>
+            <a:solidFill>
+              <a:srgbClr val="FFFFFF"/>
+            </a:solidFill>
+            <a:ln w="19050">
+              <a:solidFill>
+                <a:schemeClr val="accent6"/>
+              </a:solidFill>
+              <a:miter lim="800000"/>
+              <a:headEnd/>
+              <a:tailEnd/>
+            </a:ln>
+            <a:effectLst/>
+            <a:scene3d>
+              <a:camera prst="orthographicFront">
+                <a:rot lat="0" lon="0" rev="0"/>
+              </a:camera>
+              <a:lightRig rig="contrasting" dir="t">
+                <a:rot lat="0" lon="0" rev="1500000"/>
+              </a:lightRig>
+            </a:scene3d>
+            <a:sp3d prstMaterial="metal">
+              <a:bevelT w="88900" h="88900"/>
+            </a:sp3d>
+          </p:spPr>
+          <p:txBody>
+            <a:bodyPr wrap="square" lIns="182880" tIns="45717" rIns="91434" bIns="45717" numCol="1" anchor="ctr">
+              <a:spAutoFit/>
+            </a:bodyPr>
+            <a:lstStyle/>
+            <a:p>
+              <a:pPr algn="l" rtl="0" eaLnBrk="0" hangingPunct="0"/>
+              <a:r>
+                <a:rPr lang="en-US" b="1" dirty="0">
+                  <a:solidFill>
+                    <a:schemeClr val="accent4">
+                      <a:lumMod val="75000"/>
+                    </a:schemeClr>
+                  </a:solidFill>
+                  <a:latin typeface="Lucida Console" pitchFamily="49" charset="0"/>
+                </a:rPr>
+                <a:t>Task</a:t>
+              </a:r>
+              <a:r>
+                <a:rPr lang="en-US" b="1" kern="1200" dirty="0">
+                  <a:solidFill>
+                    <a:prstClr val="black"/>
+                  </a:solidFill>
+                  <a:latin typeface="Lucida Console" pitchFamily="49" charset="0"/>
+                  <a:ea typeface="+mn-ea"/>
+                  <a:cs typeface="+mn-cs"/>
+                </a:rPr>
+                <a:t> </a:t>
+              </a:r>
+              <a:r>
+                <a:rPr lang="en-US" b="1" kern="1200" dirty="0" smtClean="0">
+                  <a:solidFill>
+                    <a:prstClr val="black"/>
+                  </a:solidFill>
+                  <a:latin typeface="Lucida Console" pitchFamily="49" charset="0"/>
+                  <a:ea typeface="+mn-ea"/>
+                  <a:cs typeface="+mn-cs"/>
+                </a:rPr>
+                <a:t>t </a:t>
+              </a:r>
+              <a:r>
+                <a:rPr lang="en-US" b="1" kern="1200" dirty="0">
+                  <a:solidFill>
+                    <a:prstClr val="black"/>
+                  </a:solidFill>
+                  <a:latin typeface="Lucida Console" pitchFamily="49" charset="0"/>
+                  <a:ea typeface="+mn-ea"/>
+                  <a:cs typeface="+mn-cs"/>
+                </a:rPr>
+                <a:t>= </a:t>
+              </a:r>
+              <a:r>
+                <a:rPr lang="en-US" b="1" kern="1200" dirty="0" err="1">
+                  <a:solidFill>
+                    <a:schemeClr val="accent4">
+                      <a:lumMod val="75000"/>
+                    </a:schemeClr>
+                  </a:solidFill>
+                  <a:latin typeface="Lucida Console" pitchFamily="49" charset="0"/>
+                  <a:ea typeface="+mn-ea"/>
+                  <a:cs typeface="+mn-cs"/>
+                </a:rPr>
+                <a:t>Task</a:t>
+              </a:r>
+              <a:r>
+                <a:rPr lang="en-US" b="1" kern="1200" dirty="0" err="1">
+                  <a:solidFill>
+                    <a:prstClr val="black"/>
+                  </a:solidFill>
+                  <a:latin typeface="Lucida Console" pitchFamily="49" charset="0"/>
+                  <a:ea typeface="+mn-ea"/>
+                  <a:cs typeface="+mn-cs"/>
+                </a:rPr>
+                <a:t>.StartNew</a:t>
+              </a:r>
+              <a:r>
+                <a:rPr lang="en-US" b="1" kern="1200" dirty="0">
+                  <a:solidFill>
+                    <a:prstClr val="black"/>
+                  </a:solidFill>
+                  <a:latin typeface="Lucida Console" pitchFamily="49" charset="0"/>
+                  <a:ea typeface="+mn-ea"/>
+                  <a:cs typeface="+mn-cs"/>
+                </a:rPr>
+                <a:t>(…);</a:t>
+              </a:r>
+            </a:p>
+            <a:p>
+              <a:pPr algn="l" rtl="0" eaLnBrk="0" hangingPunct="0"/>
+              <a:endParaRPr lang="en-US" b="1" kern="1200" dirty="0">
+                <a:solidFill>
+                  <a:prstClr val="black"/>
+                </a:solidFill>
+                <a:latin typeface="Lucida Console" pitchFamily="49" charset="0"/>
+                <a:ea typeface="+mn-ea"/>
+                <a:cs typeface="+mn-cs"/>
+              </a:endParaRPr>
+            </a:p>
+            <a:p>
+              <a:pPr algn="l" rtl="0" eaLnBrk="0" hangingPunct="0"/>
+              <a:r>
+                <a:rPr lang="en-US" b="1" dirty="0">
+                  <a:solidFill>
+                    <a:schemeClr val="accent4">
+                      <a:lumMod val="75000"/>
+                    </a:schemeClr>
+                  </a:solidFill>
+                  <a:latin typeface="Lucida Console" pitchFamily="49" charset="0"/>
+                </a:rPr>
+                <a:t>Task</a:t>
+              </a:r>
+              <a:r>
+                <a:rPr lang="en-US" b="1" kern="1200" dirty="0">
+                  <a:solidFill>
+                    <a:prstClr val="black"/>
+                  </a:solidFill>
+                  <a:latin typeface="Lucida Console" pitchFamily="49" charset="0"/>
+                  <a:ea typeface="+mn-ea"/>
+                  <a:cs typeface="+mn-cs"/>
+                </a:rPr>
+                <a:t> </a:t>
+              </a:r>
+              <a:r>
+                <a:rPr lang="en-US" b="1" kern="1200" dirty="0" smtClean="0">
+                  <a:solidFill>
+                    <a:prstClr val="black"/>
+                  </a:solidFill>
+                  <a:latin typeface="Lucida Console" pitchFamily="49" charset="0"/>
+                  <a:ea typeface="+mn-ea"/>
+                  <a:cs typeface="+mn-cs"/>
+                </a:rPr>
+                <a:t>p </a:t>
+              </a:r>
+              <a:r>
+                <a:rPr lang="en-US" b="1" kern="1200" dirty="0">
+                  <a:solidFill>
+                    <a:prstClr val="black"/>
+                  </a:solidFill>
+                  <a:latin typeface="Lucida Console" pitchFamily="49" charset="0"/>
+                  <a:ea typeface="+mn-ea"/>
+                  <a:cs typeface="+mn-cs"/>
+                </a:rPr>
+                <a:t>= </a:t>
+              </a:r>
+              <a:r>
+                <a:rPr lang="en-US" b="1" kern="1200" dirty="0" err="1" smtClean="0">
+                  <a:solidFill>
+                    <a:prstClr val="black"/>
+                  </a:solidFill>
+                  <a:latin typeface="Lucida Console" pitchFamily="49" charset="0"/>
+                  <a:ea typeface="+mn-ea"/>
+                  <a:cs typeface="+mn-cs"/>
+                </a:rPr>
+                <a:t>t.ContinueWith</a:t>
+              </a:r>
+              <a:r>
+                <a:rPr lang="en-US" b="1" kern="1200" dirty="0">
+                  <a:solidFill>
+                    <a:prstClr val="black"/>
+                  </a:solidFill>
+                  <a:latin typeface="Lucida Console" pitchFamily="49" charset="0"/>
+                  <a:ea typeface="+mn-ea"/>
+                  <a:cs typeface="+mn-cs"/>
+                </a:rPr>
+                <a:t>(…);</a:t>
+              </a:r>
+            </a:p>
+            <a:p>
+              <a:pPr algn="l" rtl="0" eaLnBrk="0" hangingPunct="0"/>
+              <a:r>
+                <a:rPr lang="en-US" b="1" kern="1200" dirty="0" err="1" smtClean="0">
+                  <a:solidFill>
+                    <a:prstClr val="black"/>
+                  </a:solidFill>
+                  <a:latin typeface="Lucida Console" pitchFamily="49" charset="0"/>
+                  <a:ea typeface="+mn-ea"/>
+                  <a:cs typeface="+mn-cs"/>
+                </a:rPr>
+                <a:t>t.Wait</a:t>
+              </a:r>
+              <a:r>
+                <a:rPr lang="en-US" b="1" kern="1200" dirty="0" smtClean="0">
+                  <a:solidFill>
+                    <a:prstClr val="black"/>
+                  </a:solidFill>
+                  <a:latin typeface="Lucida Console" pitchFamily="49" charset="0"/>
+                  <a:ea typeface="+mn-ea"/>
+                  <a:cs typeface="+mn-cs"/>
+                </a:rPr>
+                <a:t>(2000</a:t>
+              </a:r>
+              <a:r>
+                <a:rPr lang="en-US" b="1" kern="1200" dirty="0">
+                  <a:solidFill>
+                    <a:prstClr val="black"/>
+                  </a:solidFill>
+                  <a:latin typeface="Lucida Console" pitchFamily="49" charset="0"/>
+                  <a:ea typeface="+mn-ea"/>
+                  <a:cs typeface="+mn-cs"/>
+                </a:rPr>
+                <a:t>);</a:t>
+              </a:r>
+            </a:p>
+            <a:p>
+              <a:pPr algn="l" rtl="0" eaLnBrk="0" hangingPunct="0"/>
+              <a:r>
+                <a:rPr lang="en-US" b="1" kern="1200" dirty="0" err="1" smtClean="0">
+                  <a:solidFill>
+                    <a:prstClr val="black"/>
+                  </a:solidFill>
+                  <a:latin typeface="Lucida Console" pitchFamily="49" charset="0"/>
+                  <a:ea typeface="+mn-ea"/>
+                  <a:cs typeface="+mn-cs"/>
+                </a:rPr>
+                <a:t>t.Cancel</a:t>
+              </a:r>
+              <a:r>
+                <a:rPr lang="en-US" b="1" kern="1200" dirty="0">
+                  <a:solidFill>
+                    <a:prstClr val="black"/>
+                  </a:solidFill>
+                  <a:latin typeface="Lucida Console" pitchFamily="49" charset="0"/>
+                  <a:ea typeface="+mn-ea"/>
+                  <a:cs typeface="+mn-cs"/>
+                </a:rPr>
+                <a:t>();</a:t>
+              </a:r>
+              <a:endParaRPr lang="en-US" b="1" kern="1200" dirty="0">
+                <a:solidFill>
+                  <a:srgbClr val="4F81BD">
+                    <a:lumMod val="50000"/>
+                  </a:srgbClr>
+                </a:solidFill>
+                <a:latin typeface="Lucida Console" pitchFamily="49" charset="0"/>
+                <a:ea typeface="+mn-ea"/>
+                <a:cs typeface="+mn-cs"/>
+              </a:endParaRPr>
+            </a:p>
+          </p:txBody>
+        </p:sp>
+        <p:sp>
+          <p:nvSpPr>
+            <p:cNvPr id="24" name="Rounded Rectangle 23"/>
+            <p:cNvSpPr/>
+            <p:nvPr/>
+          </p:nvSpPr>
+          <p:spPr bwMode="auto">
+            <a:xfrm>
+              <a:off x="5235075" y="3424456"/>
+              <a:ext cx="3016257" cy="339888"/>
+            </a:xfrm>
+            <a:prstGeom prst="roundRect">
+              <a:avLst/>
+            </a:prstGeom>
+            <a:ln>
+              <a:headEnd type="none" w="med" len="med"/>
+              <a:tailEnd type="none" w="med" len="med"/>
+            </a:ln>
+          </p:spPr>
+          <p:style>
+            <a:lnRef idx="0">
+              <a:schemeClr val="accent6"/>
+            </a:lnRef>
+            <a:fillRef idx="3">
+              <a:schemeClr val="accent6"/>
+            </a:fillRef>
+            <a:effectRef idx="3">
+              <a:schemeClr val="accent6"/>
+            </a:effectRef>
+            <a:fontRef idx="minor">
+              <a:schemeClr val="lt1"/>
+            </a:fontRef>
+          </p:style>
+          <p:txBody>
+            <a:bodyPr vert="horz" wrap="square" lIns="91436" tIns="45718" rIns="91436" bIns="45718" numCol="1" rtlCol="0" anchor="ctr" anchorCtr="0" compatLnSpc="1">
+              <a:prstTxWarp prst="textNoShape">
+                <a:avLst/>
+              </a:prstTxWarp>
+            </a:bodyPr>
+            <a:lstStyle/>
+            <a:p>
+              <a:pPr algn="ctr" defTabSz="914099" fontAlgn="base">
+                <a:spcBef>
+                  <a:spcPct val="0"/>
+                </a:spcBef>
+                <a:spcAft>
+                  <a:spcPct val="0"/>
+                </a:spcAft>
+              </a:pPr>
+              <a:r>
+                <a:rPr lang="en-GB" sz="2400" dirty="0" smtClean="0">
+                  <a:solidFill>
+                    <a:srgbClr val="FFFFFF"/>
+                  </a:solidFill>
+                </a:rPr>
+                <a:t>Continue/Wait/Cancel</a:t>
+              </a:r>
+            </a:p>
+          </p:txBody>
+        </p:sp>
+      </p:grpSp>
+    </p:spTree>
+    <p:extLst>
+      <p:ext uri="{BB962C8B-B14F-4D97-AF65-F5344CB8AC3E}">
+        <p14:creationId xmlns:p14="http://schemas.microsoft.com/office/powerpoint/2010/main" val="1138040253"/>
+      </p:ext>
+    </p:extLst>
+  </p:cSld>
+  <p:clrMapOvr>
+    <a:masterClrMapping/>
+  </p:clrMapOvr>
+  <mc:AlternateContent xmlns:mc="http://schemas.openxmlformats.org/markup-compatibility/2006" xmlns:p14="http://schemas.microsoft.com/office/powerpoint/2010/main">
+    <mc:Choice Requires="p14">
+      <p:transition spd="slow" p14:dur="2000"/>
+    </mc:Choice>
+    <mc:Fallback xmlns="">
+      <p:transition spd="slow"/>
+    </mc:Fallback>
+  </mc:AlternateContent>
+  <p:timing>
+    <p:tnLst>
+      <p:par>
+        <p:cTn id="1" dur="indefinite" restart="never" nodeType="tmRoot">
+          <p:childTnLst>
+            <p:seq concurrent="1" nextAc="seek">
+              <p:cTn id="2" dur="indefinite" nodeType="mainSeq">
+                <p:childTnLst>
+                  <p:par>
+                    <p:cTn id="3" fill="hold">
+                      <p:stCondLst>
+                        <p:cond delay="indefinite"/>
+                      </p:stCondLst>
+                      <p:childTnLst>
+                        <p:par>
+                          <p:cTn id="4" fill="hold">
+                            <p:stCondLst>
+                              <p:cond delay="0"/>
+                            </p:stCondLst>
+                            <p:childTnLst>
+                              <p:par>
+                                <p:cTn id="5" presetID="10" presetClass="entr" presetSubtype="0" fill="hold" nodeType="clickEffect">
+                                  <p:stCondLst>
+                                    <p:cond delay="0"/>
+                                  </p:stCondLst>
+                                  <p:childTnLst>
+                                    <p:set>
+                                      <p:cBhvr>
+                                        <p:cTn id="6" dur="1" fill="hold">
+                                          <p:stCondLst>
+                                            <p:cond delay="0"/>
+                                          </p:stCondLst>
+                                        </p:cTn>
+                                        <p:tgtEl>
+                                          <p:spTgt spid="26"/>
+                                        </p:tgtEl>
+                                        <p:attrNameLst>
+                                          <p:attrName>style.visibility</p:attrName>
+                                        </p:attrNameLst>
+                                      </p:cBhvr>
+                                      <p:to>
+                                        <p:strVal val="visible"/>
+                                      </p:to>
+                                    </p:set>
+                                    <p:animEffect transition="in" filter="fade">
+                                      <p:cBhvr>
+                                        <p:cTn id="7" dur="2000"/>
+                                        <p:tgtEl>
+                                          <p:spTgt spid="26"/>
+                                        </p:tgtEl>
+                                      </p:cBhvr>
+                                    </p:animEffect>
+                                  </p:childTnLst>
+                                </p:cTn>
+                              </p:par>
+                              <p:par>
+                                <p:cTn id="8" presetID="10" presetClass="entr" presetSubtype="0" fill="hold" nodeType="withEffect">
+                                  <p:stCondLst>
+                                    <p:cond delay="0"/>
+                                  </p:stCondLst>
+                                  <p:childTnLst>
+                                    <p:set>
+                                      <p:cBhvr>
+                                        <p:cTn id="9" dur="1" fill="hold">
+                                          <p:stCondLst>
+                                            <p:cond delay="0"/>
+                                          </p:stCondLst>
+                                        </p:cTn>
+                                        <p:tgtEl>
+                                          <p:spTgt spid="27"/>
+                                        </p:tgtEl>
+                                        <p:attrNameLst>
+                                          <p:attrName>style.visibility</p:attrName>
+                                        </p:attrNameLst>
+                                      </p:cBhvr>
+                                      <p:to>
+                                        <p:strVal val="visible"/>
+                                      </p:to>
+                                    </p:set>
+                                    <p:animEffect transition="in" filter="fade">
+                                      <p:cBhvr>
+                                        <p:cTn id="10" dur="2000"/>
+                                        <p:tgtEl>
+                                          <p:spTgt spid="27"/>
+                                        </p:tgtEl>
+                                      </p:cBhvr>
+                                    </p:animEffect>
+                                  </p:childTnLst>
+                                </p:cTn>
+                              </p:par>
+                              <p:par>
+                                <p:cTn id="11" presetID="10" presetClass="entr" presetSubtype="0" fill="hold" nodeType="withEffect">
+                                  <p:stCondLst>
+                                    <p:cond delay="0"/>
+                                  </p:stCondLst>
+                                  <p:childTnLst>
+                                    <p:set>
+                                      <p:cBhvr>
+                                        <p:cTn id="12" dur="1" fill="hold">
+                                          <p:stCondLst>
+                                            <p:cond delay="0"/>
+                                          </p:stCondLst>
+                                        </p:cTn>
+                                        <p:tgtEl>
+                                          <p:spTgt spid="28"/>
+                                        </p:tgtEl>
+                                        <p:attrNameLst>
+                                          <p:attrName>style.visibility</p:attrName>
+                                        </p:attrNameLst>
+                                      </p:cBhvr>
+                                      <p:to>
+                                        <p:strVal val="visible"/>
+                                      </p:to>
+                                    </p:set>
+                                    <p:animEffect transition="in" filter="fade">
+                                      <p:cBhvr>
+                                        <p:cTn id="13" dur="2000"/>
+                                        <p:tgtEl>
+                                          <p:spTgt spid="28"/>
+                                        </p:tgtEl>
+                                      </p:cBhvr>
+                                    </p:animEffect>
+                                  </p:childTnLst>
+                                </p:cTn>
+                              </p:par>
+                            </p:childTnLst>
+                          </p:cTn>
+                        </p:par>
+                      </p:childTnLst>
+                    </p:cTn>
+                  </p:par>
+                </p:childTnLst>
+              </p:cTn>
+              <p:prevCondLst>
+                <p:cond evt="onPrev" delay="0">
+                  <p:tgtEl>
+                    <p:sldTgt/>
+                  </p:tgtEl>
+                </p:cond>
+              </p:prevCondLst>
+              <p:nextCondLst>
+                <p:cond evt="onNext" delay="0">
+                  <p:tgtEl>
+                    <p:sldTgt/>
+                  </p:tgtEl>
+                </p:cond>
+              </p:nextCondLst>
+            </p:seq>
+          </p:childTnLst>
+        </p:cTn>
+      </p:par>
+    </p:tnLst>
+  </p:timing>
+</p:sld>
+</file>
+
+<file path=ppt/slides/slide12.xml><?xml version="1.0" encoding="utf-8"?>
+<p:sld xmlns:a="http://schemas.openxmlformats.org/drawingml/2006/main" xmlns:r="http://schemas.openxmlformats.org/officeDocument/2006/relationships" xmlns:p="http://schemas.openxmlformats.org/presentationml/2006/main">
+  <p:cSld>
+    <p:spTree>
+      <p:nvGrpSpPr>
+        <p:cNvPr id="1" name=""/>
+        <p:cNvGrpSpPr/>
+        <p:nvPr/>
+      </p:nvGrpSpPr>
+      <p:grpSpPr>
+        <a:xfrm>
+          <a:off x="0" y="0"/>
+          <a:ext cx="0" cy="0"/>
+          <a:chOff x="0" y="0"/>
+          <a:chExt cx="0" cy="0"/>
+        </a:xfrm>
+      </p:grpSpPr>
+      <p:grpSp>
+        <p:nvGrpSpPr>
+          <p:cNvPr id="4" name="Group 34"/>
+          <p:cNvGrpSpPr/>
+          <p:nvPr/>
+        </p:nvGrpSpPr>
+        <p:grpSpPr>
+          <a:xfrm>
+            <a:off x="470287" y="943127"/>
+            <a:ext cx="3886200" cy="5177480"/>
+            <a:chOff x="4724400" y="1219200"/>
+            <a:chExt cx="3886200" cy="5177480"/>
+          </a:xfrm>
+        </p:grpSpPr>
+        <p:sp>
+          <p:nvSpPr>
+            <p:cNvPr id="30" name="Oval 29"/>
+            <p:cNvSpPr/>
+            <p:nvPr/>
+          </p:nvSpPr>
+          <p:spPr>
+            <a:xfrm>
+              <a:off x="4724400" y="1752600"/>
+              <a:ext cx="914400" cy="914400"/>
+            </a:xfrm>
+            <a:prstGeom prst="ellipse">
+              <a:avLst/>
+            </a:prstGeom>
+          </p:spPr>
+          <p:style>
+            <a:lnRef idx="0">
+              <a:schemeClr val="accent4"/>
+            </a:lnRef>
+            <a:fillRef idx="3">
+              <a:schemeClr val="accent4"/>
+            </a:fillRef>
+            <a:effectRef idx="3">
+              <a:schemeClr val="accent4"/>
+            </a:effectRef>
+            <a:fontRef idx="minor">
+              <a:schemeClr val="lt1"/>
+            </a:fontRef>
+          </p:style>
+          <p:txBody>
+            <a:bodyPr anchor="ctr"/>
+            <a:lstStyle/>
+            <a:p>
+              <a:pPr algn="ctr" defTabSz="914363" fontAlgn="auto">
+                <a:spcBef>
+                  <a:spcPts val="0"/>
+                </a:spcBef>
+                <a:spcAft>
+                  <a:spcPts val="0"/>
+                </a:spcAft>
+                <a:defRPr/>
+              </a:pPr>
+              <a:r>
+                <a:rPr lang="en-US" sz="1400" b="1" dirty="0">
+                  <a:effectLst>
+                    <a:outerShdw blurRad="38100" dist="38100" dir="2700000" algn="tl">
+                      <a:srgbClr val="000000">
+                        <a:alpha val="43137"/>
+                      </a:srgbClr>
+                    </a:outerShdw>
+                  </a:effectLst>
+                  <a:latin typeface="Calibri" pitchFamily="34" charset="0"/>
+                </a:rPr>
+                <a:t>CPU0</a:t>
+              </a:r>
+            </a:p>
+          </p:txBody>
+        </p:sp>
+        <p:sp>
+          <p:nvSpPr>
+            <p:cNvPr id="31" name="Oval 30"/>
+            <p:cNvSpPr/>
+            <p:nvPr/>
+          </p:nvSpPr>
+          <p:spPr>
+            <a:xfrm>
+              <a:off x="5715000" y="1752600"/>
+              <a:ext cx="914400" cy="914400"/>
+            </a:xfrm>
+            <a:prstGeom prst="ellipse">
+              <a:avLst/>
+            </a:prstGeom>
+          </p:spPr>
+          <p:style>
+            <a:lnRef idx="0">
+              <a:schemeClr val="accent4"/>
+            </a:lnRef>
+            <a:fillRef idx="3">
+              <a:schemeClr val="accent4"/>
+            </a:fillRef>
+            <a:effectRef idx="3">
+              <a:schemeClr val="accent4"/>
+            </a:effectRef>
+            <a:fontRef idx="minor">
+              <a:schemeClr val="lt1"/>
+            </a:fontRef>
+          </p:style>
+          <p:txBody>
+            <a:bodyPr anchor="ctr"/>
+            <a:lstStyle/>
+            <a:p>
+              <a:pPr algn="ctr" defTabSz="914363" fontAlgn="auto">
+                <a:spcBef>
+                  <a:spcPts val="0"/>
+                </a:spcBef>
+                <a:spcAft>
+                  <a:spcPts val="0"/>
+                </a:spcAft>
+                <a:defRPr/>
+              </a:pPr>
+              <a:r>
+                <a:rPr lang="en-US" sz="1400" b="1" dirty="0">
+                  <a:effectLst>
+                    <a:outerShdw blurRad="38100" dist="38100" dir="2700000" algn="tl">
+                      <a:srgbClr val="000000">
+                        <a:alpha val="43137"/>
+                      </a:srgbClr>
+                    </a:outerShdw>
+                  </a:effectLst>
+                  <a:latin typeface="Calibri" pitchFamily="34" charset="0"/>
+                </a:rPr>
+                <a:t>CPU1</a:t>
+              </a:r>
+            </a:p>
+          </p:txBody>
+        </p:sp>
+        <p:sp>
+          <p:nvSpPr>
+            <p:cNvPr id="32" name="Oval 31"/>
+            <p:cNvSpPr/>
+            <p:nvPr/>
+          </p:nvSpPr>
+          <p:spPr>
+            <a:xfrm>
+              <a:off x="6705600" y="1752600"/>
+              <a:ext cx="914400" cy="914400"/>
+            </a:xfrm>
+            <a:prstGeom prst="ellipse">
+              <a:avLst/>
+            </a:prstGeom>
+          </p:spPr>
+          <p:style>
+            <a:lnRef idx="0">
+              <a:schemeClr val="accent4"/>
+            </a:lnRef>
+            <a:fillRef idx="3">
+              <a:schemeClr val="accent4"/>
+            </a:fillRef>
+            <a:effectRef idx="3">
+              <a:schemeClr val="accent4"/>
+            </a:effectRef>
+            <a:fontRef idx="minor">
+              <a:schemeClr val="lt1"/>
+            </a:fontRef>
+          </p:style>
+          <p:txBody>
+            <a:bodyPr anchor="ctr"/>
+            <a:lstStyle/>
+            <a:p>
+              <a:pPr algn="ctr" defTabSz="914363" fontAlgn="auto">
+                <a:spcBef>
+                  <a:spcPts val="0"/>
+                </a:spcBef>
+                <a:spcAft>
+                  <a:spcPts val="0"/>
+                </a:spcAft>
+                <a:defRPr/>
+              </a:pPr>
+              <a:r>
+                <a:rPr lang="en-US" sz="1400" b="1" dirty="0">
+                  <a:effectLst>
+                    <a:outerShdw blurRad="38100" dist="38100" dir="2700000" algn="tl">
+                      <a:srgbClr val="000000">
+                        <a:alpha val="43137"/>
+                      </a:srgbClr>
+                    </a:outerShdw>
+                  </a:effectLst>
+                  <a:latin typeface="Calibri" pitchFamily="34" charset="0"/>
+                </a:rPr>
+                <a:t>CPU2</a:t>
+              </a:r>
+            </a:p>
+          </p:txBody>
+        </p:sp>
+        <p:sp>
+          <p:nvSpPr>
+            <p:cNvPr id="33" name="Oval 32"/>
+            <p:cNvSpPr/>
+            <p:nvPr/>
+          </p:nvSpPr>
+          <p:spPr>
+            <a:xfrm>
+              <a:off x="7696200" y="1752600"/>
+              <a:ext cx="914400" cy="914400"/>
+            </a:xfrm>
+            <a:prstGeom prst="ellipse">
+              <a:avLst/>
+            </a:prstGeom>
+          </p:spPr>
+          <p:style>
+            <a:lnRef idx="0">
+              <a:schemeClr val="accent4"/>
+            </a:lnRef>
+            <a:fillRef idx="3">
+              <a:schemeClr val="accent4"/>
+            </a:fillRef>
+            <a:effectRef idx="3">
+              <a:schemeClr val="accent4"/>
+            </a:effectRef>
+            <a:fontRef idx="minor">
+              <a:schemeClr val="lt1"/>
+            </a:fontRef>
+          </p:style>
+          <p:txBody>
+            <a:bodyPr anchor="ctr"/>
+            <a:lstStyle/>
+            <a:p>
+              <a:pPr algn="ctr" defTabSz="914363" fontAlgn="auto">
+                <a:spcBef>
+                  <a:spcPts val="0"/>
+                </a:spcBef>
+                <a:spcAft>
+                  <a:spcPts val="0"/>
+                </a:spcAft>
+                <a:defRPr/>
+              </a:pPr>
+              <a:r>
+                <a:rPr lang="en-US" sz="1400" b="1" dirty="0">
+                  <a:effectLst>
+                    <a:outerShdw blurRad="38100" dist="38100" dir="2700000" algn="tl">
+                      <a:srgbClr val="000000">
+                        <a:alpha val="43137"/>
+                      </a:srgbClr>
+                    </a:outerShdw>
+                  </a:effectLst>
+                  <a:latin typeface="Calibri" pitchFamily="34" charset="0"/>
+                </a:rPr>
+                <a:t>CPU3</a:t>
+              </a:r>
+            </a:p>
+          </p:txBody>
+        </p:sp>
+        <p:sp>
+          <p:nvSpPr>
+            <p:cNvPr id="55" name="Rectangle 54"/>
+            <p:cNvSpPr/>
+            <p:nvPr/>
+          </p:nvSpPr>
+          <p:spPr>
+            <a:xfrm>
+              <a:off x="5715000" y="2743200"/>
+              <a:ext cx="914400" cy="3048000"/>
+            </a:xfrm>
+            <a:prstGeom prst="rect">
+              <a:avLst/>
+            </a:prstGeom>
+          </p:spPr>
+          <p:style>
+            <a:lnRef idx="0">
+              <a:schemeClr val="accent2"/>
+            </a:lnRef>
+            <a:fillRef idx="3">
+              <a:schemeClr val="accent2"/>
+            </a:fillRef>
+            <a:effectRef idx="3">
+              <a:schemeClr val="accent2"/>
+            </a:effectRef>
+            <a:fontRef idx="minor">
+              <a:schemeClr val="lt1"/>
+            </a:fontRef>
+          </p:style>
+          <p:txBody>
+            <a:bodyPr anchor="ctr"/>
+            <a:lstStyle/>
+            <a:p>
+              <a:pPr algn="ctr" defTabSz="914363" fontAlgn="auto">
+                <a:spcBef>
+                  <a:spcPts val="0"/>
+                </a:spcBef>
+                <a:spcAft>
+                  <a:spcPts val="0"/>
+                </a:spcAft>
+                <a:defRPr/>
+              </a:pPr>
+              <a:endParaRPr lang="en-US"/>
+            </a:p>
+          </p:txBody>
+        </p:sp>
+        <p:sp>
+          <p:nvSpPr>
+            <p:cNvPr id="63" name="Rectangle 62"/>
+            <p:cNvSpPr/>
+            <p:nvPr/>
+          </p:nvSpPr>
+          <p:spPr>
+            <a:xfrm>
+              <a:off x="6705600" y="2743200"/>
+              <a:ext cx="914400" cy="1826739"/>
+            </a:xfrm>
+            <a:prstGeom prst="rect">
+              <a:avLst/>
+            </a:prstGeom>
+          </p:spPr>
+          <p:style>
+            <a:lnRef idx="0">
+              <a:schemeClr val="accent2"/>
+            </a:lnRef>
+            <a:fillRef idx="3">
+              <a:schemeClr val="accent2"/>
+            </a:fillRef>
+            <a:effectRef idx="3">
+              <a:schemeClr val="accent2"/>
+            </a:effectRef>
+            <a:fontRef idx="minor">
+              <a:schemeClr val="lt1"/>
+            </a:fontRef>
+          </p:style>
+          <p:txBody>
+            <a:bodyPr anchor="ctr"/>
+            <a:lstStyle/>
+            <a:p>
+              <a:pPr algn="ctr" defTabSz="914363" fontAlgn="auto">
+                <a:spcBef>
+                  <a:spcPts val="0"/>
+                </a:spcBef>
+                <a:spcAft>
+                  <a:spcPts val="0"/>
+                </a:spcAft>
+                <a:defRPr/>
+              </a:pPr>
+              <a:endParaRPr lang="en-US"/>
+            </a:p>
+          </p:txBody>
+        </p:sp>
+        <p:sp>
+          <p:nvSpPr>
+            <p:cNvPr id="71" name="Rectangle 70"/>
+            <p:cNvSpPr/>
+            <p:nvPr/>
+          </p:nvSpPr>
+          <p:spPr>
+            <a:xfrm>
+              <a:off x="7696200" y="2743200"/>
+              <a:ext cx="914400" cy="1219200"/>
+            </a:xfrm>
+            <a:prstGeom prst="rect">
+              <a:avLst/>
+            </a:prstGeom>
+          </p:spPr>
+          <p:style>
+            <a:lnRef idx="0">
+              <a:schemeClr val="accent2"/>
+            </a:lnRef>
+            <a:fillRef idx="3">
+              <a:schemeClr val="accent2"/>
+            </a:fillRef>
+            <a:effectRef idx="3">
+              <a:schemeClr val="accent2"/>
+            </a:effectRef>
+            <a:fontRef idx="minor">
+              <a:schemeClr val="lt1"/>
+            </a:fontRef>
+          </p:style>
+          <p:txBody>
+            <a:bodyPr anchor="ctr"/>
+            <a:lstStyle/>
+            <a:p>
+              <a:pPr algn="ctr" defTabSz="914363" fontAlgn="auto">
+                <a:spcBef>
+                  <a:spcPts val="0"/>
+                </a:spcBef>
+                <a:spcAft>
+                  <a:spcPts val="0"/>
+                </a:spcAft>
+                <a:defRPr/>
+              </a:pPr>
+              <a:endParaRPr lang="en-US"/>
+            </a:p>
+          </p:txBody>
+        </p:sp>
+        <p:sp>
+          <p:nvSpPr>
+            <p:cNvPr id="258" name="Rectangle 257"/>
+            <p:cNvSpPr/>
+            <p:nvPr/>
+          </p:nvSpPr>
+          <p:spPr>
+            <a:xfrm>
+              <a:off x="4724400" y="2743199"/>
+              <a:ext cx="914400" cy="3653481"/>
+            </a:xfrm>
+            <a:prstGeom prst="rect">
+              <a:avLst/>
+            </a:prstGeom>
+          </p:spPr>
+          <p:style>
+            <a:lnRef idx="0">
+              <a:schemeClr val="accent2"/>
+            </a:lnRef>
+            <a:fillRef idx="3">
+              <a:schemeClr val="accent2"/>
+            </a:fillRef>
+            <a:effectRef idx="3">
+              <a:schemeClr val="accent2"/>
+            </a:effectRef>
+            <a:fontRef idx="minor">
+              <a:schemeClr val="lt1"/>
+            </a:fontRef>
+          </p:style>
+          <p:txBody>
+            <a:bodyPr anchor="ctr"/>
+            <a:lstStyle/>
+            <a:p>
+              <a:pPr algn="ctr" defTabSz="914363" fontAlgn="auto">
+                <a:spcBef>
+                  <a:spcPts val="0"/>
+                </a:spcBef>
+                <a:spcAft>
+                  <a:spcPts val="0"/>
+                </a:spcAft>
+                <a:defRPr/>
+              </a:pPr>
+              <a:endParaRPr lang="en-US"/>
+            </a:p>
+          </p:txBody>
+        </p:sp>
+        <p:sp>
+          <p:nvSpPr>
+            <p:cNvPr id="261" name="TextBox 260"/>
+            <p:cNvSpPr txBox="1"/>
+            <p:nvPr/>
+          </p:nvSpPr>
+          <p:spPr>
+            <a:xfrm>
+              <a:off x="5486400" y="1219200"/>
+              <a:ext cx="2459841" cy="461665"/>
+            </a:xfrm>
+            <a:prstGeom prst="rect">
+              <a:avLst/>
+            </a:prstGeom>
+            <a:noFill/>
+          </p:spPr>
+          <p:txBody>
+            <a:bodyPr wrap="none">
+              <a:spAutoFit/>
+            </a:bodyPr>
+            <a:lstStyle/>
+            <a:p>
+              <a:pPr defTabSz="914363" fontAlgn="auto">
+                <a:spcBef>
+                  <a:spcPts val="0"/>
+                </a:spcBef>
+                <a:spcAft>
+                  <a:spcPts val="0"/>
+                </a:spcAft>
+                <a:defRPr/>
+              </a:pPr>
+              <a:r>
+                <a:rPr lang="en-US" sz="2400" b="1" spc="50" dirty="0">
+                  <a:ln w="13500">
+                    <a:solidFill>
+                      <a:schemeClr val="accent1">
+                        <a:shade val="2500"/>
+                        <a:alpha val="6500"/>
+                      </a:schemeClr>
+                    </a:solidFill>
+                    <a:prstDash val="solid"/>
+                  </a:ln>
+                  <a:effectLst>
+                    <a:innerShdw blurRad="50900" dist="38500" dir="13500000">
+                      <a:srgbClr val="000000">
+                        <a:alpha val="60000"/>
+                      </a:srgbClr>
+                    </a:innerShdw>
+                  </a:effectLst>
+                  <a:latin typeface="+mn-lt"/>
+                  <a:cs typeface="+mn-cs"/>
+                </a:rPr>
+                <a:t>Static Scheduling</a:t>
+              </a:r>
+            </a:p>
+          </p:txBody>
+        </p:sp>
+      </p:grpSp>
+      <p:sp>
+        <p:nvSpPr>
+          <p:cNvPr id="2" name="Title 1"/>
+          <p:cNvSpPr>
+            <a:spLocks noGrp="1"/>
+          </p:cNvSpPr>
+          <p:nvPr>
+            <p:ph type="title"/>
+          </p:nvPr>
+        </p:nvSpPr>
+        <p:spPr/>
+        <p:txBody>
+          <a:bodyPr>
+            <a:normAutofit/>
+          </a:bodyPr>
+          <a:lstStyle/>
+          <a:p>
+            <a:pPr defTabSz="914363" fontAlgn="auto">
+              <a:spcAft>
+                <a:spcPts val="0"/>
+              </a:spcAft>
+              <a:defRPr/>
+            </a:pPr>
+            <a:r>
+              <a:rPr dirty="0" smtClean="0"/>
+              <a:t>Load-Balancing of Tasks</a:t>
+            </a:r>
+            <a:endParaRPr dirty="0"/>
+          </a:p>
+        </p:txBody>
+      </p:sp>
+      <p:sp>
+        <p:nvSpPr>
+          <p:cNvPr id="19528" name="TextBox 256"/>
+          <p:cNvSpPr txBox="1">
+            <a:spLocks noChangeArrowheads="1"/>
+          </p:cNvSpPr>
+          <p:nvPr/>
+        </p:nvSpPr>
+        <p:spPr bwMode="auto">
+          <a:xfrm>
+            <a:off x="4355888" y="5057928"/>
+            <a:ext cx="3810000" cy="923330"/>
+          </a:xfrm>
+          <a:prstGeom prst="rect">
+            <a:avLst/>
+          </a:prstGeom>
+          <a:noFill/>
+          <a:ln w="9525">
+            <a:noFill/>
+            <a:miter lim="800000"/>
+            <a:headEnd/>
+            <a:tailEnd/>
+          </a:ln>
+        </p:spPr>
+        <p:txBody>
+          <a:bodyPr>
+            <a:spAutoFit/>
+          </a:bodyPr>
+          <a:lstStyle/>
+          <a:p>
+            <a:r>
+              <a:rPr lang="en-US" dirty="0">
+                <a:latin typeface="Segoe"/>
+              </a:rPr>
+              <a:t>Dynamic </a:t>
+            </a:r>
+            <a:r>
+              <a:rPr lang="en-US" dirty="0" smtClean="0">
+                <a:latin typeface="Segoe"/>
+              </a:rPr>
+              <a:t>scheduling improves performance by distributing work efficiently </a:t>
+            </a:r>
+            <a:r>
+              <a:rPr lang="en-US" dirty="0">
+                <a:latin typeface="Segoe"/>
+              </a:rPr>
+              <a:t>at runtime.</a:t>
+            </a:r>
+          </a:p>
+        </p:txBody>
+      </p:sp>
+      <p:sp>
+        <p:nvSpPr>
+          <p:cNvPr id="134" name="Oval 133"/>
+          <p:cNvSpPr/>
+          <p:nvPr/>
+        </p:nvSpPr>
+        <p:spPr>
+          <a:xfrm>
+            <a:off x="4889887" y="1476527"/>
+            <a:ext cx="914400" cy="914400"/>
+          </a:xfrm>
+          <a:prstGeom prst="ellipse">
+            <a:avLst/>
+          </a:prstGeom>
+        </p:spPr>
+        <p:style>
+          <a:lnRef idx="0">
+            <a:schemeClr val="accent4"/>
+          </a:lnRef>
+          <a:fillRef idx="3">
+            <a:schemeClr val="accent4"/>
+          </a:fillRef>
+          <a:effectRef idx="3">
+            <a:schemeClr val="accent4"/>
+          </a:effectRef>
+          <a:fontRef idx="minor">
+            <a:schemeClr val="lt1"/>
+          </a:fontRef>
+        </p:style>
+        <p:txBody>
+          <a:bodyPr anchor="ctr"/>
+          <a:lstStyle/>
+          <a:p>
+            <a:pPr algn="ctr" defTabSz="914363" fontAlgn="auto">
+              <a:spcBef>
+                <a:spcPts val="0"/>
+              </a:spcBef>
+              <a:spcAft>
+                <a:spcPts val="0"/>
+              </a:spcAft>
+              <a:defRPr/>
+            </a:pPr>
+            <a:r>
+              <a:rPr lang="en-US" sz="1400" b="1" dirty="0" smtClean="0">
+                <a:effectLst>
+                  <a:outerShdw blurRad="38100" dist="38100" dir="2700000" algn="tl">
+                    <a:srgbClr val="000000">
+                      <a:alpha val="43137"/>
+                    </a:srgbClr>
+                  </a:outerShdw>
+                </a:effectLst>
+                <a:latin typeface="Calibri" pitchFamily="34" charset="0"/>
+              </a:rPr>
+              <a:t>CPU0</a:t>
+            </a:r>
+            <a:endParaRPr lang="en-US" sz="1400" b="1" dirty="0">
+              <a:effectLst>
+                <a:outerShdw blurRad="38100" dist="38100" dir="2700000" algn="tl">
+                  <a:srgbClr val="000000">
+                    <a:alpha val="43137"/>
+                  </a:srgbClr>
+                </a:outerShdw>
+              </a:effectLst>
+              <a:latin typeface="Calibri" pitchFamily="34" charset="0"/>
+            </a:endParaRPr>
+          </a:p>
+        </p:txBody>
+      </p:sp>
+      <p:sp>
+        <p:nvSpPr>
+          <p:cNvPr id="135" name="Oval 134"/>
+          <p:cNvSpPr/>
+          <p:nvPr/>
+        </p:nvSpPr>
+        <p:spPr>
+          <a:xfrm>
+            <a:off x="5880487" y="1476527"/>
+            <a:ext cx="914400" cy="914400"/>
+          </a:xfrm>
+          <a:prstGeom prst="ellipse">
+            <a:avLst/>
+          </a:prstGeom>
+        </p:spPr>
+        <p:style>
+          <a:lnRef idx="0">
+            <a:schemeClr val="accent4"/>
+          </a:lnRef>
+          <a:fillRef idx="3">
+            <a:schemeClr val="accent4"/>
+          </a:fillRef>
+          <a:effectRef idx="3">
+            <a:schemeClr val="accent4"/>
+          </a:effectRef>
+          <a:fontRef idx="minor">
+            <a:schemeClr val="lt1"/>
+          </a:fontRef>
+        </p:style>
+        <p:txBody>
+          <a:bodyPr anchor="ctr"/>
+          <a:lstStyle/>
+          <a:p>
+            <a:pPr algn="ctr" defTabSz="914363" fontAlgn="auto">
+              <a:spcBef>
+                <a:spcPts val="0"/>
+              </a:spcBef>
+              <a:spcAft>
+                <a:spcPts val="0"/>
+              </a:spcAft>
+              <a:defRPr/>
+            </a:pPr>
+            <a:r>
+              <a:rPr lang="en-US" sz="1400" b="1" dirty="0">
+                <a:effectLst>
+                  <a:outerShdw blurRad="38100" dist="38100" dir="2700000" algn="tl">
+                    <a:srgbClr val="000000">
+                      <a:alpha val="43137"/>
+                    </a:srgbClr>
+                  </a:outerShdw>
+                </a:effectLst>
+                <a:latin typeface="Calibri" pitchFamily="34" charset="0"/>
+              </a:rPr>
+              <a:t>CPU1</a:t>
+            </a:r>
+          </a:p>
+        </p:txBody>
+      </p:sp>
+      <p:sp>
+        <p:nvSpPr>
+          <p:cNvPr id="136" name="Oval 135"/>
+          <p:cNvSpPr/>
+          <p:nvPr/>
+        </p:nvSpPr>
+        <p:spPr>
+          <a:xfrm>
+            <a:off x="6871087" y="1476527"/>
+            <a:ext cx="914400" cy="914400"/>
+          </a:xfrm>
+          <a:prstGeom prst="ellipse">
+            <a:avLst/>
+          </a:prstGeom>
+        </p:spPr>
+        <p:style>
+          <a:lnRef idx="0">
+            <a:schemeClr val="accent4"/>
+          </a:lnRef>
+          <a:fillRef idx="3">
+            <a:schemeClr val="accent4"/>
+          </a:fillRef>
+          <a:effectRef idx="3">
+            <a:schemeClr val="accent4"/>
+          </a:effectRef>
+          <a:fontRef idx="minor">
+            <a:schemeClr val="lt1"/>
+          </a:fontRef>
+        </p:style>
+        <p:txBody>
+          <a:bodyPr anchor="ctr"/>
+          <a:lstStyle/>
+          <a:p>
+            <a:pPr algn="ctr" defTabSz="914363" fontAlgn="auto">
+              <a:spcBef>
+                <a:spcPts val="0"/>
+              </a:spcBef>
+              <a:spcAft>
+                <a:spcPts val="0"/>
+              </a:spcAft>
+              <a:defRPr/>
+            </a:pPr>
+            <a:r>
+              <a:rPr lang="en-US" sz="1400" b="1" dirty="0">
+                <a:effectLst>
+                  <a:outerShdw blurRad="38100" dist="38100" dir="2700000" algn="tl">
+                    <a:srgbClr val="000000">
+                      <a:alpha val="43137"/>
+                    </a:srgbClr>
+                  </a:outerShdw>
+                </a:effectLst>
+                <a:latin typeface="Calibri" pitchFamily="34" charset="0"/>
+              </a:rPr>
+              <a:t>CPU2</a:t>
+            </a:r>
+          </a:p>
+        </p:txBody>
+      </p:sp>
+      <p:sp>
+        <p:nvSpPr>
+          <p:cNvPr id="137" name="Oval 136"/>
+          <p:cNvSpPr/>
+          <p:nvPr/>
+        </p:nvSpPr>
+        <p:spPr>
+          <a:xfrm>
+            <a:off x="7861687" y="1476527"/>
+            <a:ext cx="914400" cy="914400"/>
+          </a:xfrm>
+          <a:prstGeom prst="ellipse">
+            <a:avLst/>
+          </a:prstGeom>
+        </p:spPr>
+        <p:style>
+          <a:lnRef idx="0">
+            <a:schemeClr val="accent4"/>
+          </a:lnRef>
+          <a:fillRef idx="3">
+            <a:schemeClr val="accent4"/>
+          </a:fillRef>
+          <a:effectRef idx="3">
+            <a:schemeClr val="accent4"/>
+          </a:effectRef>
+          <a:fontRef idx="minor">
+            <a:schemeClr val="lt1"/>
+          </a:fontRef>
+        </p:style>
+        <p:txBody>
+          <a:bodyPr anchor="ctr"/>
+          <a:lstStyle/>
+          <a:p>
+            <a:pPr algn="ctr" defTabSz="914363" fontAlgn="auto">
+              <a:spcBef>
+                <a:spcPts val="0"/>
+              </a:spcBef>
+              <a:spcAft>
+                <a:spcPts val="0"/>
+              </a:spcAft>
+              <a:defRPr/>
+            </a:pPr>
+            <a:r>
+              <a:rPr lang="en-US" sz="1400" b="1" dirty="0">
+                <a:effectLst>
+                  <a:outerShdw blurRad="38100" dist="38100" dir="2700000" algn="tl">
+                    <a:srgbClr val="000000">
+                      <a:alpha val="43137"/>
+                    </a:srgbClr>
+                  </a:outerShdw>
+                </a:effectLst>
+                <a:latin typeface="Calibri" pitchFamily="34" charset="0"/>
+              </a:rPr>
+              <a:t>CPU3</a:t>
+            </a:r>
+          </a:p>
+        </p:txBody>
+      </p:sp>
+      <p:sp>
+        <p:nvSpPr>
+          <p:cNvPr id="260" name="TextBox 259"/>
+          <p:cNvSpPr txBox="1"/>
+          <p:nvPr/>
+        </p:nvSpPr>
+        <p:spPr>
+          <a:xfrm>
+            <a:off x="4889888" y="943129"/>
+            <a:ext cx="3809999" cy="461665"/>
+          </a:xfrm>
+          <a:prstGeom prst="rect">
+            <a:avLst/>
+          </a:prstGeom>
+          <a:noFill/>
+        </p:spPr>
+        <p:txBody>
+          <a:bodyPr>
+            <a:spAutoFit/>
+          </a:bodyPr>
+          <a:lstStyle/>
+          <a:p>
+            <a:pPr algn="ctr" defTabSz="914363" fontAlgn="auto">
+              <a:spcBef>
+                <a:spcPts val="0"/>
+              </a:spcBef>
+              <a:spcAft>
+                <a:spcPts val="0"/>
+              </a:spcAft>
+              <a:defRPr/>
+            </a:pPr>
+            <a:r>
+              <a:rPr lang="en-US" sz="2400" b="1" spc="50" dirty="0">
+                <a:ln w="13500">
+                  <a:solidFill>
+                    <a:schemeClr val="accent1">
+                      <a:shade val="2500"/>
+                      <a:alpha val="6500"/>
+                    </a:schemeClr>
+                  </a:solidFill>
+                  <a:prstDash val="solid"/>
+                </a:ln>
+                <a:effectLst>
+                  <a:innerShdw blurRad="50900" dist="38500" dir="13500000">
+                    <a:srgbClr val="000000">
+                      <a:alpha val="60000"/>
+                    </a:srgbClr>
+                  </a:innerShdw>
+                </a:effectLst>
+                <a:latin typeface="+mn-lt"/>
+                <a:cs typeface="+mn-cs"/>
+              </a:rPr>
+              <a:t>Dynamic</a:t>
+            </a:r>
+            <a:r>
+              <a:rPr lang="en-US" sz="2400" dirty="0">
+                <a:ln w="18415" cmpd="sng">
+                  <a:solidFill>
+                    <a:srgbClr val="FFFFFF"/>
+                  </a:solidFill>
+                  <a:prstDash val="solid"/>
+                </a:ln>
+                <a:effectLst>
+                  <a:outerShdw blurRad="63500" dir="3600000" algn="tl" rotWithShape="0">
+                    <a:srgbClr val="000000">
+                      <a:alpha val="70000"/>
+                    </a:srgbClr>
+                  </a:outerShdw>
+                </a:effectLst>
+                <a:latin typeface="+mn-lt"/>
+                <a:cs typeface="+mn-cs"/>
+              </a:rPr>
+              <a:t> </a:t>
+            </a:r>
+            <a:r>
+              <a:rPr lang="en-US" sz="2400" b="1" spc="50" dirty="0">
+                <a:ln w="13500">
+                  <a:solidFill>
+                    <a:schemeClr val="accent1">
+                      <a:shade val="2500"/>
+                      <a:alpha val="6500"/>
+                    </a:schemeClr>
+                  </a:solidFill>
+                  <a:prstDash val="solid"/>
+                </a:ln>
+                <a:effectLst>
+                  <a:innerShdw blurRad="50900" dist="38500" dir="13500000">
+                    <a:srgbClr val="000000">
+                      <a:alpha val="60000"/>
+                    </a:srgbClr>
+                  </a:innerShdw>
+                </a:effectLst>
+                <a:latin typeface="+mn-lt"/>
+                <a:cs typeface="+mn-cs"/>
+              </a:rPr>
+              <a:t>Scheduling</a:t>
+            </a:r>
+            <a:endParaRPr lang="en-US" sz="2400" dirty="0">
+              <a:ln w="18415" cmpd="sng">
+                <a:solidFill>
+                  <a:srgbClr val="FFFFFF"/>
+                </a:solidFill>
+                <a:prstDash val="solid"/>
+              </a:ln>
+              <a:effectLst>
+                <a:outerShdw blurRad="63500" dir="3600000" algn="tl" rotWithShape="0">
+                  <a:srgbClr val="000000">
+                    <a:alpha val="70000"/>
+                  </a:srgbClr>
+                </a:outerShdw>
+              </a:effectLst>
+              <a:latin typeface="+mn-lt"/>
+              <a:cs typeface="+mn-cs"/>
+            </a:endParaRPr>
+          </a:p>
+        </p:txBody>
+      </p:sp>
+      <p:sp>
+        <p:nvSpPr>
+          <p:cNvPr id="34" name="Rectangle 33"/>
+          <p:cNvSpPr/>
+          <p:nvPr/>
+        </p:nvSpPr>
+        <p:spPr>
+          <a:xfrm>
+            <a:off x="3442087" y="2475153"/>
+            <a:ext cx="914400" cy="304800"/>
+          </a:xfrm>
+          <a:prstGeom prst="rect">
+            <a:avLst/>
+          </a:prstGeom>
+        </p:spPr>
+        <p:style>
+          <a:lnRef idx="0">
+            <a:schemeClr val="accent5"/>
+          </a:lnRef>
+          <a:fillRef idx="3">
+            <a:schemeClr val="accent5"/>
+          </a:fillRef>
+          <a:effectRef idx="3">
+            <a:schemeClr val="accent5"/>
+          </a:effectRef>
+          <a:fontRef idx="minor">
+            <a:schemeClr val="lt1"/>
+          </a:fontRef>
+        </p:style>
+        <p:txBody>
+          <a:bodyPr anchor="ctr"/>
+          <a:lstStyle/>
+          <a:p>
+            <a:pPr algn="ctr" defTabSz="914363" fontAlgn="auto">
+              <a:spcBef>
+                <a:spcPts val="0"/>
+              </a:spcBef>
+              <a:spcAft>
+                <a:spcPts val="0"/>
+              </a:spcAft>
+              <a:defRPr/>
+            </a:pPr>
+            <a:endParaRPr lang="en-US"/>
+          </a:p>
+        </p:txBody>
+      </p:sp>
+      <p:sp>
+        <p:nvSpPr>
+          <p:cNvPr id="35" name="Rectangle 34"/>
+          <p:cNvSpPr/>
+          <p:nvPr/>
+        </p:nvSpPr>
+        <p:spPr>
+          <a:xfrm>
+            <a:off x="3442087" y="2767597"/>
+            <a:ext cx="914400" cy="304800"/>
+          </a:xfrm>
+          <a:prstGeom prst="rect">
+            <a:avLst/>
+          </a:prstGeom>
+        </p:spPr>
+        <p:style>
+          <a:lnRef idx="0">
+            <a:schemeClr val="accent5"/>
+          </a:lnRef>
+          <a:fillRef idx="3">
+            <a:schemeClr val="accent5"/>
+          </a:fillRef>
+          <a:effectRef idx="3">
+            <a:schemeClr val="accent5"/>
+          </a:effectRef>
+          <a:fontRef idx="minor">
+            <a:schemeClr val="lt1"/>
+          </a:fontRef>
+        </p:style>
+        <p:txBody>
+          <a:bodyPr anchor="ctr"/>
+          <a:lstStyle/>
+          <a:p>
+            <a:pPr algn="ctr" defTabSz="914363" fontAlgn="auto">
+              <a:spcBef>
+                <a:spcPts val="0"/>
+              </a:spcBef>
+              <a:spcAft>
+                <a:spcPts val="0"/>
+              </a:spcAft>
+              <a:defRPr/>
+            </a:pPr>
+            <a:endParaRPr lang="en-US"/>
+          </a:p>
+        </p:txBody>
+      </p:sp>
+      <p:sp>
+        <p:nvSpPr>
+          <p:cNvPr id="36" name="Rectangle 35"/>
+          <p:cNvSpPr/>
+          <p:nvPr/>
+        </p:nvSpPr>
+        <p:spPr>
+          <a:xfrm>
+            <a:off x="3442087" y="3076515"/>
+            <a:ext cx="914400" cy="304800"/>
+          </a:xfrm>
+          <a:prstGeom prst="rect">
+            <a:avLst/>
+          </a:prstGeom>
+        </p:spPr>
+        <p:style>
+          <a:lnRef idx="0">
+            <a:schemeClr val="accent5"/>
+          </a:lnRef>
+          <a:fillRef idx="3">
+            <a:schemeClr val="accent5"/>
+          </a:fillRef>
+          <a:effectRef idx="3">
+            <a:schemeClr val="accent5"/>
+          </a:effectRef>
+          <a:fontRef idx="minor">
+            <a:schemeClr val="lt1"/>
+          </a:fontRef>
+        </p:style>
+        <p:txBody>
+          <a:bodyPr anchor="ctr"/>
+          <a:lstStyle/>
+          <a:p>
+            <a:pPr algn="ctr" defTabSz="914363" fontAlgn="auto">
+              <a:spcBef>
+                <a:spcPts val="0"/>
+              </a:spcBef>
+              <a:spcAft>
+                <a:spcPts val="0"/>
+              </a:spcAft>
+              <a:defRPr/>
+            </a:pPr>
+            <a:endParaRPr lang="en-US"/>
+          </a:p>
+        </p:txBody>
+      </p:sp>
+      <p:grpSp>
+        <p:nvGrpSpPr>
+          <p:cNvPr id="5" name="Group 4"/>
+          <p:cNvGrpSpPr/>
+          <p:nvPr/>
+        </p:nvGrpSpPr>
+        <p:grpSpPr>
+          <a:xfrm>
+            <a:off x="2451487" y="2462009"/>
+            <a:ext cx="914400" cy="605482"/>
+            <a:chOff x="2451487" y="2471245"/>
+            <a:chExt cx="914400" cy="605482"/>
+          </a:xfrm>
+        </p:grpSpPr>
+        <p:sp>
+          <p:nvSpPr>
+            <p:cNvPr id="37" name="Rectangle 36"/>
+            <p:cNvSpPr/>
+            <p:nvPr/>
+          </p:nvSpPr>
+          <p:spPr>
+            <a:xfrm>
+              <a:off x="2451487" y="2471245"/>
+              <a:ext cx="914400" cy="304800"/>
+            </a:xfrm>
+            <a:prstGeom prst="rect">
+              <a:avLst/>
+            </a:prstGeom>
+          </p:spPr>
+          <p:style>
+            <a:lnRef idx="0">
+              <a:schemeClr val="accent5"/>
+            </a:lnRef>
+            <a:fillRef idx="3">
+              <a:schemeClr val="accent5"/>
+            </a:fillRef>
+            <a:effectRef idx="3">
+              <a:schemeClr val="accent5"/>
+            </a:effectRef>
+            <a:fontRef idx="minor">
+              <a:schemeClr val="lt1"/>
+            </a:fontRef>
+          </p:style>
+          <p:txBody>
+            <a:bodyPr anchor="ctr"/>
+            <a:lstStyle/>
+            <a:p>
+              <a:pPr algn="ctr" defTabSz="914363" fontAlgn="auto">
+                <a:spcBef>
+                  <a:spcPts val="0"/>
+                </a:spcBef>
+                <a:spcAft>
+                  <a:spcPts val="0"/>
+                </a:spcAft>
+                <a:defRPr/>
+              </a:pPr>
+              <a:endParaRPr lang="en-US"/>
+            </a:p>
+          </p:txBody>
+        </p:sp>
+        <p:sp>
+          <p:nvSpPr>
+            <p:cNvPr id="38" name="Rectangle 37"/>
+            <p:cNvSpPr/>
+            <p:nvPr/>
+          </p:nvSpPr>
+          <p:spPr>
+            <a:xfrm>
+              <a:off x="2451487" y="2771927"/>
+              <a:ext cx="914400" cy="304800"/>
+            </a:xfrm>
+            <a:prstGeom prst="rect">
+              <a:avLst/>
+            </a:prstGeom>
+          </p:spPr>
+          <p:style>
+            <a:lnRef idx="0">
+              <a:schemeClr val="accent5"/>
+            </a:lnRef>
+            <a:fillRef idx="3">
+              <a:schemeClr val="accent5"/>
+            </a:fillRef>
+            <a:effectRef idx="3">
+              <a:schemeClr val="accent5"/>
+            </a:effectRef>
+            <a:fontRef idx="minor">
+              <a:schemeClr val="lt1"/>
+            </a:fontRef>
+          </p:style>
+          <p:txBody>
+            <a:bodyPr anchor="ctr"/>
+            <a:lstStyle/>
+            <a:p>
+              <a:pPr algn="ctr" defTabSz="914363" fontAlgn="auto">
+                <a:spcBef>
+                  <a:spcPts val="0"/>
+                </a:spcBef>
+                <a:spcAft>
+                  <a:spcPts val="0"/>
+                </a:spcAft>
+                <a:defRPr/>
+              </a:pPr>
+              <a:endParaRPr lang="en-US"/>
+            </a:p>
+          </p:txBody>
+        </p:sp>
+      </p:grpSp>
+      <p:grpSp>
+        <p:nvGrpSpPr>
+          <p:cNvPr id="7" name="Group 6"/>
+          <p:cNvGrpSpPr/>
+          <p:nvPr/>
+        </p:nvGrpSpPr>
+        <p:grpSpPr>
+          <a:xfrm>
+            <a:off x="1450589" y="2471245"/>
+            <a:ext cx="924698" cy="1215082"/>
+            <a:chOff x="1450589" y="2471245"/>
+            <a:chExt cx="924698" cy="1215082"/>
+          </a:xfrm>
+        </p:grpSpPr>
+        <p:sp>
+          <p:nvSpPr>
+            <p:cNvPr id="40" name="Rectangle 39"/>
+            <p:cNvSpPr/>
+            <p:nvPr/>
+          </p:nvSpPr>
+          <p:spPr>
+            <a:xfrm>
+              <a:off x="1460887" y="2471245"/>
+              <a:ext cx="914400" cy="304800"/>
+            </a:xfrm>
+            <a:prstGeom prst="rect">
+              <a:avLst/>
+            </a:prstGeom>
+          </p:spPr>
+          <p:style>
+            <a:lnRef idx="0">
+              <a:schemeClr val="accent5"/>
+            </a:lnRef>
+            <a:fillRef idx="3">
+              <a:schemeClr val="accent5"/>
+            </a:fillRef>
+            <a:effectRef idx="3">
+              <a:schemeClr val="accent5"/>
+            </a:effectRef>
+            <a:fontRef idx="minor">
+              <a:schemeClr val="lt1"/>
+            </a:fontRef>
+          </p:style>
+          <p:txBody>
+            <a:bodyPr anchor="ctr"/>
+            <a:lstStyle/>
+            <a:p>
+              <a:pPr algn="ctr" defTabSz="914363" fontAlgn="auto">
+                <a:spcBef>
+                  <a:spcPts val="0"/>
+                </a:spcBef>
+                <a:spcAft>
+                  <a:spcPts val="0"/>
+                </a:spcAft>
+                <a:defRPr/>
+              </a:pPr>
+              <a:endParaRPr lang="en-US"/>
+            </a:p>
+          </p:txBody>
+        </p:sp>
+        <p:sp>
+          <p:nvSpPr>
+            <p:cNvPr id="41" name="Rectangle 40"/>
+            <p:cNvSpPr/>
+            <p:nvPr/>
+          </p:nvSpPr>
+          <p:spPr>
+            <a:xfrm>
+              <a:off x="1460887" y="2776045"/>
+              <a:ext cx="914400" cy="304800"/>
+            </a:xfrm>
+            <a:prstGeom prst="rect">
+              <a:avLst/>
+            </a:prstGeom>
+          </p:spPr>
+          <p:style>
+            <a:lnRef idx="0">
+              <a:schemeClr val="accent5"/>
+            </a:lnRef>
+            <a:fillRef idx="3">
+              <a:schemeClr val="accent5"/>
+            </a:fillRef>
+            <a:effectRef idx="3">
+              <a:schemeClr val="accent5"/>
+            </a:effectRef>
+            <a:fontRef idx="minor">
+              <a:schemeClr val="lt1"/>
+            </a:fontRef>
+          </p:style>
+          <p:txBody>
+            <a:bodyPr anchor="ctr"/>
+            <a:lstStyle/>
+            <a:p>
+              <a:pPr algn="ctr" defTabSz="914363" fontAlgn="auto">
+                <a:spcBef>
+                  <a:spcPts val="0"/>
+                </a:spcBef>
+                <a:spcAft>
+                  <a:spcPts val="0"/>
+                </a:spcAft>
+                <a:defRPr/>
+              </a:pPr>
+              <a:endParaRPr lang="en-US"/>
+            </a:p>
+          </p:txBody>
+        </p:sp>
+        <p:sp>
+          <p:nvSpPr>
+            <p:cNvPr id="42" name="Rectangle 41"/>
+            <p:cNvSpPr/>
+            <p:nvPr/>
+          </p:nvSpPr>
+          <p:spPr>
+            <a:xfrm>
+              <a:off x="1460887" y="3076727"/>
+              <a:ext cx="914400" cy="304800"/>
+            </a:xfrm>
+            <a:prstGeom prst="rect">
+              <a:avLst/>
+            </a:prstGeom>
+          </p:spPr>
+          <p:style>
+            <a:lnRef idx="0">
+              <a:schemeClr val="accent5"/>
+            </a:lnRef>
+            <a:fillRef idx="3">
+              <a:schemeClr val="accent5"/>
+            </a:fillRef>
+            <a:effectRef idx="3">
+              <a:schemeClr val="accent5"/>
+            </a:effectRef>
+            <a:fontRef idx="minor">
+              <a:schemeClr val="lt1"/>
+            </a:fontRef>
+          </p:style>
+          <p:txBody>
+            <a:bodyPr anchor="ctr"/>
+            <a:lstStyle/>
+            <a:p>
+              <a:pPr algn="ctr" defTabSz="914363" fontAlgn="auto">
+                <a:spcBef>
+                  <a:spcPts val="0"/>
+                </a:spcBef>
+                <a:spcAft>
+                  <a:spcPts val="0"/>
+                </a:spcAft>
+                <a:defRPr/>
+              </a:pPr>
+              <a:endParaRPr lang="en-US"/>
+            </a:p>
+          </p:txBody>
+        </p:sp>
+        <p:sp>
+          <p:nvSpPr>
+            <p:cNvPr id="46" name="Rectangle 45"/>
+            <p:cNvSpPr/>
+            <p:nvPr/>
+          </p:nvSpPr>
+          <p:spPr>
+            <a:xfrm>
+              <a:off x="1450589" y="3381527"/>
+              <a:ext cx="914400" cy="304800"/>
+            </a:xfrm>
+            <a:prstGeom prst="rect">
+              <a:avLst/>
+            </a:prstGeom>
+          </p:spPr>
+          <p:style>
+            <a:lnRef idx="0">
+              <a:schemeClr val="accent5"/>
+            </a:lnRef>
+            <a:fillRef idx="3">
+              <a:schemeClr val="accent5"/>
+            </a:fillRef>
+            <a:effectRef idx="3">
+              <a:schemeClr val="accent5"/>
+            </a:effectRef>
+            <a:fontRef idx="minor">
+              <a:schemeClr val="lt1"/>
+            </a:fontRef>
+          </p:style>
+          <p:txBody>
+            <a:bodyPr anchor="ctr"/>
+            <a:lstStyle/>
+            <a:p>
+              <a:pPr algn="ctr" defTabSz="914363" fontAlgn="auto">
+                <a:spcBef>
+                  <a:spcPts val="0"/>
+                </a:spcBef>
+                <a:spcAft>
+                  <a:spcPts val="0"/>
+                </a:spcAft>
+                <a:defRPr/>
+              </a:pPr>
+              <a:endParaRPr lang="en-US"/>
+            </a:p>
+          </p:txBody>
+        </p:sp>
+      </p:grpSp>
+      <p:grpSp>
+        <p:nvGrpSpPr>
+          <p:cNvPr id="3" name="Group 2"/>
+          <p:cNvGrpSpPr/>
+          <p:nvPr/>
+        </p:nvGrpSpPr>
+        <p:grpSpPr>
+          <a:xfrm>
+            <a:off x="2451487" y="3076727"/>
+            <a:ext cx="914400" cy="1219200"/>
+            <a:chOff x="2451487" y="3076727"/>
+            <a:chExt cx="914400" cy="1219200"/>
+          </a:xfrm>
+        </p:grpSpPr>
+        <p:sp>
+          <p:nvSpPr>
+            <p:cNvPr id="39" name="Rectangle 38"/>
+            <p:cNvSpPr/>
+            <p:nvPr/>
+          </p:nvSpPr>
+          <p:spPr>
+            <a:xfrm>
+              <a:off x="2451487" y="3076727"/>
+              <a:ext cx="914400" cy="304800"/>
+            </a:xfrm>
+            <a:prstGeom prst="rect">
+              <a:avLst/>
+            </a:prstGeom>
+          </p:spPr>
+          <p:style>
+            <a:lnRef idx="0">
+              <a:schemeClr val="accent5"/>
+            </a:lnRef>
+            <a:fillRef idx="3">
+              <a:schemeClr val="accent5"/>
+            </a:fillRef>
+            <a:effectRef idx="3">
+              <a:schemeClr val="accent5"/>
+            </a:effectRef>
+            <a:fontRef idx="minor">
+              <a:schemeClr val="lt1"/>
+            </a:fontRef>
+          </p:style>
+          <p:txBody>
+            <a:bodyPr anchor="ctr"/>
+            <a:lstStyle/>
+            <a:p>
+              <a:pPr algn="ctr" defTabSz="914363" fontAlgn="auto">
+                <a:spcBef>
+                  <a:spcPts val="0"/>
+                </a:spcBef>
+                <a:spcAft>
+                  <a:spcPts val="0"/>
+                </a:spcAft>
+                <a:defRPr/>
+              </a:pPr>
+              <a:endParaRPr lang="en-US"/>
+            </a:p>
+          </p:txBody>
+        </p:sp>
+        <p:sp>
+          <p:nvSpPr>
+            <p:cNvPr id="49" name="Rectangle 48"/>
+            <p:cNvSpPr/>
+            <p:nvPr/>
+          </p:nvSpPr>
+          <p:spPr>
+            <a:xfrm>
+              <a:off x="2451487" y="3381527"/>
+              <a:ext cx="914400" cy="304800"/>
+            </a:xfrm>
+            <a:prstGeom prst="rect">
+              <a:avLst/>
+            </a:prstGeom>
+          </p:spPr>
+          <p:style>
+            <a:lnRef idx="0">
+              <a:schemeClr val="accent5"/>
+            </a:lnRef>
+            <a:fillRef idx="3">
+              <a:schemeClr val="accent5"/>
+            </a:fillRef>
+            <a:effectRef idx="3">
+              <a:schemeClr val="accent5"/>
+            </a:effectRef>
+            <a:fontRef idx="minor">
+              <a:schemeClr val="lt1"/>
+            </a:fontRef>
+          </p:style>
+          <p:txBody>
+            <a:bodyPr anchor="ctr"/>
+            <a:lstStyle/>
+            <a:p>
+              <a:pPr algn="ctr" defTabSz="914363" fontAlgn="auto">
+                <a:spcBef>
+                  <a:spcPts val="0"/>
+                </a:spcBef>
+                <a:spcAft>
+                  <a:spcPts val="0"/>
+                </a:spcAft>
+                <a:defRPr/>
+              </a:pPr>
+              <a:endParaRPr lang="en-US"/>
+            </a:p>
+          </p:txBody>
+        </p:sp>
+        <p:sp>
+          <p:nvSpPr>
+            <p:cNvPr id="50" name="Rectangle 49"/>
+            <p:cNvSpPr/>
+            <p:nvPr/>
+          </p:nvSpPr>
+          <p:spPr>
+            <a:xfrm>
+              <a:off x="2451487" y="3686327"/>
+              <a:ext cx="914400" cy="304800"/>
+            </a:xfrm>
+            <a:prstGeom prst="rect">
+              <a:avLst/>
+            </a:prstGeom>
+          </p:spPr>
+          <p:style>
+            <a:lnRef idx="0">
+              <a:schemeClr val="accent5"/>
+            </a:lnRef>
+            <a:fillRef idx="3">
+              <a:schemeClr val="accent5"/>
+            </a:fillRef>
+            <a:effectRef idx="3">
+              <a:schemeClr val="accent5"/>
+            </a:effectRef>
+            <a:fontRef idx="minor">
+              <a:schemeClr val="lt1"/>
+            </a:fontRef>
+          </p:style>
+          <p:txBody>
+            <a:bodyPr anchor="ctr"/>
+            <a:lstStyle/>
+            <a:p>
+              <a:pPr algn="ctr" defTabSz="914363" fontAlgn="auto">
+                <a:spcBef>
+                  <a:spcPts val="0"/>
+                </a:spcBef>
+                <a:spcAft>
+                  <a:spcPts val="0"/>
+                </a:spcAft>
+                <a:defRPr/>
+              </a:pPr>
+              <a:endParaRPr lang="en-US"/>
+            </a:p>
+          </p:txBody>
+        </p:sp>
+        <p:sp>
+          <p:nvSpPr>
+            <p:cNvPr id="51" name="Rectangle 50"/>
+            <p:cNvSpPr/>
+            <p:nvPr/>
+          </p:nvSpPr>
+          <p:spPr>
+            <a:xfrm>
+              <a:off x="2451487" y="3991127"/>
+              <a:ext cx="914400" cy="304800"/>
+            </a:xfrm>
+            <a:prstGeom prst="rect">
+              <a:avLst/>
+            </a:prstGeom>
+          </p:spPr>
+          <p:style>
+            <a:lnRef idx="0">
+              <a:schemeClr val="accent5"/>
+            </a:lnRef>
+            <a:fillRef idx="3">
+              <a:schemeClr val="accent5"/>
+            </a:fillRef>
+            <a:effectRef idx="3">
+              <a:schemeClr val="accent5"/>
+            </a:effectRef>
+            <a:fontRef idx="minor">
+              <a:schemeClr val="lt1"/>
+            </a:fontRef>
+          </p:style>
+          <p:txBody>
+            <a:bodyPr anchor="ctr"/>
+            <a:lstStyle/>
+            <a:p>
+              <a:pPr algn="ctr" defTabSz="914363" fontAlgn="auto">
+                <a:spcBef>
+                  <a:spcPts val="0"/>
+                </a:spcBef>
+                <a:spcAft>
+                  <a:spcPts val="0"/>
+                </a:spcAft>
+                <a:defRPr/>
+              </a:pPr>
+              <a:endParaRPr lang="en-US"/>
+            </a:p>
+          </p:txBody>
+        </p:sp>
+      </p:grpSp>
+      <p:grpSp>
+        <p:nvGrpSpPr>
+          <p:cNvPr id="9" name="Group 8"/>
+          <p:cNvGrpSpPr/>
+          <p:nvPr/>
+        </p:nvGrpSpPr>
+        <p:grpSpPr>
+          <a:xfrm>
+            <a:off x="470288" y="2467127"/>
+            <a:ext cx="914400" cy="2438400"/>
+            <a:chOff x="470287" y="2467127"/>
+            <a:chExt cx="914400" cy="2438400"/>
+          </a:xfrm>
+        </p:grpSpPr>
+        <p:sp>
+          <p:nvSpPr>
+            <p:cNvPr id="170" name="Rectangle 169"/>
+            <p:cNvSpPr/>
+            <p:nvPr/>
+          </p:nvSpPr>
+          <p:spPr>
+            <a:xfrm>
+              <a:off x="470287" y="3381527"/>
+              <a:ext cx="914400" cy="304800"/>
+            </a:xfrm>
+            <a:prstGeom prst="rect">
+              <a:avLst/>
+            </a:prstGeom>
+          </p:spPr>
+          <p:style>
+            <a:lnRef idx="0">
+              <a:schemeClr val="accent5"/>
+            </a:lnRef>
+            <a:fillRef idx="3">
+              <a:schemeClr val="accent5"/>
+            </a:fillRef>
+            <a:effectRef idx="3">
+              <a:schemeClr val="accent5"/>
+            </a:effectRef>
+            <a:fontRef idx="minor">
+              <a:schemeClr val="lt1"/>
+            </a:fontRef>
+          </p:style>
+          <p:txBody>
+            <a:bodyPr anchor="ctr"/>
+            <a:lstStyle/>
+            <a:p>
+              <a:pPr algn="ctr" defTabSz="914363" fontAlgn="auto">
+                <a:spcBef>
+                  <a:spcPts val="0"/>
+                </a:spcBef>
+                <a:spcAft>
+                  <a:spcPts val="0"/>
+                </a:spcAft>
+                <a:defRPr/>
+              </a:pPr>
+              <a:endParaRPr lang="en-US"/>
+            </a:p>
+          </p:txBody>
+        </p:sp>
+        <p:sp>
+          <p:nvSpPr>
+            <p:cNvPr id="171" name="Rectangle 170"/>
+            <p:cNvSpPr/>
+            <p:nvPr/>
+          </p:nvSpPr>
+          <p:spPr>
+            <a:xfrm>
+              <a:off x="470287" y="3686327"/>
+              <a:ext cx="914400" cy="304800"/>
+            </a:xfrm>
+            <a:prstGeom prst="rect">
+              <a:avLst/>
+            </a:prstGeom>
+          </p:spPr>
+          <p:style>
+            <a:lnRef idx="0">
+              <a:schemeClr val="accent5"/>
+            </a:lnRef>
+            <a:fillRef idx="3">
+              <a:schemeClr val="accent5"/>
+            </a:fillRef>
+            <a:effectRef idx="3">
+              <a:schemeClr val="accent5"/>
+            </a:effectRef>
+            <a:fontRef idx="minor">
+              <a:schemeClr val="lt1"/>
+            </a:fontRef>
+          </p:style>
+          <p:txBody>
+            <a:bodyPr anchor="ctr"/>
+            <a:lstStyle/>
+            <a:p>
+              <a:pPr algn="ctr" defTabSz="914363" fontAlgn="auto">
+                <a:spcBef>
+                  <a:spcPts val="0"/>
+                </a:spcBef>
+                <a:spcAft>
+                  <a:spcPts val="0"/>
+                </a:spcAft>
+                <a:defRPr/>
+              </a:pPr>
+              <a:endParaRPr lang="en-US"/>
+            </a:p>
+          </p:txBody>
+        </p:sp>
+        <p:sp>
+          <p:nvSpPr>
+            <p:cNvPr id="172" name="Rectangle 171"/>
+            <p:cNvSpPr/>
+            <p:nvPr/>
+          </p:nvSpPr>
+          <p:spPr>
+            <a:xfrm>
+              <a:off x="470287" y="3991127"/>
+              <a:ext cx="914400" cy="304800"/>
+            </a:xfrm>
+            <a:prstGeom prst="rect">
+              <a:avLst/>
+            </a:prstGeom>
+          </p:spPr>
+          <p:style>
+            <a:lnRef idx="0">
+              <a:schemeClr val="accent5"/>
+            </a:lnRef>
+            <a:fillRef idx="3">
+              <a:schemeClr val="accent5"/>
+            </a:fillRef>
+            <a:effectRef idx="3">
+              <a:schemeClr val="accent5"/>
+            </a:effectRef>
+            <a:fontRef idx="minor">
+              <a:schemeClr val="lt1"/>
+            </a:fontRef>
+          </p:style>
+          <p:txBody>
+            <a:bodyPr anchor="ctr"/>
+            <a:lstStyle/>
+            <a:p>
+              <a:pPr algn="ctr" defTabSz="914363" fontAlgn="auto">
+                <a:spcBef>
+                  <a:spcPts val="0"/>
+                </a:spcBef>
+                <a:spcAft>
+                  <a:spcPts val="0"/>
+                </a:spcAft>
+                <a:defRPr/>
+              </a:pPr>
+              <a:endParaRPr lang="en-US"/>
+            </a:p>
+          </p:txBody>
+        </p:sp>
+        <p:sp>
+          <p:nvSpPr>
+            <p:cNvPr id="43" name="Rectangle 42"/>
+            <p:cNvSpPr/>
+            <p:nvPr/>
+          </p:nvSpPr>
+          <p:spPr>
+            <a:xfrm>
+              <a:off x="470287" y="2467127"/>
+              <a:ext cx="914400" cy="304800"/>
+            </a:xfrm>
+            <a:prstGeom prst="rect">
+              <a:avLst/>
+            </a:prstGeom>
+          </p:spPr>
+          <p:style>
+            <a:lnRef idx="0">
+              <a:schemeClr val="accent5"/>
+            </a:lnRef>
+            <a:fillRef idx="3">
+              <a:schemeClr val="accent5"/>
+            </a:fillRef>
+            <a:effectRef idx="3">
+              <a:schemeClr val="accent5"/>
+            </a:effectRef>
+            <a:fontRef idx="minor">
+              <a:schemeClr val="lt1"/>
+            </a:fontRef>
+          </p:style>
+          <p:txBody>
+            <a:bodyPr anchor="ctr"/>
+            <a:lstStyle/>
+            <a:p>
+              <a:pPr algn="ctr" defTabSz="914363" fontAlgn="auto">
+                <a:spcBef>
+                  <a:spcPts val="0"/>
+                </a:spcBef>
+                <a:spcAft>
+                  <a:spcPts val="0"/>
+                </a:spcAft>
+                <a:defRPr/>
+              </a:pPr>
+              <a:endParaRPr lang="en-US"/>
+            </a:p>
+          </p:txBody>
+        </p:sp>
+        <p:sp>
+          <p:nvSpPr>
+            <p:cNvPr id="44" name="Rectangle 43"/>
+            <p:cNvSpPr/>
+            <p:nvPr/>
+          </p:nvSpPr>
+          <p:spPr>
+            <a:xfrm>
+              <a:off x="470287" y="2771927"/>
+              <a:ext cx="914400" cy="304800"/>
+            </a:xfrm>
+            <a:prstGeom prst="rect">
+              <a:avLst/>
+            </a:prstGeom>
+          </p:spPr>
+          <p:style>
+            <a:lnRef idx="0">
+              <a:schemeClr val="accent5"/>
+            </a:lnRef>
+            <a:fillRef idx="3">
+              <a:schemeClr val="accent5"/>
+            </a:fillRef>
+            <a:effectRef idx="3">
+              <a:schemeClr val="accent5"/>
+            </a:effectRef>
+            <a:fontRef idx="minor">
+              <a:schemeClr val="lt1"/>
+            </a:fontRef>
+          </p:style>
+          <p:txBody>
+            <a:bodyPr anchor="ctr"/>
+            <a:lstStyle/>
+            <a:p>
+              <a:pPr algn="ctr" defTabSz="914363" fontAlgn="auto">
+                <a:spcBef>
+                  <a:spcPts val="0"/>
+                </a:spcBef>
+                <a:spcAft>
+                  <a:spcPts val="0"/>
+                </a:spcAft>
+                <a:defRPr/>
+              </a:pPr>
+              <a:endParaRPr lang="en-US"/>
+            </a:p>
+          </p:txBody>
+        </p:sp>
+        <p:sp>
+          <p:nvSpPr>
+            <p:cNvPr id="45" name="Rectangle 44"/>
+            <p:cNvSpPr/>
+            <p:nvPr/>
+          </p:nvSpPr>
+          <p:spPr>
+            <a:xfrm>
+              <a:off x="470287" y="3076727"/>
+              <a:ext cx="914400" cy="304800"/>
+            </a:xfrm>
+            <a:prstGeom prst="rect">
+              <a:avLst/>
+            </a:prstGeom>
+          </p:spPr>
+          <p:style>
+            <a:lnRef idx="0">
+              <a:schemeClr val="accent5"/>
+            </a:lnRef>
+            <a:fillRef idx="3">
+              <a:schemeClr val="accent5"/>
+            </a:fillRef>
+            <a:effectRef idx="3">
+              <a:schemeClr val="accent5"/>
+            </a:effectRef>
+            <a:fontRef idx="minor">
+              <a:schemeClr val="lt1"/>
+            </a:fontRef>
+          </p:style>
+          <p:txBody>
+            <a:bodyPr anchor="ctr"/>
+            <a:lstStyle/>
+            <a:p>
+              <a:pPr algn="ctr" defTabSz="914363" fontAlgn="auto">
+                <a:spcBef>
+                  <a:spcPts val="0"/>
+                </a:spcBef>
+                <a:spcAft>
+                  <a:spcPts val="0"/>
+                </a:spcAft>
+                <a:defRPr/>
+              </a:pPr>
+              <a:endParaRPr lang="en-US"/>
+            </a:p>
+          </p:txBody>
+        </p:sp>
+        <p:sp>
+          <p:nvSpPr>
+            <p:cNvPr id="56" name="Rectangle 55"/>
+            <p:cNvSpPr/>
+            <p:nvPr/>
+          </p:nvSpPr>
+          <p:spPr>
+            <a:xfrm>
+              <a:off x="470287" y="4295927"/>
+              <a:ext cx="914400" cy="304800"/>
+            </a:xfrm>
+            <a:prstGeom prst="rect">
+              <a:avLst/>
+            </a:prstGeom>
+          </p:spPr>
+          <p:style>
+            <a:lnRef idx="0">
+              <a:schemeClr val="accent5"/>
+            </a:lnRef>
+            <a:fillRef idx="3">
+              <a:schemeClr val="accent5"/>
+            </a:fillRef>
+            <a:effectRef idx="3">
+              <a:schemeClr val="accent5"/>
+            </a:effectRef>
+            <a:fontRef idx="minor">
+              <a:schemeClr val="lt1"/>
+            </a:fontRef>
+          </p:style>
+          <p:txBody>
+            <a:bodyPr anchor="ctr"/>
+            <a:lstStyle/>
+            <a:p>
+              <a:pPr algn="ctr" defTabSz="914363" fontAlgn="auto">
+                <a:spcBef>
+                  <a:spcPts val="0"/>
+                </a:spcBef>
+                <a:spcAft>
+                  <a:spcPts val="0"/>
+                </a:spcAft>
+                <a:defRPr/>
+              </a:pPr>
+              <a:endParaRPr lang="en-US"/>
+            </a:p>
+          </p:txBody>
+        </p:sp>
+        <p:sp>
+          <p:nvSpPr>
+            <p:cNvPr id="57" name="Rectangle 56"/>
+            <p:cNvSpPr/>
+            <p:nvPr/>
+          </p:nvSpPr>
+          <p:spPr>
+            <a:xfrm>
+              <a:off x="470287" y="4600727"/>
+              <a:ext cx="914400" cy="304800"/>
+            </a:xfrm>
+            <a:prstGeom prst="rect">
+              <a:avLst/>
+            </a:prstGeom>
+          </p:spPr>
+          <p:style>
+            <a:lnRef idx="0">
+              <a:schemeClr val="accent5"/>
+            </a:lnRef>
+            <a:fillRef idx="3">
+              <a:schemeClr val="accent5"/>
+            </a:fillRef>
+            <a:effectRef idx="3">
+              <a:schemeClr val="accent5"/>
+            </a:effectRef>
+            <a:fontRef idx="minor">
+              <a:schemeClr val="lt1"/>
+            </a:fontRef>
+          </p:style>
+          <p:txBody>
+            <a:bodyPr anchor="ctr"/>
+            <a:lstStyle/>
+            <a:p>
+              <a:pPr algn="ctr" defTabSz="914363" fontAlgn="auto">
+                <a:spcBef>
+                  <a:spcPts val="0"/>
+                </a:spcBef>
+                <a:spcAft>
+                  <a:spcPts val="0"/>
+                </a:spcAft>
+                <a:defRPr/>
+              </a:pPr>
+              <a:endParaRPr lang="en-US"/>
+            </a:p>
+          </p:txBody>
+        </p:sp>
+      </p:grpSp>
+      <p:grpSp>
+        <p:nvGrpSpPr>
+          <p:cNvPr id="8" name="Group 7"/>
+          <p:cNvGrpSpPr/>
+          <p:nvPr/>
+        </p:nvGrpSpPr>
+        <p:grpSpPr>
+          <a:xfrm>
+            <a:off x="470288" y="4905527"/>
+            <a:ext cx="914400" cy="1221258"/>
+            <a:chOff x="470287" y="4905527"/>
+            <a:chExt cx="914400" cy="1221258"/>
+          </a:xfrm>
+        </p:grpSpPr>
+        <p:sp>
+          <p:nvSpPr>
+            <p:cNvPr id="58" name="Rectangle 57"/>
+            <p:cNvSpPr/>
+            <p:nvPr/>
+          </p:nvSpPr>
+          <p:spPr>
+            <a:xfrm>
+              <a:off x="470287" y="4905527"/>
+              <a:ext cx="914400" cy="304800"/>
+            </a:xfrm>
+            <a:prstGeom prst="rect">
+              <a:avLst/>
+            </a:prstGeom>
+          </p:spPr>
+          <p:style>
+            <a:lnRef idx="0">
+              <a:schemeClr val="accent5"/>
+            </a:lnRef>
+            <a:fillRef idx="3">
+              <a:schemeClr val="accent5"/>
+            </a:fillRef>
+            <a:effectRef idx="3">
+              <a:schemeClr val="accent5"/>
+            </a:effectRef>
+            <a:fontRef idx="minor">
+              <a:schemeClr val="lt1"/>
+            </a:fontRef>
+          </p:style>
+          <p:txBody>
+            <a:bodyPr anchor="ctr"/>
+            <a:lstStyle/>
+            <a:p>
+              <a:pPr algn="ctr" defTabSz="914363" fontAlgn="auto">
+                <a:spcBef>
+                  <a:spcPts val="0"/>
+                </a:spcBef>
+                <a:spcAft>
+                  <a:spcPts val="0"/>
+                </a:spcAft>
+                <a:defRPr/>
+              </a:pPr>
+              <a:endParaRPr lang="en-US"/>
+            </a:p>
+          </p:txBody>
+        </p:sp>
+        <p:sp>
+          <p:nvSpPr>
+            <p:cNvPr id="59" name="Rectangle 58"/>
+            <p:cNvSpPr/>
+            <p:nvPr/>
+          </p:nvSpPr>
+          <p:spPr>
+            <a:xfrm>
+              <a:off x="470287" y="5210327"/>
+              <a:ext cx="914400" cy="304800"/>
+            </a:xfrm>
+            <a:prstGeom prst="rect">
+              <a:avLst/>
+            </a:prstGeom>
+          </p:spPr>
+          <p:style>
+            <a:lnRef idx="0">
+              <a:schemeClr val="accent5"/>
+            </a:lnRef>
+            <a:fillRef idx="3">
+              <a:schemeClr val="accent5"/>
+            </a:fillRef>
+            <a:effectRef idx="3">
+              <a:schemeClr val="accent5"/>
+            </a:effectRef>
+            <a:fontRef idx="minor">
+              <a:schemeClr val="lt1"/>
+            </a:fontRef>
+          </p:style>
+          <p:txBody>
+            <a:bodyPr anchor="ctr"/>
+            <a:lstStyle/>
+            <a:p>
+              <a:pPr algn="ctr" defTabSz="914363" fontAlgn="auto">
+                <a:spcBef>
+                  <a:spcPts val="0"/>
+                </a:spcBef>
+                <a:spcAft>
+                  <a:spcPts val="0"/>
+                </a:spcAft>
+                <a:defRPr/>
+              </a:pPr>
+              <a:endParaRPr lang="en-US"/>
+            </a:p>
+          </p:txBody>
+        </p:sp>
+        <p:sp>
+          <p:nvSpPr>
+            <p:cNvPr id="60" name="Rectangle 59"/>
+            <p:cNvSpPr/>
+            <p:nvPr/>
+          </p:nvSpPr>
+          <p:spPr>
+            <a:xfrm>
+              <a:off x="470287" y="5517185"/>
+              <a:ext cx="914400" cy="304800"/>
+            </a:xfrm>
+            <a:prstGeom prst="rect">
+              <a:avLst/>
+            </a:prstGeom>
+          </p:spPr>
+          <p:style>
+            <a:lnRef idx="0">
+              <a:schemeClr val="accent5"/>
+            </a:lnRef>
+            <a:fillRef idx="3">
+              <a:schemeClr val="accent5"/>
+            </a:fillRef>
+            <a:effectRef idx="3">
+              <a:schemeClr val="accent5"/>
+            </a:effectRef>
+            <a:fontRef idx="minor">
+              <a:schemeClr val="lt1"/>
+            </a:fontRef>
+          </p:style>
+          <p:txBody>
+            <a:bodyPr anchor="ctr"/>
+            <a:lstStyle/>
+            <a:p>
+              <a:pPr algn="ctr" defTabSz="914363" fontAlgn="auto">
+                <a:spcBef>
+                  <a:spcPts val="0"/>
+                </a:spcBef>
+                <a:spcAft>
+                  <a:spcPts val="0"/>
+                </a:spcAft>
+                <a:defRPr/>
+              </a:pPr>
+              <a:endParaRPr lang="en-US"/>
+            </a:p>
+          </p:txBody>
+        </p:sp>
+        <p:sp>
+          <p:nvSpPr>
+            <p:cNvPr id="61" name="Rectangle 60"/>
+            <p:cNvSpPr/>
+            <p:nvPr/>
+          </p:nvSpPr>
+          <p:spPr>
+            <a:xfrm>
+              <a:off x="470287" y="5821985"/>
+              <a:ext cx="914400" cy="304800"/>
+            </a:xfrm>
+            <a:prstGeom prst="rect">
+              <a:avLst/>
+            </a:prstGeom>
+          </p:spPr>
+          <p:style>
+            <a:lnRef idx="0">
+              <a:schemeClr val="accent5"/>
+            </a:lnRef>
+            <a:fillRef idx="3">
+              <a:schemeClr val="accent5"/>
+            </a:fillRef>
+            <a:effectRef idx="3">
+              <a:schemeClr val="accent5"/>
+            </a:effectRef>
+            <a:fontRef idx="minor">
+              <a:schemeClr val="lt1"/>
+            </a:fontRef>
+          </p:style>
+          <p:txBody>
+            <a:bodyPr anchor="ctr"/>
+            <a:lstStyle/>
+            <a:p>
+              <a:pPr algn="ctr" defTabSz="914363" fontAlgn="auto">
+                <a:spcBef>
+                  <a:spcPts val="0"/>
+                </a:spcBef>
+                <a:spcAft>
+                  <a:spcPts val="0"/>
+                </a:spcAft>
+                <a:defRPr/>
+              </a:pPr>
+              <a:endParaRPr lang="en-US"/>
+            </a:p>
+          </p:txBody>
+        </p:sp>
+      </p:grpSp>
+      <p:grpSp>
+        <p:nvGrpSpPr>
+          <p:cNvPr id="6" name="Group 5"/>
+          <p:cNvGrpSpPr/>
+          <p:nvPr/>
+        </p:nvGrpSpPr>
+        <p:grpSpPr>
+          <a:xfrm>
+            <a:off x="1450589" y="3686327"/>
+            <a:ext cx="924698" cy="1828800"/>
+            <a:chOff x="1450589" y="3686327"/>
+            <a:chExt cx="924698" cy="1828800"/>
+          </a:xfrm>
+        </p:grpSpPr>
+        <p:sp>
+          <p:nvSpPr>
+            <p:cNvPr id="47" name="Rectangle 46"/>
+            <p:cNvSpPr/>
+            <p:nvPr/>
+          </p:nvSpPr>
+          <p:spPr>
+            <a:xfrm>
+              <a:off x="1460887" y="3686327"/>
+              <a:ext cx="914400" cy="304800"/>
+            </a:xfrm>
+            <a:prstGeom prst="rect">
+              <a:avLst/>
+            </a:prstGeom>
+          </p:spPr>
+          <p:style>
+            <a:lnRef idx="0">
+              <a:schemeClr val="accent5"/>
+            </a:lnRef>
+            <a:fillRef idx="3">
+              <a:schemeClr val="accent5"/>
+            </a:fillRef>
+            <a:effectRef idx="3">
+              <a:schemeClr val="accent5"/>
+            </a:effectRef>
+            <a:fontRef idx="minor">
+              <a:schemeClr val="lt1"/>
+            </a:fontRef>
+          </p:style>
+          <p:txBody>
+            <a:bodyPr anchor="ctr"/>
+            <a:lstStyle/>
+            <a:p>
+              <a:pPr algn="ctr" defTabSz="914363" fontAlgn="auto">
+                <a:spcBef>
+                  <a:spcPts val="0"/>
+                </a:spcBef>
+                <a:spcAft>
+                  <a:spcPts val="0"/>
+                </a:spcAft>
+                <a:defRPr/>
+              </a:pPr>
+              <a:endParaRPr lang="en-US"/>
+            </a:p>
+          </p:txBody>
+        </p:sp>
+        <p:sp>
+          <p:nvSpPr>
+            <p:cNvPr id="48" name="Rectangle 47"/>
+            <p:cNvSpPr/>
+            <p:nvPr/>
+          </p:nvSpPr>
+          <p:spPr>
+            <a:xfrm>
+              <a:off x="1460887" y="3991127"/>
+              <a:ext cx="914400" cy="304800"/>
+            </a:xfrm>
+            <a:prstGeom prst="rect">
+              <a:avLst/>
+            </a:prstGeom>
+          </p:spPr>
+          <p:style>
+            <a:lnRef idx="0">
+              <a:schemeClr val="accent5"/>
+            </a:lnRef>
+            <a:fillRef idx="3">
+              <a:schemeClr val="accent5"/>
+            </a:fillRef>
+            <a:effectRef idx="3">
+              <a:schemeClr val="accent5"/>
+            </a:effectRef>
+            <a:fontRef idx="minor">
+              <a:schemeClr val="lt1"/>
+            </a:fontRef>
+          </p:style>
+          <p:txBody>
+            <a:bodyPr anchor="ctr"/>
+            <a:lstStyle/>
+            <a:p>
+              <a:pPr algn="ctr" defTabSz="914363" fontAlgn="auto">
+                <a:spcBef>
+                  <a:spcPts val="0"/>
+                </a:spcBef>
+                <a:spcAft>
+                  <a:spcPts val="0"/>
+                </a:spcAft>
+                <a:defRPr/>
+              </a:pPr>
+              <a:endParaRPr lang="en-US"/>
+            </a:p>
+          </p:txBody>
+        </p:sp>
+        <p:sp>
+          <p:nvSpPr>
+            <p:cNvPr id="62" name="Rectangle 61"/>
+            <p:cNvSpPr/>
+            <p:nvPr/>
+          </p:nvSpPr>
+          <p:spPr>
+            <a:xfrm>
+              <a:off x="1450589" y="4905527"/>
+              <a:ext cx="914400" cy="304800"/>
+            </a:xfrm>
+            <a:prstGeom prst="rect">
+              <a:avLst/>
+            </a:prstGeom>
+          </p:spPr>
+          <p:style>
+            <a:lnRef idx="0">
+              <a:schemeClr val="accent5"/>
+            </a:lnRef>
+            <a:fillRef idx="3">
+              <a:schemeClr val="accent5"/>
+            </a:fillRef>
+            <a:effectRef idx="3">
+              <a:schemeClr val="accent5"/>
+            </a:effectRef>
+            <a:fontRef idx="minor">
+              <a:schemeClr val="lt1"/>
+            </a:fontRef>
+          </p:style>
+          <p:txBody>
+            <a:bodyPr anchor="ctr"/>
+            <a:lstStyle/>
+            <a:p>
+              <a:pPr algn="ctr" defTabSz="914363" fontAlgn="auto">
+                <a:spcBef>
+                  <a:spcPts val="0"/>
+                </a:spcBef>
+                <a:spcAft>
+                  <a:spcPts val="0"/>
+                </a:spcAft>
+                <a:defRPr/>
+              </a:pPr>
+              <a:endParaRPr lang="en-US"/>
+            </a:p>
+          </p:txBody>
+        </p:sp>
+        <p:sp>
+          <p:nvSpPr>
+            <p:cNvPr id="64" name="Rectangle 63"/>
+            <p:cNvSpPr/>
+            <p:nvPr/>
+          </p:nvSpPr>
+          <p:spPr>
+            <a:xfrm>
+              <a:off x="1450589" y="4600727"/>
+              <a:ext cx="914400" cy="304800"/>
+            </a:xfrm>
+            <a:prstGeom prst="rect">
+              <a:avLst/>
+            </a:prstGeom>
+          </p:spPr>
+          <p:style>
+            <a:lnRef idx="0">
+              <a:schemeClr val="accent5"/>
+            </a:lnRef>
+            <a:fillRef idx="3">
+              <a:schemeClr val="accent5"/>
+            </a:fillRef>
+            <a:effectRef idx="3">
+              <a:schemeClr val="accent5"/>
+            </a:effectRef>
+            <a:fontRef idx="minor">
+              <a:schemeClr val="lt1"/>
+            </a:fontRef>
+          </p:style>
+          <p:txBody>
+            <a:bodyPr anchor="ctr"/>
+            <a:lstStyle/>
+            <a:p>
+              <a:pPr algn="ctr" defTabSz="914363" fontAlgn="auto">
+                <a:spcBef>
+                  <a:spcPts val="0"/>
+                </a:spcBef>
+                <a:spcAft>
+                  <a:spcPts val="0"/>
+                </a:spcAft>
+                <a:defRPr/>
+              </a:pPr>
+              <a:endParaRPr lang="en-US"/>
+            </a:p>
+          </p:txBody>
+        </p:sp>
+        <p:sp>
+          <p:nvSpPr>
+            <p:cNvPr id="65" name="Rectangle 64"/>
+            <p:cNvSpPr/>
+            <p:nvPr/>
+          </p:nvSpPr>
+          <p:spPr>
+            <a:xfrm>
+              <a:off x="1450589" y="4295927"/>
+              <a:ext cx="914400" cy="304800"/>
+            </a:xfrm>
+            <a:prstGeom prst="rect">
+              <a:avLst/>
+            </a:prstGeom>
+          </p:spPr>
+          <p:style>
+            <a:lnRef idx="0">
+              <a:schemeClr val="accent5"/>
+            </a:lnRef>
+            <a:fillRef idx="3">
+              <a:schemeClr val="accent5"/>
+            </a:fillRef>
+            <a:effectRef idx="3">
+              <a:schemeClr val="accent5"/>
+            </a:effectRef>
+            <a:fontRef idx="minor">
+              <a:schemeClr val="lt1"/>
+            </a:fontRef>
+          </p:style>
+          <p:txBody>
+            <a:bodyPr anchor="ctr"/>
+            <a:lstStyle/>
+            <a:p>
+              <a:pPr algn="ctr" defTabSz="914363" fontAlgn="auto">
+                <a:spcBef>
+                  <a:spcPts val="0"/>
+                </a:spcBef>
+                <a:spcAft>
+                  <a:spcPts val="0"/>
+                </a:spcAft>
+                <a:defRPr/>
+              </a:pPr>
+              <a:endParaRPr lang="en-US"/>
+            </a:p>
+          </p:txBody>
+        </p:sp>
+        <p:sp>
+          <p:nvSpPr>
+            <p:cNvPr id="66" name="Rectangle 65"/>
+            <p:cNvSpPr/>
+            <p:nvPr/>
+          </p:nvSpPr>
+          <p:spPr>
+            <a:xfrm>
+              <a:off x="1450589" y="5210327"/>
+              <a:ext cx="914400" cy="304800"/>
+            </a:xfrm>
+            <a:prstGeom prst="rect">
+              <a:avLst/>
+            </a:prstGeom>
+          </p:spPr>
+          <p:style>
+            <a:lnRef idx="0">
+              <a:schemeClr val="accent5"/>
+            </a:lnRef>
+            <a:fillRef idx="3">
+              <a:schemeClr val="accent5"/>
+            </a:fillRef>
+            <a:effectRef idx="3">
+              <a:schemeClr val="accent5"/>
+            </a:effectRef>
+            <a:fontRef idx="minor">
+              <a:schemeClr val="lt1"/>
+            </a:fontRef>
+          </p:style>
+          <p:txBody>
+            <a:bodyPr anchor="ctr"/>
+            <a:lstStyle/>
+            <a:p>
+              <a:pPr algn="ctr" defTabSz="914363" fontAlgn="auto">
+                <a:spcBef>
+                  <a:spcPts val="0"/>
+                </a:spcBef>
+                <a:spcAft>
+                  <a:spcPts val="0"/>
+                </a:spcAft>
+                <a:defRPr/>
+              </a:pPr>
+              <a:endParaRPr lang="en-US"/>
+            </a:p>
+          </p:txBody>
+        </p:sp>
+      </p:grpSp>
+      <p:sp>
+        <p:nvSpPr>
+          <p:cNvPr id="67" name="Rectangle 66"/>
+          <p:cNvSpPr/>
+          <p:nvPr/>
+        </p:nvSpPr>
+        <p:spPr>
+          <a:xfrm>
+            <a:off x="3441488" y="3380496"/>
+            <a:ext cx="914400" cy="304800"/>
+          </a:xfrm>
+          <a:prstGeom prst="rect">
+            <a:avLst/>
+          </a:prstGeom>
+        </p:spPr>
+        <p:style>
+          <a:lnRef idx="0">
+            <a:schemeClr val="accent5"/>
+          </a:lnRef>
+          <a:fillRef idx="3">
+            <a:schemeClr val="accent5"/>
+          </a:fillRef>
+          <a:effectRef idx="3">
+            <a:schemeClr val="accent5"/>
+          </a:effectRef>
+          <a:fontRef idx="minor">
+            <a:schemeClr val="lt1"/>
+          </a:fontRef>
+        </p:style>
+        <p:txBody>
+          <a:bodyPr anchor="ctr"/>
+          <a:lstStyle/>
+          <a:p>
+            <a:pPr algn="ctr" defTabSz="914363" fontAlgn="auto">
+              <a:spcBef>
+                <a:spcPts val="0"/>
+              </a:spcBef>
+              <a:spcAft>
+                <a:spcPts val="0"/>
+              </a:spcAft>
+              <a:defRPr/>
+            </a:pPr>
+            <a:endParaRPr lang="en-US"/>
+          </a:p>
+        </p:txBody>
+      </p:sp>
+      <p:cxnSp>
+        <p:nvCxnSpPr>
+          <p:cNvPr id="68" name="Straight Connector 67"/>
+          <p:cNvCxnSpPr/>
+          <p:nvPr/>
+        </p:nvCxnSpPr>
+        <p:spPr>
+          <a:xfrm>
+            <a:off x="171084" y="6101443"/>
+            <a:ext cx="8763575" cy="0"/>
+          </a:xfrm>
+          <a:prstGeom prst="line">
+            <a:avLst/>
+          </a:prstGeom>
+          <a:ln>
+            <a:solidFill>
+              <a:srgbClr val="FF0000"/>
+            </a:solidFill>
+          </a:ln>
+        </p:spPr>
+        <p:style>
+          <a:lnRef idx="3">
+            <a:schemeClr val="accent6"/>
+          </a:lnRef>
+          <a:fillRef idx="0">
+            <a:schemeClr val="accent6"/>
+          </a:fillRef>
+          <a:effectRef idx="2">
+            <a:schemeClr val="accent6"/>
+          </a:effectRef>
+          <a:fontRef idx="minor">
+            <a:schemeClr val="tx1"/>
+          </a:fontRef>
+        </p:style>
+      </p:cxnSp>
+      <p:cxnSp>
+        <p:nvCxnSpPr>
+          <p:cNvPr id="69" name="Straight Connector 68"/>
+          <p:cNvCxnSpPr/>
+          <p:nvPr/>
+        </p:nvCxnSpPr>
+        <p:spPr>
+          <a:xfrm>
+            <a:off x="174806" y="4921723"/>
+            <a:ext cx="8759499" cy="0"/>
+          </a:xfrm>
+          <a:prstGeom prst="line">
+            <a:avLst/>
+          </a:prstGeom>
+          <a:ln>
+            <a:solidFill>
+              <a:srgbClr val="FF0000"/>
+            </a:solidFill>
+          </a:ln>
+        </p:spPr>
+        <p:style>
+          <a:lnRef idx="3">
+            <a:schemeClr val="accent6"/>
+          </a:lnRef>
+          <a:fillRef idx="0">
+            <a:schemeClr val="accent6"/>
+          </a:fillRef>
+          <a:effectRef idx="2">
+            <a:schemeClr val="accent6"/>
+          </a:effectRef>
+          <a:fontRef idx="minor">
+            <a:schemeClr val="tx1"/>
+          </a:fontRef>
+        </p:style>
+      </p:cxnSp>
+      <p:cxnSp>
+        <p:nvCxnSpPr>
+          <p:cNvPr id="70" name="Straight Arrow Connector 69"/>
+          <p:cNvCxnSpPr/>
+          <p:nvPr/>
+        </p:nvCxnSpPr>
+        <p:spPr>
+          <a:xfrm>
+            <a:off x="4061506" y="4985806"/>
+            <a:ext cx="12052" cy="1062761"/>
+          </a:xfrm>
+          <a:prstGeom prst="straightConnector1">
+            <a:avLst/>
+          </a:prstGeom>
+          <a:ln>
+            <a:solidFill>
+              <a:srgbClr val="FF0000"/>
+            </a:solidFill>
+            <a:headEnd type="arrow"/>
+            <a:tailEnd type="arrow"/>
+          </a:ln>
+          <a:effectLst>
+            <a:glow rad="228600">
+              <a:schemeClr val="accent3">
+                <a:satMod val="175000"/>
+                <a:alpha val="40000"/>
+              </a:schemeClr>
+            </a:glow>
+            <a:outerShdw blurRad="50800" dist="38100" dir="5400000" rotWithShape="0">
+              <a:srgbClr val="000000">
+                <a:alpha val="43137"/>
+              </a:srgbClr>
+            </a:outerShdw>
+          </a:effectLst>
+        </p:spPr>
+        <p:style>
+          <a:lnRef idx="3">
+            <a:schemeClr val="accent6"/>
+          </a:lnRef>
+          <a:fillRef idx="0">
+            <a:schemeClr val="accent6"/>
+          </a:fillRef>
+          <a:effectRef idx="2">
+            <a:schemeClr val="accent6"/>
+          </a:effectRef>
+          <a:fontRef idx="minor">
+            <a:schemeClr val="tx1"/>
+          </a:fontRef>
+        </p:style>
+      </p:cxnSp>
+    </p:spTree>
+    <p:extLst>
+      <p:ext uri="{BB962C8B-B14F-4D97-AF65-F5344CB8AC3E}">
+        <p14:creationId xmlns:p14="http://schemas.microsoft.com/office/powerpoint/2010/main" val="2066668024"/>
+      </p:ext>
+    </p:extLst>
+  </p:cSld>
+  <p:clrMapOvr>
+    <a:masterClrMapping/>
+  </p:clrMapOvr>
+  <mc:AlternateContent xmlns:mc="http://schemas.openxmlformats.org/markup-compatibility/2006" xmlns:p14="http://schemas.microsoft.com/office/powerpoint/2010/main">
+    <mc:Choice Requires="p14">
+      <p:transition spd="slow" p14:dur="2000"/>
+    </mc:Choice>
+    <mc:Fallback xmlns="">
+      <p:transition spd="slow"/>
+    </mc:Fallback>
+  </mc:AlternateContent>
+  <p:timing>
+    <p:tnLst>
+      <p:par>
+        <p:cTn id="1" dur="indefinite" restart="never" nodeType="tmRoot">
+          <p:childTnLst>
+            <p:seq concurrent="1" nextAc="seek">
+              <p:cTn id="2" dur="indefinite" nodeType="mainSeq">
+                <p:childTnLst>
+                  <p:par>
+                    <p:cTn id="3" fill="hold">
+                      <p:stCondLst>
+                        <p:cond delay="indefinite"/>
+                      </p:stCondLst>
+                      <p:childTnLst>
+                        <p:par>
+                          <p:cTn id="4" fill="hold">
+                            <p:stCondLst>
+                              <p:cond delay="0"/>
+                            </p:stCondLst>
+                            <p:childTnLst>
+                              <p:par>
+                                <p:cTn id="5" presetID="1" presetClass="entr" presetSubtype="0" fill="hold" grpId="0" nodeType="clickEffect">
+                                  <p:stCondLst>
+                                    <p:cond delay="0"/>
+                                  </p:stCondLst>
+                                  <p:childTnLst>
+                                    <p:set>
+                                      <p:cBhvr>
+                                        <p:cTn id="6" dur="1" fill="hold">
+                                          <p:stCondLst>
+                                            <p:cond delay="0"/>
+                                          </p:stCondLst>
+                                        </p:cTn>
+                                        <p:tgtEl>
+                                          <p:spTgt spid="34"/>
+                                        </p:tgtEl>
+                                        <p:attrNameLst>
+                                          <p:attrName>style.visibility</p:attrName>
+                                        </p:attrNameLst>
+                                      </p:cBhvr>
+                                      <p:to>
+                                        <p:strVal val="visible"/>
+                                      </p:to>
+                                    </p:set>
+                                  </p:childTnLst>
+                                </p:cTn>
+                              </p:par>
+                              <p:par>
+                                <p:cTn id="7" presetID="1" presetClass="entr" presetSubtype="0" fill="hold" grpId="0" nodeType="withEffect">
+                                  <p:stCondLst>
+                                    <p:cond delay="0"/>
+                                  </p:stCondLst>
+                                  <p:childTnLst>
+                                    <p:set>
+                                      <p:cBhvr>
+                                        <p:cTn id="8" dur="1" fill="hold">
+                                          <p:stCondLst>
+                                            <p:cond delay="0"/>
+                                          </p:stCondLst>
+                                        </p:cTn>
+                                        <p:tgtEl>
+                                          <p:spTgt spid="35"/>
+                                        </p:tgtEl>
+                                        <p:attrNameLst>
+                                          <p:attrName>style.visibility</p:attrName>
+                                        </p:attrNameLst>
+                                      </p:cBhvr>
+                                      <p:to>
+                                        <p:strVal val="visible"/>
+                                      </p:to>
+                                    </p:set>
+                                  </p:childTnLst>
+                                </p:cTn>
+                              </p:par>
+                              <p:par>
+                                <p:cTn id="9" presetID="1" presetClass="entr" presetSubtype="0" fill="hold" grpId="0" nodeType="withEffect">
+                                  <p:stCondLst>
+                                    <p:cond delay="0"/>
+                                  </p:stCondLst>
+                                  <p:childTnLst>
+                                    <p:set>
+                                      <p:cBhvr>
+                                        <p:cTn id="10" dur="1" fill="hold">
+                                          <p:stCondLst>
+                                            <p:cond delay="0"/>
+                                          </p:stCondLst>
+                                        </p:cTn>
+                                        <p:tgtEl>
+                                          <p:spTgt spid="36"/>
+                                        </p:tgtEl>
+                                        <p:attrNameLst>
+                                          <p:attrName>style.visibility</p:attrName>
+                                        </p:attrNameLst>
+                                      </p:cBhvr>
+                                      <p:to>
+                                        <p:strVal val="visible"/>
+                                      </p:to>
+                                    </p:set>
+                                  </p:childTnLst>
+                                </p:cTn>
+                              </p:par>
+                              <p:par>
+                                <p:cTn id="11" presetID="1" presetClass="entr" presetSubtype="0" fill="hold" grpId="0" nodeType="withEffect">
+                                  <p:stCondLst>
+                                    <p:cond delay="0"/>
+                                  </p:stCondLst>
+                                  <p:childTnLst>
+                                    <p:set>
+                                      <p:cBhvr>
+                                        <p:cTn id="12" dur="1" fill="hold">
+                                          <p:stCondLst>
+                                            <p:cond delay="0"/>
+                                          </p:stCondLst>
+                                        </p:cTn>
+                                        <p:tgtEl>
+                                          <p:spTgt spid="67"/>
+                                        </p:tgtEl>
+                                        <p:attrNameLst>
+                                          <p:attrName>style.visibility</p:attrName>
+                                        </p:attrNameLst>
+                                      </p:cBhvr>
+                                      <p:to>
+                                        <p:strVal val="visible"/>
+                                      </p:to>
+                                    </p:set>
+                                  </p:childTnLst>
+                                </p:cTn>
+                              </p:par>
+                              <p:par>
+                                <p:cTn id="13" presetID="10" presetClass="entr" presetSubtype="0" fill="hold" nodeType="withEffect">
+                                  <p:stCondLst>
+                                    <p:cond delay="0"/>
+                                  </p:stCondLst>
+                                  <p:childTnLst>
+                                    <p:set>
+                                      <p:cBhvr>
+                                        <p:cTn id="14" dur="1" fill="hold">
+                                          <p:stCondLst>
+                                            <p:cond delay="0"/>
+                                          </p:stCondLst>
+                                        </p:cTn>
+                                        <p:tgtEl>
+                                          <p:spTgt spid="3"/>
+                                        </p:tgtEl>
+                                        <p:attrNameLst>
+                                          <p:attrName>style.visibility</p:attrName>
+                                        </p:attrNameLst>
+                                      </p:cBhvr>
+                                      <p:to>
+                                        <p:strVal val="visible"/>
+                                      </p:to>
+                                    </p:set>
+                                    <p:animEffect transition="in" filter="fade">
+                                      <p:cBhvr>
+                                        <p:cTn id="15" dur="500"/>
+                                        <p:tgtEl>
+                                          <p:spTgt spid="3"/>
+                                        </p:tgtEl>
+                                      </p:cBhvr>
+                                    </p:animEffect>
+                                  </p:childTnLst>
+                                </p:cTn>
+                              </p:par>
+                              <p:par>
+                                <p:cTn id="16" presetID="10" presetClass="entr" presetSubtype="0" fill="hold" nodeType="withEffect">
+                                  <p:stCondLst>
+                                    <p:cond delay="0"/>
+                                  </p:stCondLst>
+                                  <p:childTnLst>
+                                    <p:set>
+                                      <p:cBhvr>
+                                        <p:cTn id="17" dur="1" fill="hold">
+                                          <p:stCondLst>
+                                            <p:cond delay="0"/>
+                                          </p:stCondLst>
+                                        </p:cTn>
+                                        <p:tgtEl>
+                                          <p:spTgt spid="9"/>
+                                        </p:tgtEl>
+                                        <p:attrNameLst>
+                                          <p:attrName>style.visibility</p:attrName>
+                                        </p:attrNameLst>
+                                      </p:cBhvr>
+                                      <p:to>
+                                        <p:strVal val="visible"/>
+                                      </p:to>
+                                    </p:set>
+                                    <p:animEffect transition="in" filter="fade">
+                                      <p:cBhvr>
+                                        <p:cTn id="18" dur="500"/>
+                                        <p:tgtEl>
+                                          <p:spTgt spid="9"/>
+                                        </p:tgtEl>
+                                      </p:cBhvr>
+                                    </p:animEffect>
+                                  </p:childTnLst>
+                                </p:cTn>
+                              </p:par>
+                              <p:par>
+                                <p:cTn id="19" presetID="10" presetClass="entr" presetSubtype="0" fill="hold" nodeType="withEffect">
+                                  <p:stCondLst>
+                                    <p:cond delay="0"/>
+                                  </p:stCondLst>
+                                  <p:childTnLst>
+                                    <p:set>
+                                      <p:cBhvr>
+                                        <p:cTn id="20" dur="1" fill="hold">
+                                          <p:stCondLst>
+                                            <p:cond delay="0"/>
+                                          </p:stCondLst>
+                                        </p:cTn>
+                                        <p:tgtEl>
+                                          <p:spTgt spid="8"/>
+                                        </p:tgtEl>
+                                        <p:attrNameLst>
+                                          <p:attrName>style.visibility</p:attrName>
+                                        </p:attrNameLst>
+                                      </p:cBhvr>
+                                      <p:to>
+                                        <p:strVal val="visible"/>
+                                      </p:to>
+                                    </p:set>
+                                    <p:animEffect transition="in" filter="fade">
+                                      <p:cBhvr>
+                                        <p:cTn id="21" dur="500"/>
+                                        <p:tgtEl>
+                                          <p:spTgt spid="8"/>
+                                        </p:tgtEl>
+                                      </p:cBhvr>
+                                    </p:animEffect>
+                                  </p:childTnLst>
+                                </p:cTn>
+                              </p:par>
+                              <p:par>
+                                <p:cTn id="22" presetID="10" presetClass="entr" presetSubtype="0" fill="hold" nodeType="withEffect">
+                                  <p:stCondLst>
+                                    <p:cond delay="0"/>
+                                  </p:stCondLst>
+                                  <p:childTnLst>
+                                    <p:set>
+                                      <p:cBhvr>
+                                        <p:cTn id="23" dur="1" fill="hold">
+                                          <p:stCondLst>
+                                            <p:cond delay="0"/>
+                                          </p:stCondLst>
+                                        </p:cTn>
+                                        <p:tgtEl>
+                                          <p:spTgt spid="7"/>
+                                        </p:tgtEl>
+                                        <p:attrNameLst>
+                                          <p:attrName>style.visibility</p:attrName>
+                                        </p:attrNameLst>
+                                      </p:cBhvr>
+                                      <p:to>
+                                        <p:strVal val="visible"/>
+                                      </p:to>
+                                    </p:set>
+                                    <p:animEffect transition="in" filter="fade">
+                                      <p:cBhvr>
+                                        <p:cTn id="24" dur="500"/>
+                                        <p:tgtEl>
+                                          <p:spTgt spid="7"/>
+                                        </p:tgtEl>
+                                      </p:cBhvr>
+                                    </p:animEffect>
+                                  </p:childTnLst>
+                                </p:cTn>
+                              </p:par>
+                              <p:par>
+                                <p:cTn id="25" presetID="10" presetClass="entr" presetSubtype="0" fill="hold" nodeType="withEffect">
+                                  <p:stCondLst>
+                                    <p:cond delay="0"/>
+                                  </p:stCondLst>
+                                  <p:childTnLst>
+                                    <p:set>
+                                      <p:cBhvr>
+                                        <p:cTn id="26" dur="1" fill="hold">
+                                          <p:stCondLst>
+                                            <p:cond delay="0"/>
+                                          </p:stCondLst>
+                                        </p:cTn>
+                                        <p:tgtEl>
+                                          <p:spTgt spid="6"/>
+                                        </p:tgtEl>
+                                        <p:attrNameLst>
+                                          <p:attrName>style.visibility</p:attrName>
+                                        </p:attrNameLst>
+                                      </p:cBhvr>
+                                      <p:to>
+                                        <p:strVal val="visible"/>
+                                      </p:to>
+                                    </p:set>
+                                    <p:animEffect transition="in" filter="fade">
+                                      <p:cBhvr>
+                                        <p:cTn id="27" dur="500"/>
+                                        <p:tgtEl>
+                                          <p:spTgt spid="6"/>
+                                        </p:tgtEl>
+                                      </p:cBhvr>
+                                    </p:animEffect>
+                                  </p:childTnLst>
+                                </p:cTn>
+                              </p:par>
+                              <p:par>
+                                <p:cTn id="28" presetID="10" presetClass="entr" presetSubtype="0" fill="hold" nodeType="withEffect">
+                                  <p:stCondLst>
+                                    <p:cond delay="0"/>
+                                  </p:stCondLst>
+                                  <p:childTnLst>
+                                    <p:set>
+                                      <p:cBhvr>
+                                        <p:cTn id="29" dur="1" fill="hold">
+                                          <p:stCondLst>
+                                            <p:cond delay="0"/>
+                                          </p:stCondLst>
+                                        </p:cTn>
+                                        <p:tgtEl>
+                                          <p:spTgt spid="5"/>
+                                        </p:tgtEl>
+                                        <p:attrNameLst>
+                                          <p:attrName>style.visibility</p:attrName>
+                                        </p:attrNameLst>
+                                      </p:cBhvr>
+                                      <p:to>
+                                        <p:strVal val="visible"/>
+                                      </p:to>
+                                    </p:set>
+                                    <p:animEffect transition="in" filter="fade">
+                                      <p:cBhvr>
+                                        <p:cTn id="30" dur="500"/>
+                                        <p:tgtEl>
+                                          <p:spTgt spid="5"/>
+                                        </p:tgtEl>
+                                      </p:cBhvr>
+                                    </p:animEffect>
+                                  </p:childTnLst>
+                                </p:cTn>
+                              </p:par>
+                              <p:par>
+                                <p:cTn id="31" presetID="10" presetClass="entr" presetSubtype="0" fill="hold" grpId="0" nodeType="withEffect">
+                                  <p:stCondLst>
+                                    <p:cond delay="0"/>
+                                  </p:stCondLst>
+                                  <p:childTnLst>
+                                    <p:set>
+                                      <p:cBhvr>
+                                        <p:cTn id="32" dur="1" fill="hold">
+                                          <p:stCondLst>
+                                            <p:cond delay="0"/>
+                                          </p:stCondLst>
+                                        </p:cTn>
+                                        <p:tgtEl>
+                                          <p:spTgt spid="260"/>
+                                        </p:tgtEl>
+                                        <p:attrNameLst>
+                                          <p:attrName>style.visibility</p:attrName>
+                                        </p:attrNameLst>
+                                      </p:cBhvr>
+                                      <p:to>
+                                        <p:strVal val="visible"/>
+                                      </p:to>
+                                    </p:set>
+                                    <p:animEffect transition="in" filter="fade">
+                                      <p:cBhvr>
+                                        <p:cTn id="33" dur="500"/>
+                                        <p:tgtEl>
+                                          <p:spTgt spid="260"/>
+                                        </p:tgtEl>
+                                      </p:cBhvr>
+                                    </p:animEffect>
+                                  </p:childTnLst>
+                                </p:cTn>
+                              </p:par>
+                              <p:par>
+                                <p:cTn id="34" presetID="10" presetClass="entr" presetSubtype="0" fill="hold" grpId="0" nodeType="withEffect">
+                                  <p:stCondLst>
+                                    <p:cond delay="0"/>
+                                  </p:stCondLst>
+                                  <p:childTnLst>
+                                    <p:set>
+                                      <p:cBhvr>
+                                        <p:cTn id="35" dur="1" fill="hold">
+                                          <p:stCondLst>
+                                            <p:cond delay="0"/>
+                                          </p:stCondLst>
+                                        </p:cTn>
+                                        <p:tgtEl>
+                                          <p:spTgt spid="134"/>
+                                        </p:tgtEl>
+                                        <p:attrNameLst>
+                                          <p:attrName>style.visibility</p:attrName>
+                                        </p:attrNameLst>
+                                      </p:cBhvr>
+                                      <p:to>
+                                        <p:strVal val="visible"/>
+                                      </p:to>
+                                    </p:set>
+                                    <p:animEffect transition="in" filter="fade">
+                                      <p:cBhvr>
+                                        <p:cTn id="36" dur="500"/>
+                                        <p:tgtEl>
+                                          <p:spTgt spid="134"/>
+                                        </p:tgtEl>
+                                      </p:cBhvr>
+                                    </p:animEffect>
+                                  </p:childTnLst>
+                                </p:cTn>
+                              </p:par>
+                              <p:par>
+                                <p:cTn id="37" presetID="10" presetClass="entr" presetSubtype="0" fill="hold" grpId="0" nodeType="withEffect">
+                                  <p:stCondLst>
+                                    <p:cond delay="0"/>
+                                  </p:stCondLst>
+                                  <p:childTnLst>
+                                    <p:set>
+                                      <p:cBhvr>
+                                        <p:cTn id="38" dur="1" fill="hold">
+                                          <p:stCondLst>
+                                            <p:cond delay="0"/>
+                                          </p:stCondLst>
+                                        </p:cTn>
+                                        <p:tgtEl>
+                                          <p:spTgt spid="135"/>
+                                        </p:tgtEl>
+                                        <p:attrNameLst>
+                                          <p:attrName>style.visibility</p:attrName>
+                                        </p:attrNameLst>
+                                      </p:cBhvr>
+                                      <p:to>
+                                        <p:strVal val="visible"/>
+                                      </p:to>
+                                    </p:set>
+                                    <p:animEffect transition="in" filter="fade">
+                                      <p:cBhvr>
+                                        <p:cTn id="39" dur="500"/>
+                                        <p:tgtEl>
+                                          <p:spTgt spid="135"/>
+                                        </p:tgtEl>
+                                      </p:cBhvr>
+                                    </p:animEffect>
+                                  </p:childTnLst>
+                                </p:cTn>
+                              </p:par>
+                              <p:par>
+                                <p:cTn id="40" presetID="10" presetClass="entr" presetSubtype="0" fill="hold" grpId="0" nodeType="withEffect">
+                                  <p:stCondLst>
+                                    <p:cond delay="0"/>
+                                  </p:stCondLst>
+                                  <p:childTnLst>
+                                    <p:set>
+                                      <p:cBhvr>
+                                        <p:cTn id="41" dur="1" fill="hold">
+                                          <p:stCondLst>
+                                            <p:cond delay="0"/>
+                                          </p:stCondLst>
+                                        </p:cTn>
+                                        <p:tgtEl>
+                                          <p:spTgt spid="136"/>
+                                        </p:tgtEl>
+                                        <p:attrNameLst>
+                                          <p:attrName>style.visibility</p:attrName>
+                                        </p:attrNameLst>
+                                      </p:cBhvr>
+                                      <p:to>
+                                        <p:strVal val="visible"/>
+                                      </p:to>
+                                    </p:set>
+                                    <p:animEffect transition="in" filter="fade">
+                                      <p:cBhvr>
+                                        <p:cTn id="42" dur="500"/>
+                                        <p:tgtEl>
+                                          <p:spTgt spid="136"/>
+                                        </p:tgtEl>
+                                      </p:cBhvr>
+                                    </p:animEffect>
+                                  </p:childTnLst>
+                                </p:cTn>
+                              </p:par>
+                              <p:par>
+                                <p:cTn id="43" presetID="10" presetClass="entr" presetSubtype="0" fill="hold" grpId="0" nodeType="withEffect">
+                                  <p:stCondLst>
+                                    <p:cond delay="0"/>
+                                  </p:stCondLst>
+                                  <p:childTnLst>
+                                    <p:set>
+                                      <p:cBhvr>
+                                        <p:cTn id="44" dur="1" fill="hold">
+                                          <p:stCondLst>
+                                            <p:cond delay="0"/>
+                                          </p:stCondLst>
+                                        </p:cTn>
+                                        <p:tgtEl>
+                                          <p:spTgt spid="137"/>
+                                        </p:tgtEl>
+                                        <p:attrNameLst>
+                                          <p:attrName>style.visibility</p:attrName>
+                                        </p:attrNameLst>
+                                      </p:cBhvr>
+                                      <p:to>
+                                        <p:strVal val="visible"/>
+                                      </p:to>
+                                    </p:set>
+                                    <p:animEffect transition="in" filter="fade">
+                                      <p:cBhvr>
+                                        <p:cTn id="45" dur="500"/>
+                                        <p:tgtEl>
+                                          <p:spTgt spid="137"/>
+                                        </p:tgtEl>
+                                      </p:cBhvr>
+                                    </p:animEffect>
+                                  </p:childTnLst>
+                                </p:cTn>
+                              </p:par>
+                            </p:childTnLst>
+                          </p:cTn>
+                        </p:par>
+                      </p:childTnLst>
+                    </p:cTn>
+                  </p:par>
+                  <p:par>
+                    <p:cTn id="46" fill="hold">
+                      <p:stCondLst>
+                        <p:cond delay="indefinite"/>
+                      </p:stCondLst>
+                      <p:childTnLst>
+                        <p:par>
+                          <p:cTn id="47" fill="hold">
+                            <p:stCondLst>
+                              <p:cond delay="0"/>
+                            </p:stCondLst>
+                            <p:childTnLst>
+                              <p:par>
+                                <p:cTn id="48" presetID="37" presetClass="path" presetSubtype="0" accel="50000" decel="50000" fill="hold" grpId="1" nodeType="clickEffect">
+                                  <p:stCondLst>
+                                    <p:cond delay="0"/>
+                                  </p:stCondLst>
+                                  <p:childTnLst>
+                                    <p:animMotion origin="layout" path="M 5.55112E-17 3.7037E-6 L 0.13108 0.04004 C 0.15851 0.04907 0.19965 0.05393 0.24236 0.05393 C 0.29132 0.05393 0.33038 0.04907 0.35781 0.04004 L 0.48906 3.7037E-6 " pathEditMode="relative" rAng="0" ptsTypes="FffFF">
+                                      <p:cBhvr>
+                                        <p:cTn id="49" dur="1000" fill="hold"/>
+                                        <p:tgtEl>
+                                          <p:spTgt spid="34"/>
+                                        </p:tgtEl>
+                                        <p:attrNameLst>
+                                          <p:attrName>ppt_x</p:attrName>
+                                          <p:attrName>ppt_y</p:attrName>
+                                        </p:attrNameLst>
+                                      </p:cBhvr>
+                                      <p:rCtr x="24444" y="2685"/>
+                                    </p:animMotion>
+                                  </p:childTnLst>
+                                </p:cTn>
+                              </p:par>
+                              <p:par>
+                                <p:cTn id="50" presetID="37" presetClass="path" presetSubtype="0" accel="50000" decel="50000" fill="hold" grpId="1" nodeType="withEffect">
+                                  <p:stCondLst>
+                                    <p:cond delay="0"/>
+                                  </p:stCondLst>
+                                  <p:childTnLst>
+                                    <p:animMotion origin="layout" path="M 5.55112E-17 1.11111E-6 L 0.13108 0.04005 C 0.15851 0.04907 0.19965 0.05393 0.24236 0.05393 C 0.29132 0.05393 0.33038 0.04907 0.35781 0.04005 L 0.48906 1.11111E-6 " pathEditMode="relative" rAng="0" ptsTypes="FffFF">
+                                      <p:cBhvr>
+                                        <p:cTn id="51" dur="1000" fill="hold"/>
+                                        <p:tgtEl>
+                                          <p:spTgt spid="35"/>
+                                        </p:tgtEl>
+                                        <p:attrNameLst>
+                                          <p:attrName>ppt_x</p:attrName>
+                                          <p:attrName>ppt_y</p:attrName>
+                                        </p:attrNameLst>
+                                      </p:cBhvr>
+                                      <p:rCtr x="24444" y="2685"/>
+                                    </p:animMotion>
+                                  </p:childTnLst>
+                                </p:cTn>
+                              </p:par>
+                              <p:par>
+                                <p:cTn id="52" presetID="37" presetClass="path" presetSubtype="0" accel="50000" decel="50000" fill="hold" grpId="1" nodeType="withEffect">
+                                  <p:stCondLst>
+                                    <p:cond delay="0"/>
+                                  </p:stCondLst>
+                                  <p:childTnLst>
+                                    <p:animMotion origin="layout" path="M 5.55112E-17 2.22222E-6 L 0.13108 0.04004 C 0.15851 0.04907 0.19965 0.05393 0.24236 0.05393 C 0.29132 0.05393 0.33038 0.04907 0.35781 0.04004 L 0.48906 2.22222E-6 " pathEditMode="relative" rAng="0" ptsTypes="FffFF">
+                                      <p:cBhvr>
+                                        <p:cTn id="53" dur="1000" fill="hold"/>
+                                        <p:tgtEl>
+                                          <p:spTgt spid="36"/>
+                                        </p:tgtEl>
+                                        <p:attrNameLst>
+                                          <p:attrName>ppt_x</p:attrName>
+                                          <p:attrName>ppt_y</p:attrName>
+                                        </p:attrNameLst>
+                                      </p:cBhvr>
+                                      <p:rCtr x="24444" y="2685"/>
+                                    </p:animMotion>
+                                  </p:childTnLst>
+                                </p:cTn>
+                              </p:par>
+                              <p:par>
+                                <p:cTn id="54" presetID="37" presetClass="path" presetSubtype="0" accel="50000" decel="50000" fill="hold" grpId="1" nodeType="withEffect">
+                                  <p:stCondLst>
+                                    <p:cond delay="0"/>
+                                  </p:stCondLst>
+                                  <p:childTnLst>
+                                    <p:animMotion origin="layout" path="M 5.55112E-17 2.22222E-6 L 0.13108 0.04004 C 0.15851 0.04907 0.19965 0.05393 0.24236 0.05393 C 0.29132 0.05393 0.33038 0.04907 0.35781 0.04004 L 0.48906 2.22222E-6 " pathEditMode="relative" rAng="0" ptsTypes="FffFF">
+                                      <p:cBhvr>
+                                        <p:cTn id="55" dur="1000" fill="hold"/>
+                                        <p:tgtEl>
+                                          <p:spTgt spid="67"/>
+                                        </p:tgtEl>
+                                        <p:attrNameLst>
+                                          <p:attrName>ppt_x</p:attrName>
+                                          <p:attrName>ppt_y</p:attrName>
+                                        </p:attrNameLst>
+                                      </p:cBhvr>
+                                      <p:rCtr x="24444" y="2685"/>
+                                    </p:animMotion>
+                                  </p:childTnLst>
+                                </p:cTn>
+                              </p:par>
+                            </p:childTnLst>
+                          </p:cTn>
+                        </p:par>
+                        <p:par>
+                          <p:cTn id="56" fill="hold">
+                            <p:stCondLst>
+                              <p:cond delay="1000"/>
+                            </p:stCondLst>
+                            <p:childTnLst>
+                              <p:par>
+                                <p:cTn id="57" presetID="42" presetClass="path" presetSubtype="0" accel="50000" decel="50000" fill="hold" nodeType="afterEffect">
+                                  <p:stCondLst>
+                                    <p:cond delay="0"/>
+                                  </p:stCondLst>
+                                  <p:childTnLst>
+                                    <p:animMotion origin="layout" path="M 0.00312 -0.00972 L 0.59704 0.08952 " pathEditMode="relative" rAng="0" ptsTypes="AA">
+                                      <p:cBhvr>
+                                        <p:cTn id="58" dur="1000" fill="hold"/>
+                                        <p:tgtEl>
+                                          <p:spTgt spid="3"/>
+                                        </p:tgtEl>
+                                        <p:attrNameLst>
+                                          <p:attrName>ppt_x</p:attrName>
+                                          <p:attrName>ppt_y</p:attrName>
+                                        </p:attrNameLst>
+                                      </p:cBhvr>
+                                      <p:rCtr x="29688" y="4950"/>
+                                    </p:animMotion>
+                                  </p:childTnLst>
+                                </p:cTn>
+                              </p:par>
+                            </p:childTnLst>
+                          </p:cTn>
+                        </p:par>
+                        <p:par>
+                          <p:cTn id="59" fill="hold">
+                            <p:stCondLst>
+                              <p:cond delay="2000"/>
+                            </p:stCondLst>
+                            <p:childTnLst>
+                              <p:par>
+                                <p:cTn id="60" presetID="37" presetClass="path" presetSubtype="0" accel="50000" decel="50000" fill="hold" nodeType="afterEffect">
+                                  <p:stCondLst>
+                                    <p:cond delay="0"/>
+                                  </p:stCondLst>
+                                  <p:childTnLst>
+                                    <p:animMotion origin="layout" path="M 4.44444E-6 2.48901E-6 L 0.1302 0.04002 C 0.15763 0.04904 0.19843 0.0539 0.24097 0.0539 C 0.28958 0.0539 0.32847 0.04904 0.3559 0.04002 L 0.48628 2.48901E-6 " pathEditMode="relative" rAng="0" ptsTypes="FffFF">
+                                      <p:cBhvr>
+                                        <p:cTn id="61" dur="1000" fill="hold"/>
+                                        <p:tgtEl>
+                                          <p:spTgt spid="5"/>
+                                        </p:tgtEl>
+                                        <p:attrNameLst>
+                                          <p:attrName>ppt_x</p:attrName>
+                                          <p:attrName>ppt_y</p:attrName>
+                                        </p:attrNameLst>
+                                      </p:cBhvr>
+                                      <p:rCtr x="24306" y="2683"/>
+                                    </p:animMotion>
+                                  </p:childTnLst>
+                                </p:cTn>
+                              </p:par>
+                            </p:childTnLst>
+                          </p:cTn>
+                        </p:par>
+                        <p:par>
+                          <p:cTn id="62" fill="hold">
+                            <p:stCondLst>
+                              <p:cond delay="3000"/>
+                            </p:stCondLst>
+                            <p:childTnLst>
+                              <p:par>
+                                <p:cTn id="63" presetID="42" presetClass="path" presetSubtype="0" accel="50000" decel="50000" fill="hold" nodeType="afterEffect">
+                                  <p:stCondLst>
+                                    <p:cond delay="0"/>
+                                  </p:stCondLst>
+                                  <p:childTnLst>
+                                    <p:animMotion origin="layout" path="M 0.00104 0.02914 L 0.5941 -0.08837 " pathEditMode="relative" rAng="0" ptsTypes="AA">
+                                      <p:cBhvr>
+                                        <p:cTn id="64" dur="1000" fill="hold"/>
+                                        <p:tgtEl>
+                                          <p:spTgt spid="6"/>
+                                        </p:tgtEl>
+                                        <p:attrNameLst>
+                                          <p:attrName>ppt_x</p:attrName>
+                                          <p:attrName>ppt_y</p:attrName>
+                                        </p:attrNameLst>
+                                      </p:cBhvr>
+                                      <p:rCtr x="29653" y="-5876"/>
+                                    </p:animMotion>
+                                  </p:childTnLst>
+                                </p:cTn>
+                              </p:par>
+                            </p:childTnLst>
+                          </p:cTn>
+                        </p:par>
+                        <p:par>
+                          <p:cTn id="65" fill="hold">
+                            <p:stCondLst>
+                              <p:cond delay="4000"/>
+                            </p:stCondLst>
+                            <p:childTnLst>
+                              <p:par>
+                                <p:cTn id="66" presetID="37" presetClass="path" presetSubtype="0" accel="50000" decel="50000" fill="hold" nodeType="afterEffect">
+                                  <p:stCondLst>
+                                    <p:cond delay="0"/>
+                                  </p:stCondLst>
+                                  <p:childTnLst>
+                                    <p:animMotion origin="layout" path="M -1.38889E-6 -1.11265E-6 L 0.13021 0.04002 C 0.15764 0.04904 0.19844 0.0539 0.24097 0.0539 C 0.28958 0.0539 0.32847 0.04904 0.3559 0.04002 L 0.48629 -1.11265E-6 " pathEditMode="relative" rAng="0" ptsTypes="FffFF">
+                                      <p:cBhvr>
+                                        <p:cTn id="67" dur="1000" fill="hold"/>
+                                        <p:tgtEl>
+                                          <p:spTgt spid="7"/>
+                                        </p:tgtEl>
+                                        <p:attrNameLst>
+                                          <p:attrName>ppt_x</p:attrName>
+                                          <p:attrName>ppt_y</p:attrName>
+                                        </p:attrNameLst>
+                                      </p:cBhvr>
+                                      <p:rCtr x="24306" y="2683"/>
+                                    </p:animMotion>
+                                  </p:childTnLst>
+                                </p:cTn>
+                              </p:par>
+                            </p:childTnLst>
+                          </p:cTn>
+                        </p:par>
+                        <p:par>
+                          <p:cTn id="68" fill="hold">
+                            <p:stCondLst>
+                              <p:cond delay="5000"/>
+                            </p:stCondLst>
+                            <p:childTnLst>
+                              <p:par>
+                                <p:cTn id="69" presetID="42" presetClass="path" presetSubtype="0" accel="50000" decel="50000" fill="hold" nodeType="afterEffect">
+                                  <p:stCondLst>
+                                    <p:cond delay="0"/>
+                                  </p:stCondLst>
+                                  <p:childTnLst>
+                                    <p:animMotion origin="layout" path="M 1.11111E-6 -0.02221 L 0.59392 -0.17719 " pathEditMode="relative" rAng="0" ptsTypes="AA">
+                                      <p:cBhvr>
+                                        <p:cTn id="70" dur="1000" fill="hold"/>
+                                        <p:tgtEl>
+                                          <p:spTgt spid="8"/>
+                                        </p:tgtEl>
+                                        <p:attrNameLst>
+                                          <p:attrName>ppt_x</p:attrName>
+                                          <p:attrName>ppt_y</p:attrName>
+                                        </p:attrNameLst>
+                                      </p:cBhvr>
+                                      <p:rCtr x="29688" y="-7749"/>
+                                    </p:animMotion>
+                                  </p:childTnLst>
+                                </p:cTn>
+                              </p:par>
+                            </p:childTnLst>
+                          </p:cTn>
+                        </p:par>
+                        <p:par>
+                          <p:cTn id="71" fill="hold">
+                            <p:stCondLst>
+                              <p:cond delay="6000"/>
+                            </p:stCondLst>
+                            <p:childTnLst>
+                              <p:par>
+                                <p:cTn id="72" presetID="37" presetClass="path" presetSubtype="0" accel="50000" decel="50000" fill="hold" nodeType="afterEffect">
+                                  <p:stCondLst>
+                                    <p:cond delay="0"/>
+                                  </p:stCondLst>
+                                  <p:childTnLst>
+                                    <p:animMotion origin="layout" path="M 1.11111E-6 3.00486E-6 L 0.13108 0.04002 C 0.15868 0.04904 0.19983 0.05389 0.24253 0.05389 C 0.29149 0.05389 0.33055 0.04904 0.35816 0.04002 L 0.48941 3.00486E-6 " pathEditMode="relative" rAng="0" ptsTypes="FffFF">
+                                      <p:cBhvr>
+                                        <p:cTn id="73" dur="1000" fill="hold"/>
+                                        <p:tgtEl>
+                                          <p:spTgt spid="9"/>
+                                        </p:tgtEl>
+                                        <p:attrNameLst>
+                                          <p:attrName>ppt_x</p:attrName>
+                                          <p:attrName>ppt_y</p:attrName>
+                                        </p:attrNameLst>
+                                      </p:cBhvr>
+                                      <p:rCtr x="24462" y="2683"/>
+                                    </p:animMotion>
+                                  </p:childTnLst>
+                                </p:cTn>
+                              </p:par>
+                            </p:childTnLst>
+                          </p:cTn>
+                        </p:par>
+                      </p:childTnLst>
+                    </p:cTn>
+                  </p:par>
+                  <p:par>
+                    <p:cTn id="74" fill="hold">
+                      <p:stCondLst>
+                        <p:cond delay="indefinite"/>
+                      </p:stCondLst>
+                      <p:childTnLst>
+                        <p:par>
+                          <p:cTn id="75" fill="hold">
+                            <p:stCondLst>
+                              <p:cond delay="0"/>
+                            </p:stCondLst>
+                            <p:childTnLst>
+                              <p:par>
+                                <p:cTn id="76" presetID="1" presetClass="entr" presetSubtype="0" fill="hold" nodeType="clickEffect">
+                                  <p:stCondLst>
+                                    <p:cond delay="0"/>
+                                  </p:stCondLst>
+                                  <p:childTnLst>
+                                    <p:set>
+                                      <p:cBhvr>
+                                        <p:cTn id="77" dur="1" fill="hold">
+                                          <p:stCondLst>
+                                            <p:cond delay="0"/>
+                                          </p:stCondLst>
+                                        </p:cTn>
+                                        <p:tgtEl>
+                                          <p:spTgt spid="70"/>
+                                        </p:tgtEl>
+                                        <p:attrNameLst>
+                                          <p:attrName>style.visibility</p:attrName>
+                                        </p:attrNameLst>
+                                      </p:cBhvr>
+                                      <p:to>
+                                        <p:strVal val="visible"/>
+                                      </p:to>
+                                    </p:set>
+                                  </p:childTnLst>
+                                </p:cTn>
+                              </p:par>
+                              <p:par>
+                                <p:cTn id="78" presetID="1" presetClass="entr" presetSubtype="0" fill="hold" nodeType="withEffect">
+                                  <p:stCondLst>
+                                    <p:cond delay="0"/>
+                                  </p:stCondLst>
+                                  <p:childTnLst>
+                                    <p:set>
+                                      <p:cBhvr>
+                                        <p:cTn id="79" dur="1" fill="hold">
+                                          <p:stCondLst>
+                                            <p:cond delay="0"/>
+                                          </p:stCondLst>
+                                        </p:cTn>
+                                        <p:tgtEl>
+                                          <p:spTgt spid="69"/>
+                                        </p:tgtEl>
+                                        <p:attrNameLst>
+                                          <p:attrName>style.visibility</p:attrName>
+                                        </p:attrNameLst>
+                                      </p:cBhvr>
+                                      <p:to>
+                                        <p:strVal val="visible"/>
+                                      </p:to>
+                                    </p:set>
+                                  </p:childTnLst>
+                                </p:cTn>
+                              </p:par>
+                              <p:par>
+                                <p:cTn id="80" presetID="1" presetClass="entr" presetSubtype="0" fill="hold" nodeType="withEffect">
+                                  <p:stCondLst>
+                                    <p:cond delay="0"/>
+                                  </p:stCondLst>
+                                  <p:childTnLst>
+                                    <p:set>
+                                      <p:cBhvr>
+                                        <p:cTn id="81" dur="1" fill="hold">
+                                          <p:stCondLst>
+                                            <p:cond delay="0"/>
+                                          </p:stCondLst>
+                                        </p:cTn>
+                                        <p:tgtEl>
+                                          <p:spTgt spid="68"/>
+                                        </p:tgtEl>
+                                        <p:attrNameLst>
+                                          <p:attrName>style.visibility</p:attrName>
+                                        </p:attrNameLst>
+                                      </p:cBhvr>
+                                      <p:to>
+                                        <p:strVal val="visible"/>
+                                      </p:to>
+                                    </p:set>
+                                  </p:childTnLst>
+                                </p:cTn>
+                              </p:par>
+                              <p:par>
+                                <p:cTn id="82" presetID="10" presetClass="entr" presetSubtype="0" fill="hold" grpId="0" nodeType="withEffect">
+                                  <p:stCondLst>
+                                    <p:cond delay="0"/>
+                                  </p:stCondLst>
+                                  <p:childTnLst>
+                                    <p:set>
+                                      <p:cBhvr>
+                                        <p:cTn id="83" dur="1" fill="hold">
+                                          <p:stCondLst>
+                                            <p:cond delay="0"/>
+                                          </p:stCondLst>
+                                        </p:cTn>
+                                        <p:tgtEl>
+                                          <p:spTgt spid="19528"/>
+                                        </p:tgtEl>
+                                        <p:attrNameLst>
+                                          <p:attrName>style.visibility</p:attrName>
+                                        </p:attrNameLst>
+                                      </p:cBhvr>
+                                      <p:to>
+                                        <p:strVal val="visible"/>
+                                      </p:to>
+                                    </p:set>
+                                    <p:animEffect transition="in" filter="fade">
+                                      <p:cBhvr>
+                                        <p:cTn id="84" dur="500"/>
+                                        <p:tgtEl>
+                                          <p:spTgt spid="19528"/>
+                                        </p:tgtEl>
+                                      </p:cBhvr>
+                                    </p:animEffect>
+                                  </p:childTnLst>
+                                </p:cTn>
+                              </p:par>
+                            </p:childTnLst>
+                          </p:cTn>
+                        </p:par>
+                      </p:childTnLst>
+                    </p:cTn>
+                  </p:par>
+                </p:childTnLst>
+              </p:cTn>
+              <p:prevCondLst>
+                <p:cond evt="onPrev" delay="0">
+                  <p:tgtEl>
+                    <p:sldTgt/>
+                  </p:tgtEl>
+                </p:cond>
+              </p:prevCondLst>
+              <p:nextCondLst>
+                <p:cond evt="onNext" delay="0">
+                  <p:tgtEl>
+                    <p:sldTgt/>
+                  </p:tgtEl>
+                </p:cond>
+              </p:nextCondLst>
+            </p:seq>
+          </p:childTnLst>
+        </p:cTn>
+      </p:par>
+    </p:tnLst>
+    <p:bldLst>
+      <p:bldP spid="19528" grpId="0"/>
+      <p:bldP spid="134" grpId="0" animBg="1"/>
+      <p:bldP spid="135" grpId="0" animBg="1"/>
+      <p:bldP spid="136" grpId="0" animBg="1"/>
+      <p:bldP spid="137" grpId="0" animBg="1"/>
+      <p:bldP spid="260" grpId="0"/>
+      <p:bldP spid="34" grpId="0" animBg="1"/>
+      <p:bldP spid="34" grpId="1" animBg="1"/>
+      <p:bldP spid="35" grpId="0" animBg="1"/>
+      <p:bldP spid="35" grpId="1" animBg="1"/>
+      <p:bldP spid="36" grpId="0" animBg="1"/>
+      <p:bldP spid="36" grpId="1" animBg="1"/>
+      <p:bldP spid="67" grpId="0" animBg="1"/>
+      <p:bldP spid="67" grpId="1" animBg="1"/>
+    </p:bldLst>
+  </p:timing>
+</p:sld>
+</file>
+
+<file path=ppt/slides/slide13.xml><?xml version="1.0" encoding="utf-8"?>
+<p:sld xmlns:a="http://schemas.openxmlformats.org/drawingml/2006/main" xmlns:r="http://schemas.openxmlformats.org/officeDocument/2006/relationships" xmlns:p="http://schemas.openxmlformats.org/presentationml/2006/main">
+  <p:cSld>
+    <p:spTree>
+      <p:nvGrpSpPr>
+        <p:cNvPr id="1" name=""/>
+        <p:cNvGrpSpPr/>
+        <p:nvPr/>
+      </p:nvGrpSpPr>
+      <p:grpSpPr>
+        <a:xfrm>
+          <a:off x="0" y="0"/>
+          <a:ext cx="0" cy="0"/>
+          <a:chOff x="0" y="0"/>
+          <a:chExt cx="0" cy="0"/>
+        </a:xfrm>
+      </p:grpSpPr>
+      <p:sp>
+        <p:nvSpPr>
+          <p:cNvPr id="2" name="Title 1"/>
+          <p:cNvSpPr>
+            <a:spLocks noGrp="1"/>
+          </p:cNvSpPr>
+          <p:nvPr>
+            <p:ph type="title"/>
+          </p:nvPr>
+        </p:nvSpPr>
+        <p:spPr/>
+        <p:txBody>
+          <a:bodyPr/>
+          <a:lstStyle/>
+          <a:p>
+            <a:r>
+              <a:rPr lang="en-GB" dirty="0" smtClean="0"/>
+              <a:t>Odd differences</a:t>
+            </a:r>
+            <a:endParaRPr lang="en-GB" dirty="0"/>
+          </a:p>
+        </p:txBody>
+      </p:sp>
+      <p:sp>
+        <p:nvSpPr>
+          <p:cNvPr id="3" name="Content Placeholder 2"/>
+          <p:cNvSpPr>
+            <a:spLocks noGrp="1"/>
+          </p:cNvSpPr>
+          <p:nvPr>
+            <p:ph idx="1"/>
+          </p:nvPr>
+        </p:nvSpPr>
+        <p:spPr>
+          <a:xfrm>
+            <a:off x="228600" y="1600200"/>
+            <a:ext cx="8458200" cy="4525963"/>
+          </a:xfrm>
+        </p:spPr>
+        <p:txBody>
+          <a:bodyPr/>
+          <a:lstStyle/>
+          <a:p>
+            <a:r>
+              <a:rPr lang="en-GB" dirty="0" smtClean="0"/>
+              <a:t>Need to remember you’re dealing with Tasks and not Threads</a:t>
+            </a:r>
+          </a:p>
+          <a:p>
+            <a:pPr lvl="1"/>
+            <a:r>
+              <a:rPr lang="en-GB" dirty="0" smtClean="0"/>
+              <a:t>Synchronization back to UI thread can be a bit of a pain (use a </a:t>
+            </a:r>
+            <a:r>
+              <a:rPr lang="en-GB" dirty="0" err="1" smtClean="0"/>
+              <a:t>TaskScheduler</a:t>
+            </a:r>
+            <a:r>
+              <a:rPr lang="en-GB" dirty="0" smtClean="0"/>
+              <a:t> created on the </a:t>
+            </a:r>
+            <a:r>
+              <a:rPr lang="en-GB" dirty="0" err="1" smtClean="0"/>
+              <a:t>Ui</a:t>
+            </a:r>
+            <a:r>
+              <a:rPr lang="en-GB" dirty="0" smtClean="0"/>
+              <a:t> thread…using </a:t>
+            </a:r>
+            <a:r>
+              <a:rPr lang="en-GB" sz="2400" dirty="0" err="1"/>
+              <a:t>TaskScheduler</a:t>
+            </a:r>
+            <a:r>
+              <a:rPr lang="en-GB" sz="2400" b="1" dirty="0" err="1"/>
+              <a:t>.</a:t>
+            </a:r>
+            <a:r>
+              <a:rPr lang="en-GB" sz="2400" dirty="0" err="1"/>
+              <a:t>FromCurrentSynchronizationContext</a:t>
+            </a:r>
+            <a:r>
+              <a:rPr lang="en-GB" sz="2400" dirty="0"/>
+              <a:t>();</a:t>
+            </a:r>
+            <a:r>
+              <a:rPr lang="en-GB" dirty="0"/>
+              <a:t/>
+            </a:r>
+            <a:br>
+              <a:rPr lang="en-GB" dirty="0"/>
+            </a:br>
+            <a:endParaRPr lang="en-GB" dirty="0"/>
+          </a:p>
+        </p:txBody>
+      </p:sp>
+    </p:spTree>
+    <p:extLst>
+      <p:ext uri="{BB962C8B-B14F-4D97-AF65-F5344CB8AC3E}">
+        <p14:creationId xmlns:p14="http://schemas.microsoft.com/office/powerpoint/2010/main" val="850281008"/>
+      </p:ext>
+    </p:extLst>
+  </p:cSld>
+  <p:clrMapOvr>
+    <a:masterClrMapping/>
+  </p:clrMapOvr>
+</p:sld>
+</file>
+
+<file path=ppt/slides/slide14.xml><?xml version="1.0" encoding="utf-8"?>
+<p:sld xmlns:a="http://schemas.openxmlformats.org/drawingml/2006/main" xmlns:r="http://schemas.openxmlformats.org/officeDocument/2006/relationships" xmlns:p="http://schemas.openxmlformats.org/presentationml/2006/main">
+  <p:cSld>
+    <p:spTree>
+      <p:nvGrpSpPr>
+        <p:cNvPr id="1" name=""/>
+        <p:cNvGrpSpPr/>
+        <p:nvPr/>
+      </p:nvGrpSpPr>
+      <p:grpSpPr>
+        <a:xfrm>
+          <a:off x="0" y="0"/>
+          <a:ext cx="0" cy="0"/>
+          <a:chOff x="0" y="0"/>
+          <a:chExt cx="0" cy="0"/>
+        </a:xfrm>
+      </p:grpSpPr>
+      <p:sp>
+        <p:nvSpPr>
+          <p:cNvPr id="2" name="Title 1"/>
+          <p:cNvSpPr>
+            <a:spLocks noGrp="1"/>
+          </p:cNvSpPr>
+          <p:nvPr>
+            <p:ph type="title"/>
+          </p:nvPr>
+        </p:nvSpPr>
+        <p:spPr/>
+        <p:txBody>
+          <a:bodyPr/>
+          <a:lstStyle/>
+          <a:p>
+            <a:r>
+              <a:rPr lang="en-GB" dirty="0" smtClean="0"/>
+              <a:t>Still to do</a:t>
+            </a:r>
+            <a:endParaRPr lang="en-GB" dirty="0"/>
+          </a:p>
+        </p:txBody>
+      </p:sp>
+      <p:sp>
+        <p:nvSpPr>
+          <p:cNvPr id="3" name="Content Placeholder 2"/>
+          <p:cNvSpPr>
+            <a:spLocks noGrp="1"/>
+          </p:cNvSpPr>
+          <p:nvPr>
+            <p:ph idx="1"/>
+          </p:nvPr>
+        </p:nvSpPr>
+        <p:spPr/>
+        <p:txBody>
+          <a:bodyPr/>
+          <a:lstStyle/>
+          <a:p>
+            <a:r>
+              <a:rPr lang="en-GB" dirty="0" smtClean="0"/>
+              <a:t>RUDP / UDT/ WCF / Sockets file transfer</a:t>
+            </a:r>
+          </a:p>
+          <a:p>
+            <a:r>
+              <a:rPr lang="en-GB" dirty="0" smtClean="0"/>
+              <a:t>Cross-file server deltas for automatic matching</a:t>
+            </a:r>
+          </a:p>
+          <a:p>
+            <a:r>
+              <a:rPr lang="en-GB" smtClean="0"/>
+              <a:t>Adaptive compression</a:t>
+            </a:r>
+            <a:endParaRPr lang="en-GB" dirty="0" smtClean="0"/>
+          </a:p>
+          <a:p>
+            <a:r>
+              <a:rPr lang="en-GB" dirty="0" smtClean="0"/>
+              <a:t>Adaptive learning based on destination file (block size, ‘common blocks’)</a:t>
+            </a:r>
+          </a:p>
+          <a:p>
+            <a:r>
+              <a:rPr lang="en-GB" dirty="0" smtClean="0"/>
+              <a:t>CPU / Disk access adaption…</a:t>
+            </a:r>
+          </a:p>
+          <a:p>
+            <a:r>
+              <a:rPr lang="en-GB" dirty="0" smtClean="0"/>
+              <a:t>Actually get a working client!</a:t>
+            </a:r>
+            <a:endParaRPr lang="en-GB" dirty="0"/>
+          </a:p>
+        </p:txBody>
+      </p:sp>
+    </p:spTree>
+    <p:extLst>
+      <p:ext uri="{BB962C8B-B14F-4D97-AF65-F5344CB8AC3E}">
+        <p14:creationId xmlns:p14="http://schemas.microsoft.com/office/powerpoint/2010/main" val="2280087433"/>
+      </p:ext>
+    </p:extLst>
+  </p:cSld>
+  <p:clrMapOvr>
+    <a:masterClrMapping/>
+  </p:clrMapOvr>
+</p:sld>
+</file>
+
 <file path=ppt/slides/slide2.xml><?xml version="1.0" encoding="utf-8"?>
 <p:sld xmlns:a="http://schemas.openxmlformats.org/drawingml/2006/main" xmlns:r="http://schemas.openxmlformats.org/officeDocument/2006/relationships" xmlns:p="http://schemas.openxmlformats.org/presentationml/2006/main">
   <p:cSld>
@@ -3232,6 +9329,21 @@
             <a:r>
               <a:rPr lang="en-US" dirty="0" smtClean="0"/>
               <a:t>Wanted to understand how Deltas work</a:t>
+            </a:r>
+          </a:p>
+          <a:p>
+            <a:pPr lvl="1"/>
+            <a:r>
+              <a:rPr lang="en-US" dirty="0" smtClean="0"/>
+              <a:t>Learn more about .NET 4 </a:t>
+            </a:r>
+            <a:r>
+              <a:rPr lang="en-US" dirty="0" err="1" smtClean="0"/>
+              <a:t>async</a:t>
+            </a:r>
+            <a:r>
+              <a:rPr lang="en-US" dirty="0" smtClean="0"/>
+              <a:t> additions</a:t>
             </a:r>
           </a:p>
           <a:p>
@@ -3472,14 +9584,32 @@
           <a:p>
             <a:r>
               <a:rPr lang="en-US" dirty="0" smtClean="0"/>
-              <a:t>Proprietary</a:t>
-            </a:r>
+              <a:t>Proprietary (though based on OSS Java </a:t>
+            </a:r>
+            <a:r>
+              <a:rPr lang="en-US" dirty="0" err="1" smtClean="0"/>
+              <a:t>rsync</a:t>
+            </a:r>
+            <a:r>
+              <a:rPr lang="en-US" dirty="0"/>
+              <a:t>)</a:t>
+            </a:r>
+            <a:endParaRPr lang="en-US" dirty="0" smtClean="0"/>
           </a:p>
           <a:p>
             <a:r>
               <a:rPr lang="en-US" dirty="0" smtClean="0"/>
               <a:t>Uses UDP for file transfers</a:t>
             </a:r>
+          </a:p>
+          <a:p>
+            <a:r>
+              <a:rPr lang="en-US" dirty="0" smtClean="0"/>
+              <a:t>Java based</a:t>
+            </a:r>
+          </a:p>
+          <a:p>
+            <a:endParaRPr lang="en-US" dirty="0" smtClean="0"/>
           </a:p>
           <a:p>
             <a:endParaRPr lang="en-US" dirty="0"/>
@@ -4748,6 +10878,673 @@
     <p:extLst>
       <p:ext uri="{BB962C8B-B14F-4D97-AF65-F5344CB8AC3E}">
         <p14:creationId xmlns:p14="http://schemas.microsoft.com/office/powerpoint/2010/main" val="3721955661"/>
+      </p:ext>
+    </p:extLst>
+  </p:cSld>
+  <p:clrMapOvr>
+    <a:masterClrMapping/>
+  </p:clrMapOvr>
+  <p:timing>
+    <p:tnLst>
+      <p:par>
+        <p:cTn id="1" dur="indefinite" restart="never" nodeType="tmRoot"/>
+      </p:par>
+    </p:tnLst>
+  </p:timing>
+</p:sld>
+</file>
+
+<file path=ppt/slides/slide8.xml><?xml version="1.0" encoding="utf-8"?>
+<p:sld xmlns:a="http://schemas.openxmlformats.org/drawingml/2006/main" xmlns:r="http://schemas.openxmlformats.org/officeDocument/2006/relationships" xmlns:p="http://schemas.openxmlformats.org/presentationml/2006/main">
+  <p:cSld>
+    <p:spTree>
+      <p:nvGrpSpPr>
+        <p:cNvPr id="1" name=""/>
+        <p:cNvGrpSpPr/>
+        <p:nvPr/>
+      </p:nvGrpSpPr>
+      <p:grpSpPr>
+        <a:xfrm>
+          <a:off x="0" y="0"/>
+          <a:ext cx="0" cy="0"/>
+          <a:chOff x="0" y="0"/>
+          <a:chExt cx="0" cy="0"/>
+        </a:xfrm>
+      </p:grpSpPr>
+      <p:sp>
+        <p:nvSpPr>
+          <p:cNvPr id="2" name="Title 1"/>
+          <p:cNvSpPr>
+            <a:spLocks noGrp="1"/>
+          </p:cNvSpPr>
+          <p:nvPr>
+            <p:ph type="title"/>
+          </p:nvPr>
+        </p:nvSpPr>
+        <p:spPr/>
+        <p:txBody>
+          <a:bodyPr/>
+          <a:lstStyle/>
+          <a:p>
+            <a:r>
+              <a:rPr lang="en-GB" dirty="0" smtClean="0"/>
+              <a:t>Hashes</a:t>
+            </a:r>
+            <a:endParaRPr lang="en-GB" dirty="0"/>
+          </a:p>
+        </p:txBody>
+      </p:sp>
+      <p:sp>
+        <p:nvSpPr>
+          <p:cNvPr id="3" name="Content Placeholder 2"/>
+          <p:cNvSpPr>
+            <a:spLocks noGrp="1"/>
+          </p:cNvSpPr>
+          <p:nvPr>
+            <p:ph idx="1"/>
+          </p:nvPr>
+        </p:nvSpPr>
+        <p:spPr/>
+        <p:txBody>
+          <a:bodyPr>
+            <a:normAutofit fontScale="77500" lnSpcReduction="20000"/>
+          </a:bodyPr>
+          <a:lstStyle/>
+          <a:p>
+            <a:r>
+              <a:rPr lang="en-GB" dirty="0" smtClean="0"/>
+              <a:t>Weak Hash</a:t>
+            </a:r>
+          </a:p>
+          <a:p>
+            <a:pPr lvl="1"/>
+            <a:r>
+              <a:rPr lang="en-GB" dirty="0" smtClean="0"/>
+              <a:t>Very fast to </a:t>
+            </a:r>
+            <a:r>
+              <a:rPr lang="en-GB" dirty="0" smtClean="0"/>
+              <a:t>calculate</a:t>
+            </a:r>
+            <a:endParaRPr lang="en-GB" dirty="0"/>
+          </a:p>
+          <a:p>
+            <a:pPr lvl="1"/>
+            <a:r>
+              <a:rPr lang="en-GB" dirty="0" smtClean="0"/>
+              <a:t>Updatable (makes it even faster)</a:t>
+            </a:r>
+          </a:p>
+          <a:p>
+            <a:pPr lvl="1"/>
+            <a:endParaRPr lang="en-GB" dirty="0"/>
+          </a:p>
+          <a:p>
+            <a:pPr marL="457200" lvl="1" indent="0">
+              <a:buNone/>
+            </a:pPr>
+            <a:r>
+              <a:rPr lang="en-GB" dirty="0" smtClean="0"/>
+              <a:t>Adler-32 (</a:t>
+            </a:r>
+            <a:r>
+              <a:rPr lang="en-GB" dirty="0" err="1" smtClean="0"/>
+              <a:t>wot</a:t>
+            </a:r>
+            <a:r>
+              <a:rPr lang="en-GB" dirty="0" smtClean="0"/>
+              <a:t> </a:t>
+            </a:r>
+            <a:r>
+              <a:rPr lang="en-GB" dirty="0" err="1" smtClean="0"/>
+              <a:t>rsync</a:t>
+            </a:r>
+            <a:r>
+              <a:rPr lang="en-GB" dirty="0" smtClean="0"/>
+              <a:t> uses)</a:t>
+            </a:r>
+          </a:p>
+          <a:p>
+            <a:pPr marL="457200" lvl="1" indent="0">
+              <a:buNone/>
+            </a:pPr>
+            <a:r>
+              <a:rPr lang="da-DK" sz="3500" i="1" dirty="0">
+                <a:latin typeface="Consolas" pitchFamily="49" charset="0"/>
+                <a:cs typeface="Consolas" pitchFamily="49" charset="0"/>
+              </a:rPr>
+              <a:t>A</a:t>
+            </a:r>
+            <a:r>
+              <a:rPr lang="da-DK" sz="3500" dirty="0">
+                <a:latin typeface="Consolas" pitchFamily="49" charset="0"/>
+                <a:cs typeface="Consolas" pitchFamily="49" charset="0"/>
+              </a:rPr>
+              <a:t> = 1 + </a:t>
+            </a:r>
+            <a:r>
+              <a:rPr lang="da-DK" sz="3500" i="1" dirty="0">
+                <a:latin typeface="Consolas" pitchFamily="49" charset="0"/>
+                <a:cs typeface="Consolas" pitchFamily="49" charset="0"/>
+              </a:rPr>
+              <a:t>D</a:t>
+            </a:r>
+            <a:r>
+              <a:rPr lang="da-DK" sz="3500" baseline="-25000" dirty="0">
+                <a:latin typeface="Consolas" pitchFamily="49" charset="0"/>
+                <a:cs typeface="Consolas" pitchFamily="49" charset="0"/>
+              </a:rPr>
+              <a:t>1</a:t>
+            </a:r>
+            <a:r>
+              <a:rPr lang="da-DK" sz="3500" dirty="0">
+                <a:latin typeface="Consolas" pitchFamily="49" charset="0"/>
+                <a:cs typeface="Consolas" pitchFamily="49" charset="0"/>
+              </a:rPr>
+              <a:t> + </a:t>
+            </a:r>
+            <a:r>
+              <a:rPr lang="da-DK" sz="3500" i="1" dirty="0">
+                <a:latin typeface="Consolas" pitchFamily="49" charset="0"/>
+                <a:cs typeface="Consolas" pitchFamily="49" charset="0"/>
+              </a:rPr>
+              <a:t>D</a:t>
+            </a:r>
+            <a:r>
+              <a:rPr lang="da-DK" sz="3500" baseline="-25000" dirty="0">
+                <a:latin typeface="Consolas" pitchFamily="49" charset="0"/>
+                <a:cs typeface="Consolas" pitchFamily="49" charset="0"/>
+              </a:rPr>
+              <a:t>2</a:t>
+            </a:r>
+            <a:r>
+              <a:rPr lang="da-DK" sz="3500" dirty="0">
+                <a:latin typeface="Consolas" pitchFamily="49" charset="0"/>
+                <a:cs typeface="Consolas" pitchFamily="49" charset="0"/>
+              </a:rPr>
+              <a:t> + ... + </a:t>
+            </a:r>
+            <a:r>
+              <a:rPr lang="da-DK" sz="3500" i="1" dirty="0">
+                <a:latin typeface="Consolas" pitchFamily="49" charset="0"/>
+                <a:cs typeface="Consolas" pitchFamily="49" charset="0"/>
+              </a:rPr>
+              <a:t>D</a:t>
+            </a:r>
+            <a:r>
+              <a:rPr lang="da-DK" sz="3500" i="1" baseline="-25000" dirty="0">
+                <a:latin typeface="Consolas" pitchFamily="49" charset="0"/>
+                <a:cs typeface="Consolas" pitchFamily="49" charset="0"/>
+              </a:rPr>
+              <a:t>n</a:t>
+            </a:r>
+            <a:r>
+              <a:rPr lang="da-DK" sz="3500" dirty="0">
+                <a:latin typeface="Consolas" pitchFamily="49" charset="0"/>
+                <a:cs typeface="Consolas" pitchFamily="49" charset="0"/>
+              </a:rPr>
+              <a:t> (mod 65521) </a:t>
+            </a:r>
+            <a:br>
+              <a:rPr lang="da-DK" sz="3500" dirty="0">
+                <a:latin typeface="Consolas" pitchFamily="49" charset="0"/>
+                <a:cs typeface="Consolas" pitchFamily="49" charset="0"/>
+              </a:rPr>
+            </a:br>
+            <a:r>
+              <a:rPr lang="da-DK" sz="3500" i="1" dirty="0">
+                <a:latin typeface="Consolas" pitchFamily="49" charset="0"/>
+                <a:cs typeface="Consolas" pitchFamily="49" charset="0"/>
+              </a:rPr>
+              <a:t>B</a:t>
+            </a:r>
+            <a:r>
+              <a:rPr lang="da-DK" sz="3500" dirty="0">
+                <a:latin typeface="Consolas" pitchFamily="49" charset="0"/>
+                <a:cs typeface="Consolas" pitchFamily="49" charset="0"/>
+              </a:rPr>
+              <a:t> = (1 + </a:t>
+            </a:r>
+            <a:r>
+              <a:rPr lang="da-DK" sz="3500" i="1" dirty="0">
+                <a:latin typeface="Consolas" pitchFamily="49" charset="0"/>
+                <a:cs typeface="Consolas" pitchFamily="49" charset="0"/>
+              </a:rPr>
+              <a:t>D</a:t>
+            </a:r>
+            <a:r>
+              <a:rPr lang="da-DK" sz="3500" baseline="-25000" dirty="0">
+                <a:latin typeface="Consolas" pitchFamily="49" charset="0"/>
+                <a:cs typeface="Consolas" pitchFamily="49" charset="0"/>
+              </a:rPr>
+              <a:t>1</a:t>
+            </a:r>
+            <a:r>
+              <a:rPr lang="da-DK" sz="3500" dirty="0">
+                <a:latin typeface="Consolas" pitchFamily="49" charset="0"/>
+                <a:cs typeface="Consolas" pitchFamily="49" charset="0"/>
+              </a:rPr>
+              <a:t>) + (1 + </a:t>
+            </a:r>
+            <a:r>
+              <a:rPr lang="da-DK" sz="3500" i="1" dirty="0">
+                <a:latin typeface="Consolas" pitchFamily="49" charset="0"/>
+                <a:cs typeface="Consolas" pitchFamily="49" charset="0"/>
+              </a:rPr>
+              <a:t>D</a:t>
+            </a:r>
+            <a:r>
+              <a:rPr lang="da-DK" sz="3500" baseline="-25000" dirty="0">
+                <a:latin typeface="Consolas" pitchFamily="49" charset="0"/>
+                <a:cs typeface="Consolas" pitchFamily="49" charset="0"/>
+              </a:rPr>
+              <a:t>1</a:t>
+            </a:r>
+            <a:r>
+              <a:rPr lang="da-DK" sz="3500" dirty="0">
+                <a:latin typeface="Consolas" pitchFamily="49" charset="0"/>
+                <a:cs typeface="Consolas" pitchFamily="49" charset="0"/>
+              </a:rPr>
+              <a:t> + </a:t>
+            </a:r>
+            <a:r>
+              <a:rPr lang="da-DK" sz="3500" i="1" dirty="0">
+                <a:latin typeface="Consolas" pitchFamily="49" charset="0"/>
+                <a:cs typeface="Consolas" pitchFamily="49" charset="0"/>
+              </a:rPr>
+              <a:t>D</a:t>
+            </a:r>
+            <a:r>
+              <a:rPr lang="da-DK" sz="3500" baseline="-25000" dirty="0">
+                <a:latin typeface="Consolas" pitchFamily="49" charset="0"/>
+                <a:cs typeface="Consolas" pitchFamily="49" charset="0"/>
+              </a:rPr>
+              <a:t>2</a:t>
+            </a:r>
+            <a:r>
+              <a:rPr lang="da-DK" sz="3500" dirty="0">
+                <a:latin typeface="Consolas" pitchFamily="49" charset="0"/>
+                <a:cs typeface="Consolas" pitchFamily="49" charset="0"/>
+              </a:rPr>
+              <a:t>) + ... + (1 + </a:t>
+            </a:r>
+            <a:r>
+              <a:rPr lang="da-DK" sz="3500" i="1" dirty="0">
+                <a:latin typeface="Consolas" pitchFamily="49" charset="0"/>
+                <a:cs typeface="Consolas" pitchFamily="49" charset="0"/>
+              </a:rPr>
+              <a:t>D</a:t>
+            </a:r>
+            <a:r>
+              <a:rPr lang="da-DK" sz="3500" baseline="-25000" dirty="0">
+                <a:latin typeface="Consolas" pitchFamily="49" charset="0"/>
+                <a:cs typeface="Consolas" pitchFamily="49" charset="0"/>
+              </a:rPr>
+              <a:t>1</a:t>
+            </a:r>
+            <a:r>
+              <a:rPr lang="da-DK" sz="3500" dirty="0">
+                <a:latin typeface="Consolas" pitchFamily="49" charset="0"/>
+                <a:cs typeface="Consolas" pitchFamily="49" charset="0"/>
+              </a:rPr>
+              <a:t> + </a:t>
+            </a:r>
+            <a:r>
+              <a:rPr lang="da-DK" sz="3500" i="1" dirty="0">
+                <a:latin typeface="Consolas" pitchFamily="49" charset="0"/>
+                <a:cs typeface="Consolas" pitchFamily="49" charset="0"/>
+              </a:rPr>
+              <a:t>D</a:t>
+            </a:r>
+            <a:r>
+              <a:rPr lang="da-DK" sz="3500" baseline="-25000" dirty="0">
+                <a:latin typeface="Consolas" pitchFamily="49" charset="0"/>
+                <a:cs typeface="Consolas" pitchFamily="49" charset="0"/>
+              </a:rPr>
+              <a:t>2</a:t>
+            </a:r>
+            <a:r>
+              <a:rPr lang="da-DK" sz="3500" dirty="0">
+                <a:latin typeface="Consolas" pitchFamily="49" charset="0"/>
+                <a:cs typeface="Consolas" pitchFamily="49" charset="0"/>
+              </a:rPr>
+              <a:t> + ... + </a:t>
+            </a:r>
+            <a:r>
+              <a:rPr lang="da-DK" sz="3500" i="1" dirty="0">
+                <a:latin typeface="Consolas" pitchFamily="49" charset="0"/>
+                <a:cs typeface="Consolas" pitchFamily="49" charset="0"/>
+              </a:rPr>
+              <a:t>D</a:t>
+            </a:r>
+            <a:r>
+              <a:rPr lang="da-DK" sz="3500" i="1" baseline="-25000" dirty="0">
+                <a:latin typeface="Consolas" pitchFamily="49" charset="0"/>
+                <a:cs typeface="Consolas" pitchFamily="49" charset="0"/>
+              </a:rPr>
+              <a:t>n</a:t>
+            </a:r>
+            <a:r>
+              <a:rPr lang="da-DK" sz="3500" dirty="0">
+                <a:latin typeface="Consolas" pitchFamily="49" charset="0"/>
+                <a:cs typeface="Consolas" pitchFamily="49" charset="0"/>
+              </a:rPr>
+              <a:t>) (mod 65521) = </a:t>
+            </a:r>
+            <a:r>
+              <a:rPr lang="da-DK" sz="3500" i="1" dirty="0">
+                <a:latin typeface="Consolas" pitchFamily="49" charset="0"/>
+                <a:cs typeface="Consolas" pitchFamily="49" charset="0"/>
+              </a:rPr>
+              <a:t>n</a:t>
+            </a:r>
+            <a:r>
+              <a:rPr lang="da-DK" sz="3500" dirty="0">
+                <a:latin typeface="Consolas" pitchFamily="49" charset="0"/>
+                <a:cs typeface="Consolas" pitchFamily="49" charset="0"/>
+              </a:rPr>
+              <a:t>×</a:t>
+            </a:r>
+            <a:r>
+              <a:rPr lang="da-DK" sz="3500" i="1" dirty="0">
+                <a:latin typeface="Consolas" pitchFamily="49" charset="0"/>
+                <a:cs typeface="Consolas" pitchFamily="49" charset="0"/>
+              </a:rPr>
+              <a:t>D</a:t>
+            </a:r>
+            <a:r>
+              <a:rPr lang="da-DK" sz="3500" baseline="-25000" dirty="0">
+                <a:latin typeface="Consolas" pitchFamily="49" charset="0"/>
+                <a:cs typeface="Consolas" pitchFamily="49" charset="0"/>
+              </a:rPr>
+              <a:t>1</a:t>
+            </a:r>
+            <a:r>
+              <a:rPr lang="da-DK" sz="3500" dirty="0">
+                <a:latin typeface="Consolas" pitchFamily="49" charset="0"/>
+                <a:cs typeface="Consolas" pitchFamily="49" charset="0"/>
+              </a:rPr>
+              <a:t> + (</a:t>
+            </a:r>
+            <a:r>
+              <a:rPr lang="da-DK" sz="3500" i="1" dirty="0">
+                <a:latin typeface="Consolas" pitchFamily="49" charset="0"/>
+                <a:cs typeface="Consolas" pitchFamily="49" charset="0"/>
+              </a:rPr>
+              <a:t>n</a:t>
+            </a:r>
+            <a:r>
+              <a:rPr lang="da-DK" sz="3500" dirty="0">
+                <a:latin typeface="Consolas" pitchFamily="49" charset="0"/>
+                <a:cs typeface="Consolas" pitchFamily="49" charset="0"/>
+              </a:rPr>
+              <a:t>-1)×</a:t>
+            </a:r>
+            <a:r>
+              <a:rPr lang="da-DK" sz="3500" i="1" dirty="0">
+                <a:latin typeface="Consolas" pitchFamily="49" charset="0"/>
+                <a:cs typeface="Consolas" pitchFamily="49" charset="0"/>
+              </a:rPr>
+              <a:t>D</a:t>
+            </a:r>
+            <a:r>
+              <a:rPr lang="da-DK" sz="3500" baseline="-25000" dirty="0">
+                <a:latin typeface="Consolas" pitchFamily="49" charset="0"/>
+                <a:cs typeface="Consolas" pitchFamily="49" charset="0"/>
+              </a:rPr>
+              <a:t>2</a:t>
+            </a:r>
+            <a:r>
+              <a:rPr lang="da-DK" sz="3500" dirty="0">
+                <a:latin typeface="Consolas" pitchFamily="49" charset="0"/>
+                <a:cs typeface="Consolas" pitchFamily="49" charset="0"/>
+              </a:rPr>
+              <a:t> + (</a:t>
+            </a:r>
+            <a:r>
+              <a:rPr lang="da-DK" sz="3500" i="1" dirty="0">
+                <a:latin typeface="Consolas" pitchFamily="49" charset="0"/>
+                <a:cs typeface="Consolas" pitchFamily="49" charset="0"/>
+              </a:rPr>
+              <a:t>n</a:t>
+            </a:r>
+            <a:r>
+              <a:rPr lang="da-DK" sz="3500" dirty="0">
+                <a:latin typeface="Consolas" pitchFamily="49" charset="0"/>
+                <a:cs typeface="Consolas" pitchFamily="49" charset="0"/>
+              </a:rPr>
+              <a:t>-2)×</a:t>
+            </a:r>
+            <a:r>
+              <a:rPr lang="da-DK" sz="3500" i="1" dirty="0">
+                <a:latin typeface="Consolas" pitchFamily="49" charset="0"/>
+                <a:cs typeface="Consolas" pitchFamily="49" charset="0"/>
+              </a:rPr>
+              <a:t>D</a:t>
+            </a:r>
+            <a:r>
+              <a:rPr lang="da-DK" sz="3500" baseline="-25000" dirty="0">
+                <a:latin typeface="Consolas" pitchFamily="49" charset="0"/>
+                <a:cs typeface="Consolas" pitchFamily="49" charset="0"/>
+              </a:rPr>
+              <a:t>3</a:t>
+            </a:r>
+            <a:r>
+              <a:rPr lang="da-DK" sz="3500" dirty="0">
+                <a:latin typeface="Consolas" pitchFamily="49" charset="0"/>
+                <a:cs typeface="Consolas" pitchFamily="49" charset="0"/>
+              </a:rPr>
+              <a:t> + ... + </a:t>
+            </a:r>
+            <a:r>
+              <a:rPr lang="da-DK" sz="3500" i="1" dirty="0">
+                <a:latin typeface="Consolas" pitchFamily="49" charset="0"/>
+                <a:cs typeface="Consolas" pitchFamily="49" charset="0"/>
+              </a:rPr>
+              <a:t>D</a:t>
+            </a:r>
+            <a:r>
+              <a:rPr lang="da-DK" sz="3500" i="1" baseline="-25000" dirty="0">
+                <a:latin typeface="Consolas" pitchFamily="49" charset="0"/>
+                <a:cs typeface="Consolas" pitchFamily="49" charset="0"/>
+              </a:rPr>
+              <a:t>n</a:t>
+            </a:r>
+            <a:r>
+              <a:rPr lang="da-DK" sz="3500" dirty="0">
+                <a:latin typeface="Consolas" pitchFamily="49" charset="0"/>
+                <a:cs typeface="Consolas" pitchFamily="49" charset="0"/>
+              </a:rPr>
+              <a:t> + </a:t>
+            </a:r>
+            <a:r>
+              <a:rPr lang="da-DK" sz="3500" i="1" dirty="0">
+                <a:latin typeface="Consolas" pitchFamily="49" charset="0"/>
+                <a:cs typeface="Consolas" pitchFamily="49" charset="0"/>
+              </a:rPr>
+              <a:t>n</a:t>
+            </a:r>
+            <a:r>
+              <a:rPr lang="da-DK" sz="3500" dirty="0">
+                <a:latin typeface="Consolas" pitchFamily="49" charset="0"/>
+                <a:cs typeface="Consolas" pitchFamily="49" charset="0"/>
+              </a:rPr>
+              <a:t> (mod 65521) </a:t>
+            </a:r>
+            <a:br>
+              <a:rPr lang="da-DK" sz="3500" dirty="0">
+                <a:latin typeface="Consolas" pitchFamily="49" charset="0"/>
+                <a:cs typeface="Consolas" pitchFamily="49" charset="0"/>
+              </a:rPr>
+            </a:br>
+            <a:r>
+              <a:rPr lang="da-DK" sz="3500" i="1" dirty="0">
+                <a:latin typeface="Consolas" pitchFamily="49" charset="0"/>
+                <a:cs typeface="Consolas" pitchFamily="49" charset="0"/>
+              </a:rPr>
+              <a:t>Adler-32</a:t>
+            </a:r>
+            <a:r>
+              <a:rPr lang="da-DK" sz="3500" dirty="0">
+                <a:latin typeface="Consolas" pitchFamily="49" charset="0"/>
+                <a:cs typeface="Consolas" pitchFamily="49" charset="0"/>
+              </a:rPr>
+              <a:t>(</a:t>
+            </a:r>
+            <a:r>
+              <a:rPr lang="da-DK" sz="3500" i="1" dirty="0">
+                <a:latin typeface="Consolas" pitchFamily="49" charset="0"/>
+                <a:cs typeface="Consolas" pitchFamily="49" charset="0"/>
+              </a:rPr>
+              <a:t>D</a:t>
+            </a:r>
+            <a:r>
+              <a:rPr lang="da-DK" sz="3500" dirty="0">
+                <a:latin typeface="Consolas" pitchFamily="49" charset="0"/>
+                <a:cs typeface="Consolas" pitchFamily="49" charset="0"/>
+              </a:rPr>
+              <a:t>) = </a:t>
+            </a:r>
+            <a:r>
+              <a:rPr lang="da-DK" sz="3500" i="1" dirty="0">
+                <a:latin typeface="Consolas" pitchFamily="49" charset="0"/>
+                <a:cs typeface="Consolas" pitchFamily="49" charset="0"/>
+              </a:rPr>
+              <a:t>B</a:t>
+            </a:r>
+            <a:r>
+              <a:rPr lang="da-DK" sz="3500" dirty="0">
+                <a:latin typeface="Consolas" pitchFamily="49" charset="0"/>
+                <a:cs typeface="Consolas" pitchFamily="49" charset="0"/>
+              </a:rPr>
+              <a:t> × 65536 + </a:t>
+            </a:r>
+            <a:r>
+              <a:rPr lang="da-DK" sz="3500" i="1" dirty="0">
+                <a:latin typeface="Consolas" pitchFamily="49" charset="0"/>
+                <a:cs typeface="Consolas" pitchFamily="49" charset="0"/>
+              </a:rPr>
+              <a:t>A</a:t>
+            </a:r>
+            <a:endParaRPr lang="en-GB" sz="3500" dirty="0">
+              <a:latin typeface="Consolas" pitchFamily="49" charset="0"/>
+              <a:cs typeface="Consolas" pitchFamily="49" charset="0"/>
+            </a:endParaRPr>
+          </a:p>
+        </p:txBody>
+      </p:sp>
+    </p:spTree>
+    <p:extLst>
+      <p:ext uri="{BB962C8B-B14F-4D97-AF65-F5344CB8AC3E}">
+        <p14:creationId xmlns:p14="http://schemas.microsoft.com/office/powerpoint/2010/main" val="2045974124"/>
+      </p:ext>
+    </p:extLst>
+  </p:cSld>
+  <p:clrMapOvr>
+    <a:masterClrMapping/>
+  </p:clrMapOvr>
+  <p:timing>
+    <p:tnLst>
+      <p:par>
+        <p:cTn id="1" dur="indefinite" restart="never" nodeType="tmRoot"/>
+      </p:par>
+    </p:tnLst>
+  </p:timing>
+</p:sld>
+</file>
+
+<file path=ppt/slides/slide9.xml><?xml version="1.0" encoding="utf-8"?>
+<p:sld xmlns:a="http://schemas.openxmlformats.org/drawingml/2006/main" xmlns:r="http://schemas.openxmlformats.org/officeDocument/2006/relationships" xmlns:p="http://schemas.openxmlformats.org/presentationml/2006/main">
+  <p:cSld>
+    <p:spTree>
+      <p:nvGrpSpPr>
+        <p:cNvPr id="1" name=""/>
+        <p:cNvGrpSpPr/>
+        <p:nvPr/>
+      </p:nvGrpSpPr>
+      <p:grpSpPr>
+        <a:xfrm>
+          <a:off x="0" y="0"/>
+          <a:ext cx="0" cy="0"/>
+          <a:chOff x="0" y="0"/>
+          <a:chExt cx="0" cy="0"/>
+        </a:xfrm>
+      </p:grpSpPr>
+      <p:sp>
+        <p:nvSpPr>
+          <p:cNvPr id="2" name="Title 1"/>
+          <p:cNvSpPr>
+            <a:spLocks noGrp="1"/>
+          </p:cNvSpPr>
+          <p:nvPr>
+            <p:ph type="title"/>
+          </p:nvPr>
+        </p:nvSpPr>
+        <p:spPr/>
+        <p:txBody>
+          <a:bodyPr/>
+          <a:lstStyle/>
+          <a:p>
+            <a:r>
+              <a:rPr lang="en-GB" dirty="0"/>
+              <a:t>H</a:t>
+            </a:r>
+            <a:r>
+              <a:rPr lang="en-GB" dirty="0" smtClean="0"/>
+              <a:t>ashes</a:t>
+            </a:r>
+            <a:endParaRPr lang="en-GB" dirty="0"/>
+          </a:p>
+        </p:txBody>
+      </p:sp>
+      <p:sp>
+        <p:nvSpPr>
+          <p:cNvPr id="3" name="Content Placeholder 2"/>
+          <p:cNvSpPr>
+            <a:spLocks noGrp="1"/>
+          </p:cNvSpPr>
+          <p:nvPr>
+            <p:ph idx="1"/>
+          </p:nvPr>
+        </p:nvSpPr>
+        <p:spPr/>
+        <p:txBody>
+          <a:bodyPr/>
+          <a:lstStyle/>
+          <a:p>
+            <a:r>
+              <a:rPr lang="en-GB" dirty="0" smtClean="0"/>
+              <a:t>Strong Hash</a:t>
+            </a:r>
+          </a:p>
+          <a:p>
+            <a:pPr lvl="1"/>
+            <a:r>
+              <a:rPr lang="en-GB" dirty="0" smtClean="0"/>
+              <a:t>Can be any hash with good collision characteristics</a:t>
+            </a:r>
+          </a:p>
+          <a:p>
+            <a:pPr lvl="1"/>
+            <a:r>
+              <a:rPr lang="en-GB" dirty="0" smtClean="0"/>
+              <a:t>Originally used MD4</a:t>
+            </a:r>
+          </a:p>
+          <a:p>
+            <a:pPr lvl="1"/>
+            <a:r>
+              <a:rPr lang="en-GB" dirty="0" smtClean="0"/>
+              <a:t>I use SHA256Managed.</a:t>
+            </a:r>
+            <a:endParaRPr lang="en-GB" dirty="0"/>
+          </a:p>
+        </p:txBody>
+      </p:sp>
+    </p:spTree>
+    <p:extLst>
+      <p:ext uri="{BB962C8B-B14F-4D97-AF65-F5344CB8AC3E}">
+        <p14:creationId xmlns:p14="http://schemas.microsoft.com/office/powerpoint/2010/main" val="534597621"/>
       </p:ext>
     </p:extLst>
   </p:cSld>
@@ -5047,4 +11844,289 @@
   <a:objectDefaults/>
   <a:extraClrSchemeLst/>
 </a:theme>
+</file>
+
+<file path=ppt/theme/theme2.xml><?xml version="1.0" encoding="utf-8"?>
+<a:theme xmlns:a="http://schemas.openxmlformats.org/drawingml/2006/main" name="Office Theme">
+  <a:themeElements>
+    <a:clrScheme name="Office">
+      <a:dk1>
+        <a:sysClr val="windowText" lastClr="000000"/>
+      </a:dk1>
+      <a:lt1>
+        <a:sysClr val="window" lastClr="FFFFFF"/>
+      </a:lt1>
+      <a:dk2>
+        <a:srgbClr val="1F497D"/>
+      </a:dk2>
+      <a:lt2>
+        <a:srgbClr val="EEECE1"/>
+      </a:lt2>
+      <a:accent1>
+        <a:srgbClr val="4F81BD"/>
+      </a:accent1>
+      <a:accent2>
+        <a:srgbClr val="C0504D"/>
+      </a:accent2>
+      <a:accent3>
+        <a:srgbClr val="9BBB59"/>
+      </a:accent3>
+      <a:accent4>
+        <a:srgbClr val="8064A2"/>
+      </a:accent4>
+      <a:accent5>
+        <a:srgbClr val="4BACC6"/>
+      </a:accent5>
+      <a:accent6>
+        <a:srgbClr val="F79646"/>
+      </a:accent6>
+      <a:hlink>
+        <a:srgbClr val="0000FF"/>
+      </a:hlink>
+      <a:folHlink>
+        <a:srgbClr val="800080"/>
+      </a:folHlink>
+    </a:clrScheme>
+    <a:fontScheme name="Office">
+      <a:majorFont>
+        <a:latin typeface="Calibri"/>
+        <a:ea typeface=""/>
+        <a:cs typeface=""/>
+        <a:font script="Jpan" typeface="ＭＳ Ｐゴシック"/>
+        <a:font script="Hang" typeface="맑은 고딕"/>
+        <a:font script="Hans" typeface="宋体"/>
+        <a:font script="Hant" typeface="新細明體"/>
+        <a:font script="Arab" typeface="Times New Roman"/>
+        <a:font script="Hebr" typeface="Times New Roman"/>
+        <a:font script="Thai" typeface="Angsana New"/>
+        <a:font script="Ethi" typeface="Nyala"/>
+        <a:font script="Beng" typeface="Vrinda"/>
+        <a:font script="Gujr" typeface="Shruti"/>
+        <a:font script="Khmr" typeface="MoolBoran"/>
+        <a:font script="Knda" typeface="Tunga"/>
+        <a:font script="Guru" typeface="Raavi"/>
+        <a:font script="Cans" typeface="Euphemia"/>
+        <a:font script="Cher" typeface="Plantagenet Cherokee"/>
+        <a:font script="Yiii" typeface="Microsoft Yi Baiti"/>
+        <a:font script="Tibt" typeface="Microsoft Himalaya"/>
+        <a:font script="Thaa" typeface="MV Boli"/>
+        <a:font script="Deva" typeface="Mangal"/>
+        <a:font script="Telu" typeface="Gautami"/>
+        <a:font script="Taml" typeface="Latha"/>
+        <a:font script="Syrc" typeface="Estrangelo Edessa"/>
+        <a:font script="Orya" typeface="Kalinga"/>
+        <a:font script="Mlym" typeface="Kartika"/>
+        <a:font script="Laoo" typeface="DokChampa"/>
+        <a:font script="Sinh" typeface="Iskoola Pota"/>
+        <a:font script="Mong" typeface="Mongolian Baiti"/>
+        <a:font script="Viet" typeface="Times New Roman"/>
+        <a:font script="Uigh" typeface="Microsoft Uighur"/>
+        <a:font script="Geor" typeface="Sylfaen"/>
+      </a:majorFont>
+      <a:minorFont>
+        <a:latin typeface="Calibri"/>
+        <a:ea typeface=""/>
+        <a:cs typeface=""/>
+        <a:font script="Jpan" typeface="ＭＳ Ｐゴシック"/>
+        <a:font script="Hang" typeface="맑은 고딕"/>
+        <a:font script="Hans" typeface="宋体"/>
+        <a:font script="Hant" typeface="新細明體"/>
+        <a:font script="Arab" typeface="Arial"/>
+        <a:font script="Hebr" typeface="Arial"/>
+        <a:font script="Thai" typeface="Cordia New"/>
+        <a:font script="Ethi" typeface="Nyala"/>
+        <a:font script="Beng" typeface="Vrinda"/>
+        <a:font script="Gujr" typeface="Shruti"/>
+        <a:font script="Khmr" typeface="DaunPenh"/>
+        <a:font script="Knda" typeface="Tunga"/>
+        <a:font script="Guru" typeface="Raavi"/>
+        <a:font script="Cans" typeface="Euphemia"/>
+        <a:font script="Cher" typeface="Plantagenet Cherokee"/>
+        <a:font script="Yiii" typeface="Microsoft Yi Baiti"/>
+        <a:font script="Tibt" typeface="Microsoft Himalaya"/>
+        <a:font script="Thaa" typeface="MV Boli"/>
+        <a:font script="Deva" typeface="Mangal"/>
+        <a:font script="Telu" typeface="Gautami"/>
+        <a:font script="Taml" typeface="Latha"/>
+        <a:font script="Syrc" typeface="Estrangelo Edessa"/>
+        <a:font script="Orya" typeface="Kalinga"/>
+        <a:font script="Mlym" typeface="Kartika"/>
+        <a:font script="Laoo" typeface="DokChampa"/>
+        <a:font script="Sinh" typeface="Iskoola Pota"/>
+        <a:font script="Mong" typeface="Mongolian Baiti"/>
+        <a:font script="Viet" typeface="Arial"/>
+        <a:font script="Uigh" typeface="Microsoft Uighur"/>
+        <a:font script="Geor" typeface="Sylfaen"/>
+      </a:minorFont>
+    </a:fontScheme>
+    <a:fmtScheme name="Office">
+      <a:fillStyleLst>
+        <a:solidFill>
+          <a:schemeClr val="phClr"/>
+        </a:solidFill>
+        <a:gradFill rotWithShape="1">
+          <a:gsLst>
+            <a:gs pos="0">
+              <a:schemeClr val="phClr">
+                <a:tint val="50000"/>
+                <a:satMod val="300000"/>
+              </a:schemeClr>
+            </a:gs>
+            <a:gs pos="35000">
+              <a:schemeClr val="phClr">
+                <a:tint val="37000"/>
+                <a:satMod val="300000"/>
+              </a:schemeClr>
+            </a:gs>
+            <a:gs pos="100000">
+              <a:schemeClr val="phClr">
+                <a:tint val="15000"/>
+                <a:satMod val="350000"/>
+              </a:schemeClr>
+            </a:gs>
+          </a:gsLst>
+          <a:lin ang="16200000" scaled="1"/>
+        </a:gradFill>
+        <a:gradFill rotWithShape="1">
+          <a:gsLst>
+            <a:gs pos="0">
+              <a:schemeClr val="phClr">
+                <a:shade val="51000"/>
+                <a:satMod val="130000"/>
+              </a:schemeClr>
+            </a:gs>
+            <a:gs pos="80000">
+              <a:schemeClr val="phClr">
+                <a:shade val="93000"/>
+                <a:satMod val="130000"/>
+              </a:schemeClr>
+            </a:gs>
+            <a:gs pos="100000">
+              <a:schemeClr val="phClr">
+                <a:shade val="94000"/>
+                <a:satMod val="135000"/>
+              </a:schemeClr>
+            </a:gs>
+          </a:gsLst>
+          <a:lin ang="16200000" scaled="0"/>
+        </a:gradFill>
+      </a:fillStyleLst>
+      <a:lnStyleLst>
+        <a:ln w="9525" cap="flat" cmpd="sng" algn="ctr">
+          <a:solidFill>
+            <a:schemeClr val="phClr">
+              <a:shade val="95000"/>
+              <a:satMod val="105000"/>
+            </a:schemeClr>
+          </a:solidFill>
+          <a:prstDash val="solid"/>
+        </a:ln>
+        <a:ln w="25400" cap="flat" cmpd="sng" algn="ctr">
+          <a:solidFill>
+            <a:schemeClr val="phClr"/>
+          </a:solidFill>
+          <a:prstDash val="solid"/>
+        </a:ln>
+        <a:ln w="38100" cap="flat" cmpd="sng" algn="ctr">
+          <a:solidFill>
+            <a:schemeClr val="phClr"/>
+          </a:solidFill>
+          <a:prstDash val="solid"/>
+        </a:ln>
+      </a:lnStyleLst>
+      <a:effectStyleLst>
+        <a:effectStyle>
+          <a:effectLst>
+            <a:outerShdw blurRad="40000" dist="20000" dir="5400000" rotWithShape="0">
+              <a:srgbClr val="000000">
+                <a:alpha val="38000"/>
+              </a:srgbClr>
+            </a:outerShdw>
+          </a:effectLst>
+        </a:effectStyle>
+        <a:effectStyle>
+          <a:effectLst>
+            <a:outerShdw blurRad="40000" dist="23000" dir="5400000" rotWithShape="0">
+              <a:srgbClr val="000000">
+                <a:alpha val="35000"/>
+              </a:srgbClr>
+            </a:outerShdw>
+          </a:effectLst>
+        </a:effectStyle>
+        <a:effectStyle>
+          <a:effectLst>
+            <a:outerShdw blurRad="40000" dist="23000" dir="5400000" rotWithShape="0">
+              <a:srgbClr val="000000">
+                <a:alpha val="35000"/>
+              </a:srgbClr>
+            </a:outerShdw>
+          </a:effectLst>
+          <a:scene3d>
+            <a:camera prst="orthographicFront">
+              <a:rot lat="0" lon="0" rev="0"/>
+            </a:camera>
+            <a:lightRig rig="threePt" dir="t">
+              <a:rot lat="0" lon="0" rev="1200000"/>
+            </a:lightRig>
+          </a:scene3d>
+          <a:sp3d>
+            <a:bevelT w="63500" h="25400"/>
+          </a:sp3d>
+        </a:effectStyle>
+      </a:effectStyleLst>
+      <a:bgFillStyleLst>
+        <a:solidFill>
+          <a:schemeClr val="phClr"/>
+        </a:solidFill>
+        <a:gradFill rotWithShape="1">
+          <a:gsLst>
+            <a:gs pos="0">
+              <a:schemeClr val="phClr">
+                <a:tint val="40000"/>
+                <a:satMod val="350000"/>
+              </a:schemeClr>
+            </a:gs>
+            <a:gs pos="40000">
+              <a:schemeClr val="phClr">
+                <a:tint val="45000"/>
+                <a:shade val="99000"/>
+                <a:satMod val="350000"/>
+              </a:schemeClr>
+            </a:gs>
+            <a:gs pos="100000">
+              <a:schemeClr val="phClr">
+                <a:shade val="20000"/>
+                <a:satMod val="255000"/>
+              </a:schemeClr>
+            </a:gs>
+          </a:gsLst>
+          <a:path path="circle">
+            <a:fillToRect l="50000" t="-80000" r="50000" b="180000"/>
+          </a:path>
+        </a:gradFill>
+        <a:gradFill rotWithShape="1">
+          <a:gsLst>
+            <a:gs pos="0">
+              <a:schemeClr val="phClr">
+                <a:tint val="80000"/>
+                <a:satMod val="300000"/>
+              </a:schemeClr>
+            </a:gs>
+            <a:gs pos="100000">
+              <a:schemeClr val="phClr">
+                <a:shade val="30000"/>
+                <a:satMod val="200000"/>
+              </a:schemeClr>
+            </a:gs>
+          </a:gsLst>
+          <a:path path="circle">
+            <a:fillToRect l="50000" t="50000" r="50000" b="50000"/>
+          </a:path>
+        </a:gradFill>
+      </a:bgFillStyleLst>
+    </a:fmtScheme>
+  </a:themeElements>
+  <a:objectDefaults/>
+  <a:extraClrSchemeLst/>
+</a:theme>
 </file>